--- a/w266.pptx
+++ b/w266.pptx
@@ -12,10 +12,13 @@
     <p:sldId id="259" r:id="rId6"/>
     <p:sldId id="260" r:id="rId7"/>
     <p:sldId id="261" r:id="rId8"/>
-    <p:sldId id="263" r:id="rId9"/>
-    <p:sldId id="264" r:id="rId10"/>
-    <p:sldId id="265" r:id="rId11"/>
-    <p:sldId id="266" r:id="rId12"/>
+    <p:sldId id="267" r:id="rId9"/>
+    <p:sldId id="263" r:id="rId10"/>
+    <p:sldId id="268" r:id="rId11"/>
+    <p:sldId id="269" r:id="rId12"/>
+    <p:sldId id="264" r:id="rId13"/>
+    <p:sldId id="265" r:id="rId14"/>
+    <p:sldId id="266" r:id="rId15"/>
   </p:sldIdLst>
   <p:sldSz cx="12192000" cy="6858000"/>
   <p:notesSz cx="6858000" cy="9144000"/>
@@ -114,6 +117,11 @@
       </a:defRPr>
     </a:lvl9pPr>
   </p:defaultTextStyle>
+  <p:extLst>
+    <p:ext uri="{EFAFB233-063F-42B5-8137-9DF3F51BA10A}">
+      <p15:sldGuideLst xmlns:p15="http://schemas.microsoft.com/office/powerpoint/2012/main"/>
+    </p:ext>
+  </p:extLst>
 </p:presentation>
 </file>
 
@@ -264,7 +272,7 @@
           <a:p>
             <a:fld id="{957AC810-2335-1041-824F-64883289A110}" type="datetimeFigureOut">
               <a:rPr lang="en-US" smtClean="0"/>
-              <a:t>11/29/21</a:t>
+              <a:t>12/3/21</a:t>
             </a:fld>
             <a:endParaRPr lang="en-US"/>
           </a:p>
@@ -462,7 +470,7 @@
           <a:p>
             <a:fld id="{957AC810-2335-1041-824F-64883289A110}" type="datetimeFigureOut">
               <a:rPr lang="en-US" smtClean="0"/>
-              <a:t>11/29/21</a:t>
+              <a:t>12/3/21</a:t>
             </a:fld>
             <a:endParaRPr lang="en-US"/>
           </a:p>
@@ -670,7 +678,7 @@
           <a:p>
             <a:fld id="{957AC810-2335-1041-824F-64883289A110}" type="datetimeFigureOut">
               <a:rPr lang="en-US" smtClean="0"/>
-              <a:t>11/29/21</a:t>
+              <a:t>12/3/21</a:t>
             </a:fld>
             <a:endParaRPr lang="en-US"/>
           </a:p>
@@ -868,7 +876,7 @@
           <a:p>
             <a:fld id="{957AC810-2335-1041-824F-64883289A110}" type="datetimeFigureOut">
               <a:rPr lang="en-US" smtClean="0"/>
-              <a:t>11/29/21</a:t>
+              <a:t>12/3/21</a:t>
             </a:fld>
             <a:endParaRPr lang="en-US"/>
           </a:p>
@@ -1143,7 +1151,7 @@
           <a:p>
             <a:fld id="{957AC810-2335-1041-824F-64883289A110}" type="datetimeFigureOut">
               <a:rPr lang="en-US" smtClean="0"/>
-              <a:t>11/29/21</a:t>
+              <a:t>12/3/21</a:t>
             </a:fld>
             <a:endParaRPr lang="en-US"/>
           </a:p>
@@ -1408,7 +1416,7 @@
           <a:p>
             <a:fld id="{957AC810-2335-1041-824F-64883289A110}" type="datetimeFigureOut">
               <a:rPr lang="en-US" smtClean="0"/>
-              <a:t>11/29/21</a:t>
+              <a:t>12/3/21</a:t>
             </a:fld>
             <a:endParaRPr lang="en-US"/>
           </a:p>
@@ -1820,7 +1828,7 @@
           <a:p>
             <a:fld id="{957AC810-2335-1041-824F-64883289A110}" type="datetimeFigureOut">
               <a:rPr lang="en-US" smtClean="0"/>
-              <a:t>11/29/21</a:t>
+              <a:t>12/3/21</a:t>
             </a:fld>
             <a:endParaRPr lang="en-US"/>
           </a:p>
@@ -1961,7 +1969,7 @@
           <a:p>
             <a:fld id="{957AC810-2335-1041-824F-64883289A110}" type="datetimeFigureOut">
               <a:rPr lang="en-US" smtClean="0"/>
-              <a:t>11/29/21</a:t>
+              <a:t>12/3/21</a:t>
             </a:fld>
             <a:endParaRPr lang="en-US"/>
           </a:p>
@@ -2074,7 +2082,7 @@
           <a:p>
             <a:fld id="{957AC810-2335-1041-824F-64883289A110}" type="datetimeFigureOut">
               <a:rPr lang="en-US" smtClean="0"/>
-              <a:t>11/29/21</a:t>
+              <a:t>12/3/21</a:t>
             </a:fld>
             <a:endParaRPr lang="en-US"/>
           </a:p>
@@ -2385,7 +2393,7 @@
           <a:p>
             <a:fld id="{957AC810-2335-1041-824F-64883289A110}" type="datetimeFigureOut">
               <a:rPr lang="en-US" smtClean="0"/>
-              <a:t>11/29/21</a:t>
+              <a:t>12/3/21</a:t>
             </a:fld>
             <a:endParaRPr lang="en-US"/>
           </a:p>
@@ -2673,7 +2681,7 @@
           <a:p>
             <a:fld id="{957AC810-2335-1041-824F-64883289A110}" type="datetimeFigureOut">
               <a:rPr lang="en-US" smtClean="0"/>
-              <a:t>11/29/21</a:t>
+              <a:t>12/3/21</a:t>
             </a:fld>
             <a:endParaRPr lang="en-US"/>
           </a:p>
@@ -2914,7 +2922,7 @@
           <a:p>
             <a:fld id="{957AC810-2335-1041-824F-64883289A110}" type="datetimeFigureOut">
               <a:rPr lang="en-US" smtClean="0"/>
-              <a:t>11/29/21</a:t>
+              <a:t>12/3/21</a:t>
             </a:fld>
             <a:endParaRPr lang="en-US"/>
           </a:p>
@@ -3377,7 +3385,7 @@
                 <a:ea typeface="+mj-ea"/>
                 <a:cs typeface="+mj-cs"/>
               </a:rPr>
-              <a:t>Tackling imbalanced data in on-line fake review detection</a:t>
+              <a:t>Tackling imbalanced data in online fake review detection</a:t>
             </a:r>
           </a:p>
         </p:txBody>
@@ -3494,13 +3502,13 @@
         </p:nvSpPr>
         <p:spPr>
           <a:xfrm>
-            <a:off x="4955354" y="2682433"/>
-            <a:ext cx="6282169" cy="3215749"/>
+            <a:off x="4955355" y="2682433"/>
+            <a:ext cx="4645846" cy="3215749"/>
           </a:xfrm>
         </p:spPr>
         <p:txBody>
           <a:bodyPr vert="horz" lIns="91440" tIns="45720" rIns="91440" bIns="45720" rtlCol="0">
-            <a:normAutofit/>
+            <a:normAutofit lnSpcReduction="10000"/>
           </a:bodyPr>
           <a:lstStyle/>
           <a:p>
@@ -3552,8 +3560,22 @@
           <a:p>
             <a:pPr algn="l"/>
             <a:r>
-              <a:rPr lang="en-US" i="1" dirty="0"/>
-              <a:t>Genuine reviews are all alike; every fake review is fake in its own way - Tolstoy</a:t>
+              <a:rPr lang="en-US" sz="2000" i="1" dirty="0"/>
+              <a:t>Genuine reviews are all alike;</a:t>
+            </a:r>
+          </a:p>
+          <a:p>
+            <a:pPr algn="l"/>
+            <a:r>
+              <a:rPr lang="en-US" sz="2000" i="1" dirty="0"/>
+              <a:t>every fake review is fake in its own way </a:t>
+            </a:r>
+          </a:p>
+          <a:p>
+            <a:pPr algn="l"/>
+            <a:r>
+              <a:rPr lang="en-US" sz="2000" i="1" dirty="0"/>
+              <a:t>                                                       - Tolstoy</a:t>
             </a:r>
           </a:p>
           <a:p>
@@ -3600,6 +3622,437 @@
           <p:cNvPr id="2" name="Title 1">
             <a:extLst>
               <a:ext uri="{FF2B5EF4-FFF2-40B4-BE49-F238E27FC236}">
+                <a16:creationId xmlns:a16="http://schemas.microsoft.com/office/drawing/2014/main" id="{3E8B1B4F-00BE-A842-84CB-31E233D2214F}"/>
+              </a:ext>
+            </a:extLst>
+          </p:cNvPr>
+          <p:cNvSpPr>
+            <a:spLocks noGrp="1"/>
+          </p:cNvSpPr>
+          <p:nvPr>
+            <p:ph type="title"/>
+          </p:nvPr>
+        </p:nvSpPr>
+        <p:spPr>
+          <a:xfrm>
+            <a:off x="808638" y="386930"/>
+            <a:ext cx="9236700" cy="1188950"/>
+          </a:xfrm>
+        </p:spPr>
+        <p:txBody>
+          <a:bodyPr anchor="b">
+            <a:normAutofit/>
+          </a:bodyPr>
+          <a:lstStyle/>
+          <a:p>
+            <a:r>
+              <a:rPr lang="en-US" sz="5400"/>
+              <a:t>Approach</a:t>
+            </a:r>
+          </a:p>
+        </p:txBody>
+      </p:sp>
+      <p:sp>
+        <p:nvSpPr>
+          <p:cNvPr id="3" name="Content Placeholder 2">
+            <a:extLst>
+              <a:ext uri="{FF2B5EF4-FFF2-40B4-BE49-F238E27FC236}">
+                <a16:creationId xmlns:a16="http://schemas.microsoft.com/office/drawing/2014/main" id="{2B5413CE-44E2-6541-AD3B-3BC64CC43234}"/>
+              </a:ext>
+            </a:extLst>
+          </p:cNvPr>
+          <p:cNvSpPr>
+            <a:spLocks noGrp="1"/>
+          </p:cNvSpPr>
+          <p:nvPr>
+            <p:ph idx="1"/>
+          </p:nvPr>
+        </p:nvSpPr>
+        <p:spPr>
+          <a:xfrm>
+            <a:off x="793660" y="2599509"/>
+            <a:ext cx="10143668" cy="3435531"/>
+          </a:xfrm>
+        </p:spPr>
+        <p:txBody>
+          <a:bodyPr anchor="ctr">
+            <a:normAutofit lnSpcReduction="10000"/>
+          </a:bodyPr>
+          <a:lstStyle/>
+          <a:p>
+            <a:endParaRPr lang="en-US" sz="2400" dirty="0"/>
+          </a:p>
+          <a:p>
+            <a:r>
+              <a:rPr lang="en-US" sz="2400" dirty="0"/>
+              <a:t>LF: uses linguistic features from the review content only, by extracting bigrams from the reviews data. </a:t>
+            </a:r>
+          </a:p>
+          <a:p>
+            <a:r>
+              <a:rPr lang="en-US" sz="2400" dirty="0"/>
+              <a:t>CNN: uses the same bigram features but trained using a Convolutional Neural Network. </a:t>
+            </a:r>
+          </a:p>
+          <a:p>
+            <a:r>
+              <a:rPr lang="en-US" sz="2400" dirty="0"/>
+              <a:t>LF+BF: is a concatenation of linguistic as well as behavioral features from the the review, including its length, rating, and other reviews by the same reviewer. </a:t>
+            </a:r>
+          </a:p>
+          <a:p>
+            <a:r>
+              <a:rPr lang="en-US" sz="2400" dirty="0" err="1"/>
+              <a:t>bfGAN</a:t>
+            </a:r>
+            <a:r>
+              <a:rPr lang="en-US" sz="2400" dirty="0"/>
+              <a:t>: is the state-of-the-art algorithm using a number of </a:t>
+            </a:r>
+            <a:r>
+              <a:rPr lang="en-US" sz="2400" dirty="0" err="1"/>
+              <a:t>generat</a:t>
+            </a:r>
+            <a:endParaRPr lang="en-US" sz="2400" dirty="0"/>
+          </a:p>
+        </p:txBody>
+      </p:sp>
+    </p:spTree>
+    <p:extLst>
+      <p:ext uri="{BB962C8B-B14F-4D97-AF65-F5344CB8AC3E}">
+        <p14:creationId xmlns:p14="http://schemas.microsoft.com/office/powerpoint/2010/main" val="2980926522"/>
+      </p:ext>
+    </p:extLst>
+  </p:cSld>
+  <p:clrMapOvr>
+    <a:masterClrMapping/>
+  </p:clrMapOvr>
+</p:sld>
+</file>
+
+<file path=ppt/slides/slide11.xml><?xml version="1.0" encoding="utf-8"?>
+<p:sld xmlns:a="http://schemas.openxmlformats.org/drawingml/2006/main" xmlns:r="http://schemas.openxmlformats.org/officeDocument/2006/relationships" xmlns:p="http://schemas.openxmlformats.org/presentationml/2006/main">
+  <p:cSld>
+    <p:spTree>
+      <p:nvGrpSpPr>
+        <p:cNvPr id="1" name=""/>
+        <p:cNvGrpSpPr/>
+        <p:nvPr/>
+      </p:nvGrpSpPr>
+      <p:grpSpPr>
+        <a:xfrm>
+          <a:off x="0" y="0"/>
+          <a:ext cx="0" cy="0"/>
+          <a:chOff x="0" y="0"/>
+          <a:chExt cx="0" cy="0"/>
+        </a:xfrm>
+      </p:grpSpPr>
+      <p:sp>
+        <p:nvSpPr>
+          <p:cNvPr id="2" name="Title 1">
+            <a:extLst>
+              <a:ext uri="{FF2B5EF4-FFF2-40B4-BE49-F238E27FC236}">
+                <a16:creationId xmlns:a16="http://schemas.microsoft.com/office/drawing/2014/main" id="{3E8B1B4F-00BE-A842-84CB-31E233D2214F}"/>
+              </a:ext>
+            </a:extLst>
+          </p:cNvPr>
+          <p:cNvSpPr>
+            <a:spLocks noGrp="1"/>
+          </p:cNvSpPr>
+          <p:nvPr>
+            <p:ph type="title"/>
+          </p:nvPr>
+        </p:nvSpPr>
+        <p:spPr>
+          <a:xfrm>
+            <a:off x="808638" y="386930"/>
+            <a:ext cx="9236700" cy="1188950"/>
+          </a:xfrm>
+        </p:spPr>
+        <p:txBody>
+          <a:bodyPr anchor="b">
+            <a:normAutofit/>
+          </a:bodyPr>
+          <a:lstStyle/>
+          <a:p>
+            <a:r>
+              <a:rPr lang="en-US" sz="5400"/>
+              <a:t>Approach</a:t>
+            </a:r>
+          </a:p>
+        </p:txBody>
+      </p:sp>
+      <p:sp>
+        <p:nvSpPr>
+          <p:cNvPr id="3" name="Content Placeholder 2">
+            <a:extLst>
+              <a:ext uri="{FF2B5EF4-FFF2-40B4-BE49-F238E27FC236}">
+                <a16:creationId xmlns:a16="http://schemas.microsoft.com/office/drawing/2014/main" id="{2B5413CE-44E2-6541-AD3B-3BC64CC43234}"/>
+              </a:ext>
+            </a:extLst>
+          </p:cNvPr>
+          <p:cNvSpPr>
+            <a:spLocks noGrp="1"/>
+          </p:cNvSpPr>
+          <p:nvPr>
+            <p:ph idx="1"/>
+          </p:nvPr>
+        </p:nvSpPr>
+        <p:spPr>
+          <a:xfrm>
+            <a:off x="793660" y="2599509"/>
+            <a:ext cx="10143668" cy="3435531"/>
+          </a:xfrm>
+        </p:spPr>
+        <p:txBody>
+          <a:bodyPr anchor="ctr">
+            <a:normAutofit/>
+          </a:bodyPr>
+          <a:lstStyle/>
+          <a:p>
+            <a:endParaRPr lang="en-US" sz="2400" dirty="0"/>
+          </a:p>
+          <a:p>
+            <a:r>
+              <a:rPr lang="en-US" sz="2400" dirty="0"/>
+              <a:t>Training set 1: raw, imbalanced training set </a:t>
+            </a:r>
+          </a:p>
+          <a:p>
+            <a:r>
+              <a:rPr lang="en-US" sz="2400" dirty="0"/>
+              <a:t>Training set 2: balanced training set by under-sampling genuine reviews to the number of fake reviews </a:t>
+            </a:r>
+          </a:p>
+          <a:p>
+            <a:r>
+              <a:rPr lang="en-US" sz="2400" dirty="0"/>
+              <a:t>Training set 3: balanced training set by over-sampling fake reviews with replacement to the number of genuine reviews </a:t>
+            </a:r>
+          </a:p>
+          <a:p>
+            <a:r>
+              <a:rPr lang="en-US" sz="2400" dirty="0"/>
+              <a:t>Training set 4: balanced training set by including generated fake reviews per Table II</a:t>
+            </a:r>
+          </a:p>
+        </p:txBody>
+      </p:sp>
+    </p:spTree>
+    <p:extLst>
+      <p:ext uri="{BB962C8B-B14F-4D97-AF65-F5344CB8AC3E}">
+        <p14:creationId xmlns:p14="http://schemas.microsoft.com/office/powerpoint/2010/main" val="3900487652"/>
+      </p:ext>
+    </p:extLst>
+  </p:cSld>
+  <p:clrMapOvr>
+    <a:masterClrMapping/>
+  </p:clrMapOvr>
+</p:sld>
+</file>
+
+<file path=ppt/slides/slide12.xml><?xml version="1.0" encoding="utf-8"?>
+<p:sld xmlns:a="http://schemas.openxmlformats.org/drawingml/2006/main" xmlns:r="http://schemas.openxmlformats.org/officeDocument/2006/relationships" xmlns:p="http://schemas.openxmlformats.org/presentationml/2006/main">
+  <p:cSld>
+    <p:bg>
+      <p:bgPr>
+        <a:solidFill>
+          <a:schemeClr val="bg1"/>
+        </a:solidFill>
+        <a:effectLst/>
+      </p:bgPr>
+    </p:bg>
+    <p:spTree>
+      <p:nvGrpSpPr>
+        <p:cNvPr id="1" name=""/>
+        <p:cNvGrpSpPr/>
+        <p:nvPr/>
+      </p:nvGrpSpPr>
+      <p:grpSpPr>
+        <a:xfrm>
+          <a:off x="0" y="0"/>
+          <a:ext cx="0" cy="0"/>
+          <a:chOff x="0" y="0"/>
+          <a:chExt cx="0" cy="0"/>
+        </a:xfrm>
+      </p:grpSpPr>
+      <p:sp>
+        <p:nvSpPr>
+          <p:cNvPr id="10" name="Down Arrow 7">
+            <a:extLst>
+              <a:ext uri="{FF2B5EF4-FFF2-40B4-BE49-F238E27FC236}">
+                <a16:creationId xmlns:a16="http://schemas.microsoft.com/office/drawing/2014/main" id="{D4771268-CB57-404A-9271-370EB28F6090}"/>
+              </a:ext>
+              <a:ext uri="{C183D7F6-B498-43B3-948B-1728B52AA6E4}">
+                <adec:decorative xmlns:adec="http://schemas.microsoft.com/office/drawing/2017/decorative" val="1"/>
+              </a:ext>
+            </a:extLst>
+          </p:cNvPr>
+          <p:cNvSpPr>
+            <a:spLocks noGrp="1" noRot="1" noChangeAspect="1" noMove="1" noResize="1" noEditPoints="1" noAdjustHandles="1" noChangeArrowheads="1" noChangeShapeType="1" noTextEdit="1"/>
+          </p:cNvSpPr>
+          <p:nvPr>
+            <p:extLst>
+              <p:ext uri="{386F3935-93C4-4BCD-93E2-E3B085C9AB24}">
+                <p16:designElem xmlns:p16="http://schemas.microsoft.com/office/powerpoint/2015/main" val="1"/>
+              </p:ext>
+            </p:extLst>
+          </p:nvPr>
+        </p:nvSpPr>
+        <p:spPr>
+          <a:xfrm rot="16200000">
+            <a:off x="800100" y="1491343"/>
+            <a:ext cx="3333749" cy="3499103"/>
+          </a:xfrm>
+          <a:prstGeom prst="downArrow">
+            <a:avLst>
+              <a:gd name="adj1" fmla="val 100000"/>
+              <a:gd name="adj2" fmla="val 15788"/>
+            </a:avLst>
+          </a:prstGeom>
+          <a:solidFill>
+            <a:srgbClr val="404040"/>
+          </a:solidFill>
+          <a:ln w="53975">
+            <a:noFill/>
+          </a:ln>
+        </p:spPr>
+        <p:style>
+          <a:lnRef idx="2">
+            <a:schemeClr val="accent1">
+              <a:shade val="50000"/>
+            </a:schemeClr>
+          </a:lnRef>
+          <a:fillRef idx="1">
+            <a:schemeClr val="accent1"/>
+          </a:fillRef>
+          <a:effectRef idx="0">
+            <a:schemeClr val="accent1"/>
+          </a:effectRef>
+          <a:fontRef idx="minor">
+            <a:schemeClr val="lt1"/>
+          </a:fontRef>
+        </p:style>
+        <p:txBody>
+          <a:bodyPr rtlCol="0" anchor="ctr"/>
+          <a:lstStyle/>
+          <a:p>
+            <a:pPr algn="ctr"/>
+            <a:endParaRPr lang="en-US"/>
+          </a:p>
+        </p:txBody>
+      </p:sp>
+      <p:sp>
+        <p:nvSpPr>
+          <p:cNvPr id="2" name="Title 1">
+            <a:extLst>
+              <a:ext uri="{FF2B5EF4-FFF2-40B4-BE49-F238E27FC236}">
+                <a16:creationId xmlns:a16="http://schemas.microsoft.com/office/drawing/2014/main" id="{017B160E-33F9-3E46-8CF5-1C012448BC19}"/>
+              </a:ext>
+            </a:extLst>
+          </p:cNvPr>
+          <p:cNvSpPr>
+            <a:spLocks noGrp="1"/>
+          </p:cNvSpPr>
+          <p:nvPr>
+            <p:ph type="title"/>
+          </p:nvPr>
+        </p:nvSpPr>
+        <p:spPr>
+          <a:xfrm>
+            <a:off x="1028700" y="1967266"/>
+            <a:ext cx="2628900" cy="2547257"/>
+          </a:xfrm>
+          <a:noFill/>
+        </p:spPr>
+        <p:txBody>
+          <a:bodyPr vert="horz" lIns="91440" tIns="45720" rIns="91440" bIns="45720" rtlCol="0" anchor="ctr">
+            <a:normAutofit/>
+          </a:bodyPr>
+          <a:lstStyle/>
+          <a:p>
+            <a:pPr algn="ctr"/>
+            <a:r>
+              <a:rPr lang="en-US" sz="3600" kern="1200">
+                <a:solidFill>
+                  <a:srgbClr val="FFFFFF"/>
+                </a:solidFill>
+                <a:latin typeface="+mj-lt"/>
+                <a:ea typeface="+mj-ea"/>
+                <a:cs typeface="+mj-cs"/>
+              </a:rPr>
+              <a:t>Experiments</a:t>
+            </a:r>
+          </a:p>
+        </p:txBody>
+      </p:sp>
+      <p:pic>
+        <p:nvPicPr>
+          <p:cNvPr id="5" name="Content Placeholder 4" descr="A picture containing text, receipt&#10;&#10;Description automatically generated">
+            <a:extLst>
+              <a:ext uri="{FF2B5EF4-FFF2-40B4-BE49-F238E27FC236}">
+                <a16:creationId xmlns:a16="http://schemas.microsoft.com/office/drawing/2014/main" id="{A0999B91-A612-9044-8970-A2C0954905FA}"/>
+              </a:ext>
+            </a:extLst>
+          </p:cNvPr>
+          <p:cNvPicPr>
+            <a:picLocks noGrp="1" noChangeAspect="1"/>
+          </p:cNvPicPr>
+          <p:nvPr>
+            <p:ph idx="1"/>
+          </p:nvPr>
+        </p:nvPicPr>
+        <p:blipFill>
+          <a:blip r:embed="rId2"/>
+          <a:stretch>
+            <a:fillRect/>
+          </a:stretch>
+        </p:blipFill>
+        <p:spPr>
+          <a:xfrm>
+            <a:off x="5668695" y="643466"/>
+            <a:ext cx="4997941" cy="5568739"/>
+          </a:xfrm>
+          <a:prstGeom prst="rect">
+            <a:avLst/>
+          </a:prstGeom>
+        </p:spPr>
+      </p:pic>
+    </p:spTree>
+    <p:extLst>
+      <p:ext uri="{BB962C8B-B14F-4D97-AF65-F5344CB8AC3E}">
+        <p14:creationId xmlns:p14="http://schemas.microsoft.com/office/powerpoint/2010/main" val="1812954258"/>
+      </p:ext>
+    </p:extLst>
+  </p:cSld>
+  <p:clrMapOvr>
+    <a:masterClrMapping/>
+  </p:clrMapOvr>
+</p:sld>
+</file>
+
+<file path=ppt/slides/slide13.xml><?xml version="1.0" encoding="utf-8"?>
+<p:sld xmlns:a="http://schemas.openxmlformats.org/drawingml/2006/main" xmlns:r="http://schemas.openxmlformats.org/officeDocument/2006/relationships" xmlns:p="http://schemas.openxmlformats.org/presentationml/2006/main">
+  <p:cSld>
+    <p:spTree>
+      <p:nvGrpSpPr>
+        <p:cNvPr id="1" name=""/>
+        <p:cNvGrpSpPr/>
+        <p:nvPr/>
+      </p:nvGrpSpPr>
+      <p:grpSpPr>
+        <a:xfrm>
+          <a:off x="0" y="0"/>
+          <a:ext cx="0" cy="0"/>
+          <a:chOff x="0" y="0"/>
+          <a:chExt cx="0" cy="0"/>
+        </a:xfrm>
+      </p:grpSpPr>
+      <p:sp>
+        <p:nvSpPr>
+          <p:cNvPr id="2" name="Title 1">
+            <a:extLst>
+              <a:ext uri="{FF2B5EF4-FFF2-40B4-BE49-F238E27FC236}">
                 <a16:creationId xmlns:a16="http://schemas.microsoft.com/office/drawing/2014/main" id="{F249D2F2-064B-A441-9539-B6277A3DE341}"/>
               </a:ext>
             </a:extLst>
@@ -3649,6 +4102,20 @@
               <a:t>XLNet</a:t>
             </a:r>
             <a:endParaRPr lang="en-US" dirty="0"/>
+          </a:p>
+          <a:p>
+            <a:pPr lvl="1"/>
+            <a:r>
+              <a:rPr lang="en-US" dirty="0"/>
+              <a:t>Computation heavy</a:t>
+            </a:r>
+          </a:p>
+          <a:p>
+            <a:pPr lvl="1"/>
+            <a:r>
+              <a:rPr lang="en-US" dirty="0"/>
+              <a:t>Permutation based</a:t>
+            </a:r>
           </a:p>
         </p:txBody>
       </p:sp>
@@ -3665,7 +4132,7 @@
 </p:sld>
 </file>
 
-<file path=ppt/slides/slide11.xml><?xml version="1.0" encoding="utf-8"?>
+<file path=ppt/slides/slide14.xml><?xml version="1.0" encoding="utf-8"?>
 <p:sld xmlns:a="http://schemas.openxmlformats.org/drawingml/2006/main" xmlns:r="http://schemas.openxmlformats.org/officeDocument/2006/relationships" xmlns:p="http://schemas.openxmlformats.org/presentationml/2006/main">
   <p:cSld>
     <p:bg>
@@ -6305,13 +6772,13 @@
         </p:spPr>
         <p:txBody>
           <a:bodyPr anchor="t">
-            <a:normAutofit/>
+            <a:normAutofit fontScale="92500" lnSpcReduction="10000"/>
           </a:bodyPr>
           <a:lstStyle/>
           <a:p>
             <a:r>
               <a:rPr lang="en-US" sz="2400" dirty="0"/>
-              <a:t>Intro</a:t>
+              <a:t>Introduction</a:t>
             </a:r>
           </a:p>
           <a:p>
@@ -6329,8 +6796,15 @@
           <a:p>
             <a:r>
               <a:rPr lang="en-US" sz="2400" dirty="0"/>
-              <a:t>Journey &amp; Approaches</a:t>
-            </a:r>
+              <a:t>GAN &amp; GPT-2</a:t>
+            </a:r>
+          </a:p>
+          <a:p>
+            <a:r>
+              <a:rPr lang="en-US" sz="2400"/>
+              <a:t>Approaches</a:t>
+            </a:r>
+            <a:endParaRPr lang="en-US" sz="2400" dirty="0"/>
           </a:p>
           <a:p>
             <a:r>
@@ -6399,7 +6873,7 @@
           <a:p>
             <a:r>
               <a:rPr lang="en-US" dirty="0"/>
-              <a:t>Intro</a:t>
+              <a:t>Introduction</a:t>
             </a:r>
           </a:p>
         </p:txBody>
@@ -6427,13 +6901,19 @@
           <a:p>
             <a:r>
               <a:rPr lang="en-US" dirty="0"/>
-              <a:t>What is on-line fake review detection?</a:t>
+              <a:t>What is online fake review detection?</a:t>
             </a:r>
           </a:p>
           <a:p>
             <a:r>
               <a:rPr lang="en-US" dirty="0"/>
-              <a:t>What is our Dataset?</a:t>
+              <a:t>What are the impacts of fake reviews?</a:t>
+            </a:r>
+          </a:p>
+          <a:p>
+            <a:r>
+              <a:rPr lang="en-US" dirty="0"/>
+              <a:t>What is our dataset?</a:t>
             </a:r>
           </a:p>
         </p:txBody>
@@ -6892,6 +7372,113 @@
           </a:prstGeom>
         </p:spPr>
       </p:pic>
+      <p:sp>
+        <p:nvSpPr>
+          <p:cNvPr id="3" name="Rectangle 2">
+            <a:extLst>
+              <a:ext uri="{FF2B5EF4-FFF2-40B4-BE49-F238E27FC236}">
+                <a16:creationId xmlns:a16="http://schemas.microsoft.com/office/drawing/2014/main" id="{FCEF0F0D-5ADF-3C4D-A583-D679F1C8F9BF}"/>
+              </a:ext>
+            </a:extLst>
+          </p:cNvPr>
+          <p:cNvSpPr/>
+          <p:nvPr/>
+        </p:nvSpPr>
+        <p:spPr>
+          <a:xfrm>
+            <a:off x="4961106" y="3278221"/>
+            <a:ext cx="2256817" cy="233464"/>
+          </a:xfrm>
+          <a:prstGeom prst="rect">
+            <a:avLst/>
+          </a:prstGeom>
+          <a:noFill/>
+          <a:ln>
+            <a:noFill/>
+          </a:ln>
+        </p:spPr>
+        <p:style>
+          <a:lnRef idx="2">
+            <a:schemeClr val="accent6"/>
+          </a:lnRef>
+          <a:fillRef idx="1">
+            <a:schemeClr val="lt1"/>
+          </a:fillRef>
+          <a:effectRef idx="0">
+            <a:schemeClr val="accent6"/>
+          </a:effectRef>
+          <a:fontRef idx="minor">
+            <a:schemeClr val="dk1"/>
+          </a:fontRef>
+        </p:style>
+        <p:txBody>
+          <a:bodyPr rtlCol="0" anchor="ctr"/>
+          <a:lstStyle/>
+          <a:p>
+            <a:pPr algn="ctr"/>
+            <a:r>
+              <a:rPr lang="en-US" sz="1400" dirty="0"/>
+              <a:t>Number of words</a:t>
+            </a:r>
+          </a:p>
+        </p:txBody>
+      </p:sp>
+      <p:sp>
+        <p:nvSpPr>
+          <p:cNvPr id="12" name="Rectangle 11">
+            <a:extLst>
+              <a:ext uri="{FF2B5EF4-FFF2-40B4-BE49-F238E27FC236}">
+                <a16:creationId xmlns:a16="http://schemas.microsoft.com/office/drawing/2014/main" id="{D19D534F-6AD3-AC47-8D6D-7DD19E9DE8E9}"/>
+              </a:ext>
+            </a:extLst>
+          </p:cNvPr>
+          <p:cNvSpPr/>
+          <p:nvPr/>
+        </p:nvSpPr>
+        <p:spPr>
+          <a:xfrm rot="16200000">
+            <a:off x="3338926" y="2033080"/>
+            <a:ext cx="2256817" cy="233464"/>
+          </a:xfrm>
+          <a:prstGeom prst="rect">
+            <a:avLst/>
+          </a:prstGeom>
+          <a:noFill/>
+          <a:ln>
+            <a:noFill/>
+          </a:ln>
+        </p:spPr>
+        <p:style>
+          <a:lnRef idx="2">
+            <a:schemeClr val="accent6"/>
+          </a:lnRef>
+          <a:fillRef idx="1">
+            <a:schemeClr val="lt1"/>
+          </a:fillRef>
+          <a:effectRef idx="0">
+            <a:schemeClr val="accent6"/>
+          </a:effectRef>
+          <a:fontRef idx="minor">
+            <a:schemeClr val="dk1"/>
+          </a:fontRef>
+        </p:style>
+        <p:txBody>
+          <a:bodyPr rtlCol="0" anchor="ctr"/>
+          <a:lstStyle/>
+          <a:p>
+            <a:pPr algn="ctr"/>
+            <a:r>
+              <a:rPr lang="en-US" sz="1400" dirty="0"/>
+              <a:t>Number of </a:t>
+            </a:r>
+            <a:r>
+              <a:rPr lang="en-US" sz="1400" dirty="0" err="1"/>
+              <a:t>reviewes</a:t>
+            </a:r>
+            <a:endParaRPr lang="en-US" sz="1400" dirty="0"/>
+          </a:p>
+        </p:txBody>
+      </p:sp>
     </p:spTree>
     <p:extLst>
       <p:ext uri="{BB962C8B-B14F-4D97-AF65-F5344CB8AC3E}">
@@ -7694,32 +8281,40 @@
           <a:lstStyle/>
           <a:p>
             <a:r>
-              <a:rPr lang="en-US" sz="2400"/>
-              <a:t>Generative Network that generates candidates as well as a Discriminative Network that evaluates them</a:t>
-            </a:r>
-          </a:p>
-          <a:p>
-            <a:r>
-              <a:rPr lang="en-US" sz="2400"/>
-              <a:t>Generative Network - pre-trained GPT-2 language model</a:t>
-            </a:r>
-          </a:p>
-          <a:p>
-            <a:r>
-              <a:rPr lang="en-US" sz="2400"/>
+              <a:rPr lang="en-US" sz="2400" dirty="0"/>
+              <a:t>Generative Network - generates candidates (GPT-2)</a:t>
+            </a:r>
+          </a:p>
+          <a:p>
+            <a:r>
+              <a:rPr lang="en-US" sz="2400" dirty="0"/>
+              <a:t>Discriminative Network - evaluates them</a:t>
+            </a:r>
+          </a:p>
+          <a:p>
+            <a:r>
+              <a:rPr lang="en-US" sz="2400" dirty="0"/>
               <a:t>A batch size of 512, well defined sentence length, vocabulary size of 50,000</a:t>
             </a:r>
           </a:p>
           <a:p>
             <a:r>
-              <a:rPr lang="en-US" sz="2400"/>
-              <a:t>To generate domain specific fake Yelp reviews, we fined-tuned the pre-trained GPT-2 model by adding layers on top and trained with our raw data set</a:t>
-            </a:r>
-          </a:p>
-          <a:p>
-            <a:r>
-              <a:rPr lang="en-US" sz="2400"/>
-              <a:t>With multiple trial and error, we eventually made a few improvements that led to higher quality generated fake reviews.</a:t>
+              <a:rPr lang="en-US" sz="2400" dirty="0"/>
+              <a:t>Domain specific fake reviews </a:t>
+            </a:r>
+          </a:p>
+          <a:p>
+            <a:pPr lvl="1"/>
+            <a:r>
+              <a:rPr lang="en-US" sz="2000" dirty="0"/>
+              <a:t>by adding layers on top and training with our raw data set</a:t>
+            </a:r>
+          </a:p>
+          <a:p>
+            <a:pPr lvl="1"/>
+            <a:r>
+              <a:rPr lang="en-US" sz="2000" dirty="0"/>
+              <a:t>With multiple trials and errors - made improvements that led to higher quality generated fake reviews.</a:t>
             </a:r>
           </a:p>
         </p:txBody>
@@ -7851,8 +8446,8 @@
           <a:lstStyle/>
           <a:p>
             <a:r>
-              <a:rPr lang="en-US" sz="5400"/>
-              <a:t>GAN</a:t>
+              <a:rPr lang="en-US" sz="5400" dirty="0"/>
+              <a:t>GAN – Discriminative Network</a:t>
             </a:r>
           </a:p>
         </p:txBody>
@@ -8110,14 +8705,22 @@
           <a:lstStyle/>
           <a:p>
             <a:r>
-              <a:rPr lang="en-US" sz="2400"/>
-              <a:t>We trained a simple Neural Network using ELMo embedding with LSTM and 2 dense layers on the original data set as the discriminative network.</a:t>
-            </a:r>
-          </a:p>
-          <a:p>
-            <a:r>
-              <a:rPr lang="en-US" sz="2400"/>
-              <a:t>Even though this Network itself has not performed well in distinguishing genuine and fake reviews, it does do a good job distinguishing coherent, relevant reviews about hotels/restaurants and irrelevant sentences, making it a good candidate for the discriminative network in the GAN. And finally, we only picked reviews that sufficiently confused this network (with predicted probability of more than 80%) to be included in the final generated fake review set.</a:t>
+              <a:rPr lang="en-US" sz="2400" dirty="0"/>
+              <a:t>Neural Network using </a:t>
+            </a:r>
+            <a:r>
+              <a:rPr lang="en-US" sz="2400" dirty="0" err="1"/>
+              <a:t>ELMo</a:t>
+            </a:r>
+            <a:r>
+              <a:rPr lang="en-US" sz="2400" dirty="0"/>
+              <a:t> embedding with LSTM and 2 dense layers on the original data set as the discriminative network.</a:t>
+            </a:r>
+          </a:p>
+          <a:p>
+            <a:r>
+              <a:rPr lang="en-US" sz="2400" dirty="0"/>
+              <a:t>Even though this Network itself has not performed well in distinguishing genuine and fake reviews, it does do a good job distinguishing coherent, relevant reviews about hotels/restaurants and irrelevant sentences.</a:t>
             </a:r>
           </a:p>
         </p:txBody>
@@ -8136,6 +8739,163 @@
 </file>
 
 <file path=ppt/slides/slide8.xml><?xml version="1.0" encoding="utf-8"?>
+<p:sld xmlns:a="http://schemas.openxmlformats.org/drawingml/2006/main" xmlns:r="http://schemas.openxmlformats.org/officeDocument/2006/relationships" xmlns:p="http://schemas.openxmlformats.org/presentationml/2006/main">
+  <p:cSld>
+    <p:spTree>
+      <p:nvGrpSpPr>
+        <p:cNvPr id="1" name=""/>
+        <p:cNvGrpSpPr/>
+        <p:nvPr/>
+      </p:nvGrpSpPr>
+      <p:grpSpPr>
+        <a:xfrm>
+          <a:off x="0" y="0"/>
+          <a:ext cx="0" cy="0"/>
+          <a:chOff x="0" y="0"/>
+          <a:chExt cx="0" cy="0"/>
+        </a:xfrm>
+      </p:grpSpPr>
+      <p:sp>
+        <p:nvSpPr>
+          <p:cNvPr id="2" name="Title 1">
+            <a:extLst>
+              <a:ext uri="{FF2B5EF4-FFF2-40B4-BE49-F238E27FC236}">
+                <a16:creationId xmlns:a16="http://schemas.microsoft.com/office/drawing/2014/main" id="{990FF8F6-2EA0-D044-BBCD-1A8576A2D2AC}"/>
+              </a:ext>
+            </a:extLst>
+          </p:cNvPr>
+          <p:cNvSpPr>
+            <a:spLocks noGrp="1"/>
+          </p:cNvSpPr>
+          <p:nvPr>
+            <p:ph type="title"/>
+          </p:nvPr>
+        </p:nvSpPr>
+        <p:spPr/>
+        <p:txBody>
+          <a:bodyPr/>
+          <a:lstStyle/>
+          <a:p>
+            <a:r>
+              <a:rPr lang="en-US" dirty="0"/>
+              <a:t>Balancing Dataset</a:t>
+            </a:r>
+          </a:p>
+        </p:txBody>
+      </p:sp>
+      <p:sp>
+        <p:nvSpPr>
+          <p:cNvPr id="3" name="Content Placeholder 2">
+            <a:extLst>
+              <a:ext uri="{FF2B5EF4-FFF2-40B4-BE49-F238E27FC236}">
+                <a16:creationId xmlns:a16="http://schemas.microsoft.com/office/drawing/2014/main" id="{F893B315-67A5-3149-AE16-2F2E318A3DBB}"/>
+              </a:ext>
+            </a:extLst>
+          </p:cNvPr>
+          <p:cNvSpPr>
+            <a:spLocks noGrp="1"/>
+          </p:cNvSpPr>
+          <p:nvPr>
+            <p:ph idx="1"/>
+          </p:nvPr>
+        </p:nvSpPr>
+        <p:spPr/>
+        <p:txBody>
+          <a:bodyPr>
+            <a:normAutofit fontScale="92500"/>
+          </a:bodyPr>
+          <a:lstStyle/>
+          <a:p>
+            <a:r>
+              <a:rPr lang="en-US" dirty="0"/>
+              <a:t>For a balanced test set: </a:t>
+            </a:r>
+          </a:p>
+          <a:p>
+            <a:pPr lvl="1"/>
+            <a:r>
+              <a:rPr lang="en-US" dirty="0"/>
+              <a:t>we first limit the pool of reviews to the first review per reviewer after 2012-01-01 </a:t>
+            </a:r>
+          </a:p>
+          <a:p>
+            <a:pPr lvl="1"/>
+            <a:r>
+              <a:rPr lang="en-US" dirty="0"/>
+              <a:t>we take all the fake reviews (because there are fewer) </a:t>
+            </a:r>
+          </a:p>
+          <a:p>
+            <a:pPr lvl="1"/>
+            <a:r>
+              <a:rPr lang="en-US" dirty="0"/>
+              <a:t>we sample the same number of reviews from the genuine reviews </a:t>
+            </a:r>
+          </a:p>
+          <a:p>
+            <a:pPr lvl="1"/>
+            <a:r>
+              <a:rPr lang="en-US" dirty="0"/>
+              <a:t>this gives us a balanced, non-duplicated test set </a:t>
+            </a:r>
+          </a:p>
+          <a:p>
+            <a:r>
+              <a:rPr lang="en-US" dirty="0"/>
+              <a:t>For a balanced training set: </a:t>
+            </a:r>
+          </a:p>
+          <a:p>
+            <a:pPr lvl="1"/>
+            <a:r>
+              <a:rPr lang="en-US" dirty="0"/>
+              <a:t>we first limit the pool of reviews to be the ones prior to 2012-01-01 </a:t>
+            </a:r>
+          </a:p>
+          <a:p>
+            <a:pPr lvl="1"/>
+            <a:r>
+              <a:rPr lang="en-US" dirty="0"/>
+              <a:t>we take all the actual fake reviews </a:t>
+            </a:r>
+          </a:p>
+          <a:p>
+            <a:pPr lvl="1"/>
+            <a:r>
+              <a:rPr lang="en-US" dirty="0"/>
+              <a:t>we include all generated fake reviews </a:t>
+            </a:r>
+          </a:p>
+          <a:p>
+            <a:pPr lvl="1"/>
+            <a:r>
+              <a:rPr lang="en-US" dirty="0"/>
+              <a:t>we sample the same number of reviews from the genuine reviews </a:t>
+            </a:r>
+          </a:p>
+          <a:p>
+            <a:pPr lvl="1"/>
+            <a:r>
+              <a:rPr lang="en-US" dirty="0"/>
+              <a:t>this gives us a balanced, non-duplicated training set</a:t>
+            </a:r>
+          </a:p>
+        </p:txBody>
+      </p:sp>
+    </p:spTree>
+    <p:extLst>
+      <p:ext uri="{BB962C8B-B14F-4D97-AF65-F5344CB8AC3E}">
+        <p14:creationId xmlns:p14="http://schemas.microsoft.com/office/powerpoint/2010/main" val="244601728"/>
+      </p:ext>
+    </p:extLst>
+  </p:cSld>
+  <p:clrMapOvr>
+    <a:masterClrMapping/>
+  </p:clrMapOvr>
+</p:sld>
+</file>
+
+<file path=ppt/slides/slide9.xml><?xml version="1.0" encoding="utf-8"?>
 <p:sld xmlns:a="http://schemas.openxmlformats.org/drawingml/2006/main" xmlns:r="http://schemas.openxmlformats.org/officeDocument/2006/relationships" xmlns:p="http://schemas.openxmlformats.org/presentationml/2006/main">
   <p:cSld>
     <p:bg>
@@ -8508,20 +9268,36 @@
           <a:lstStyle/>
           <a:p>
             <a:r>
-              <a:rPr lang="en-US" sz="2400"/>
-              <a:t>To validate our hypothesis on the usefulness of the generated fake reviews, we set up a 2-stage experiment. </a:t>
-            </a:r>
-          </a:p>
-          <a:p>
-            <a:r>
-              <a:rPr lang="en-US" sz="2400"/>
-              <a:t>Firstly, we use the GAN methods to generate fake reviews for both hotels and restaurants. </a:t>
-            </a:r>
-          </a:p>
-          <a:p>
-            <a:r>
-              <a:rPr lang="en-US" sz="2400"/>
-              <a:t>Secondly, we add the generated fake reviews to the training data to obtain a balanced training set, then run a number of classification models on the mixed training set and compare it against our benchmark results.</a:t>
+              <a:rPr lang="en-US" sz="2400" dirty="0"/>
+              <a:t>Model 1: Our baseline model with </a:t>
+            </a:r>
+            <a:r>
+              <a:rPr lang="en-US" sz="2400" dirty="0" err="1"/>
+              <a:t>GloVe</a:t>
+            </a:r>
+            <a:r>
+              <a:rPr lang="en-US" sz="2400" dirty="0"/>
+              <a:t> embedding and 1 layer of LSTM.</a:t>
+            </a:r>
+          </a:p>
+          <a:p>
+            <a:r>
+              <a:rPr lang="en-US" sz="2400" dirty="0"/>
+              <a:t>Model 2: Our main model with </a:t>
+            </a:r>
+            <a:r>
+              <a:rPr lang="en-US" sz="2400" dirty="0" err="1"/>
+              <a:t>GloVe</a:t>
+            </a:r>
+            <a:r>
+              <a:rPr lang="en-US" sz="2400" dirty="0"/>
+              <a:t> embedding, 1 layer of Bidirectional LSTM, and 3 dense layers. </a:t>
+            </a:r>
+          </a:p>
+          <a:p>
+            <a:r>
+              <a:rPr lang="en-US" sz="2400" dirty="0"/>
+              <a:t>Model 3: A BERT based model.</a:t>
             </a:r>
           </a:p>
         </p:txBody>
@@ -8530,186 +9306,6 @@
     <p:extLst>
       <p:ext uri="{BB962C8B-B14F-4D97-AF65-F5344CB8AC3E}">
         <p14:creationId xmlns:p14="http://schemas.microsoft.com/office/powerpoint/2010/main" val="2023561803"/>
-      </p:ext>
-    </p:extLst>
-  </p:cSld>
-  <p:clrMapOvr>
-    <a:masterClrMapping/>
-  </p:clrMapOvr>
-</p:sld>
-</file>
-
-<file path=ppt/slides/slide9.xml><?xml version="1.0" encoding="utf-8"?>
-<p:sld xmlns:a="http://schemas.openxmlformats.org/drawingml/2006/main" xmlns:r="http://schemas.openxmlformats.org/officeDocument/2006/relationships" xmlns:p="http://schemas.openxmlformats.org/presentationml/2006/main">
-  <p:cSld>
-    <p:bg>
-      <p:bgPr>
-        <a:solidFill>
-          <a:schemeClr val="bg1"/>
-        </a:solidFill>
-        <a:effectLst/>
-      </p:bgPr>
-    </p:bg>
-    <p:spTree>
-      <p:nvGrpSpPr>
-        <p:cNvPr id="1" name=""/>
-        <p:cNvGrpSpPr/>
-        <p:nvPr/>
-      </p:nvGrpSpPr>
-      <p:grpSpPr>
-        <a:xfrm>
-          <a:off x="0" y="0"/>
-          <a:ext cx="0" cy="0"/>
-          <a:chOff x="0" y="0"/>
-          <a:chExt cx="0" cy="0"/>
-        </a:xfrm>
-      </p:grpSpPr>
-      <p:sp>
-        <p:nvSpPr>
-          <p:cNvPr id="10" name="Down Arrow 7">
-            <a:extLst>
-              <a:ext uri="{FF2B5EF4-FFF2-40B4-BE49-F238E27FC236}">
-                <a16:creationId xmlns:a16="http://schemas.microsoft.com/office/drawing/2014/main" id="{D4771268-CB57-404A-9271-370EB28F6090}"/>
-              </a:ext>
-              <a:ext uri="{C183D7F6-B498-43B3-948B-1728B52AA6E4}">
-                <adec:decorative xmlns:adec="http://schemas.microsoft.com/office/drawing/2017/decorative" val="1"/>
-              </a:ext>
-            </a:extLst>
-          </p:cNvPr>
-          <p:cNvSpPr>
-            <a:spLocks noGrp="1" noRot="1" noChangeAspect="1" noMove="1" noResize="1" noEditPoints="1" noAdjustHandles="1" noChangeArrowheads="1" noChangeShapeType="1" noTextEdit="1"/>
-          </p:cNvSpPr>
-          <p:nvPr>
-            <p:extLst>
-              <p:ext uri="{386F3935-93C4-4BCD-93E2-E3B085C9AB24}">
-                <p16:designElem xmlns:p16="http://schemas.microsoft.com/office/powerpoint/2015/main" val="1"/>
-              </p:ext>
-            </p:extLst>
-          </p:nvPr>
-        </p:nvSpPr>
-        <p:spPr>
-          <a:xfrm rot="16200000">
-            <a:off x="800100" y="1491343"/>
-            <a:ext cx="3333749" cy="3499103"/>
-          </a:xfrm>
-          <a:prstGeom prst="downArrow">
-            <a:avLst>
-              <a:gd name="adj1" fmla="val 100000"/>
-              <a:gd name="adj2" fmla="val 15788"/>
-            </a:avLst>
-          </a:prstGeom>
-          <a:solidFill>
-            <a:srgbClr val="404040"/>
-          </a:solidFill>
-          <a:ln w="53975">
-            <a:noFill/>
-          </a:ln>
-        </p:spPr>
-        <p:style>
-          <a:lnRef idx="2">
-            <a:schemeClr val="accent1">
-              <a:shade val="50000"/>
-            </a:schemeClr>
-          </a:lnRef>
-          <a:fillRef idx="1">
-            <a:schemeClr val="accent1"/>
-          </a:fillRef>
-          <a:effectRef idx="0">
-            <a:schemeClr val="accent1"/>
-          </a:effectRef>
-          <a:fontRef idx="minor">
-            <a:schemeClr val="lt1"/>
-          </a:fontRef>
-        </p:style>
-        <p:txBody>
-          <a:bodyPr rtlCol="0" anchor="ctr"/>
-          <a:lstStyle/>
-          <a:p>
-            <a:pPr algn="ctr"/>
-            <a:endParaRPr lang="en-US"/>
-          </a:p>
-        </p:txBody>
-      </p:sp>
-      <p:sp>
-        <p:nvSpPr>
-          <p:cNvPr id="2" name="Title 1">
-            <a:extLst>
-              <a:ext uri="{FF2B5EF4-FFF2-40B4-BE49-F238E27FC236}">
-                <a16:creationId xmlns:a16="http://schemas.microsoft.com/office/drawing/2014/main" id="{017B160E-33F9-3E46-8CF5-1C012448BC19}"/>
-              </a:ext>
-            </a:extLst>
-          </p:cNvPr>
-          <p:cNvSpPr>
-            <a:spLocks noGrp="1"/>
-          </p:cNvSpPr>
-          <p:nvPr>
-            <p:ph type="title"/>
-          </p:nvPr>
-        </p:nvSpPr>
-        <p:spPr>
-          <a:xfrm>
-            <a:off x="1028700" y="1967266"/>
-            <a:ext cx="2628900" cy="2547257"/>
-          </a:xfrm>
-          <a:noFill/>
-        </p:spPr>
-        <p:txBody>
-          <a:bodyPr vert="horz" lIns="91440" tIns="45720" rIns="91440" bIns="45720" rtlCol="0" anchor="ctr">
-            <a:normAutofit/>
-          </a:bodyPr>
-          <a:lstStyle/>
-          <a:p>
-            <a:pPr algn="ctr"/>
-            <a:r>
-              <a:rPr lang="en-US" sz="3600" kern="1200">
-                <a:solidFill>
-                  <a:srgbClr val="FFFFFF"/>
-                </a:solidFill>
-                <a:latin typeface="+mj-lt"/>
-                <a:ea typeface="+mj-ea"/>
-                <a:cs typeface="+mj-cs"/>
-              </a:rPr>
-              <a:t>Experiments</a:t>
-            </a:r>
-          </a:p>
-        </p:txBody>
-      </p:sp>
-      <p:pic>
-        <p:nvPicPr>
-          <p:cNvPr id="5" name="Content Placeholder 4" descr="A picture containing text, receipt&#10;&#10;Description automatically generated">
-            <a:extLst>
-              <a:ext uri="{FF2B5EF4-FFF2-40B4-BE49-F238E27FC236}">
-                <a16:creationId xmlns:a16="http://schemas.microsoft.com/office/drawing/2014/main" id="{A0999B91-A612-9044-8970-A2C0954905FA}"/>
-              </a:ext>
-            </a:extLst>
-          </p:cNvPr>
-          <p:cNvPicPr>
-            <a:picLocks noGrp="1" noChangeAspect="1"/>
-          </p:cNvPicPr>
-          <p:nvPr>
-            <p:ph idx="1"/>
-          </p:nvPr>
-        </p:nvPicPr>
-        <p:blipFill>
-          <a:blip r:embed="rId2"/>
-          <a:stretch>
-            <a:fillRect/>
-          </a:stretch>
-        </p:blipFill>
-        <p:spPr>
-          <a:xfrm>
-            <a:off x="5668695" y="643466"/>
-            <a:ext cx="4997941" cy="5568739"/>
-          </a:xfrm>
-          <a:prstGeom prst="rect">
-            <a:avLst/>
-          </a:prstGeom>
-        </p:spPr>
-      </p:pic>
-    </p:spTree>
-    <p:extLst>
-      <p:ext uri="{BB962C8B-B14F-4D97-AF65-F5344CB8AC3E}">
-        <p14:creationId xmlns:p14="http://schemas.microsoft.com/office/powerpoint/2010/main" val="1812954258"/>
       </p:ext>
     </p:extLst>
   </p:cSld>

--- a/w266.pptx
+++ b/w266.pptx
@@ -123,6 +123,3004 @@
     </p:ext>
   </p:extLst>
 </p:presentation>
+</file>
+
+<file path=ppt/diagrams/colors1.xml><?xml version="1.0" encoding="utf-8"?>
+<dgm:colorsDef xmlns:dgm="http://schemas.openxmlformats.org/drawingml/2006/diagram" xmlns:a="http://schemas.openxmlformats.org/drawingml/2006/main" uniqueId="urn:microsoft.com/office/officeart/2005/8/colors/colorful2">
+  <dgm:title val=""/>
+  <dgm:desc val=""/>
+  <dgm:catLst>
+    <dgm:cat type="colorful" pri="10200"/>
+  </dgm:catLst>
+  <dgm:styleLbl name="node0">
+    <dgm:fillClrLst meth="repeat">
+      <a:schemeClr val="accent1"/>
+    </dgm:fillClrLst>
+    <dgm:linClrLst meth="repeat">
+      <a:schemeClr val="lt1"/>
+    </dgm:linClrLst>
+    <dgm:effectClrLst/>
+    <dgm:txLinClrLst/>
+    <dgm:txFillClrLst/>
+    <dgm:txEffectClrLst/>
+  </dgm:styleLbl>
+  <dgm:styleLbl name="node1">
+    <dgm:fillClrLst>
+      <a:schemeClr val="accent2"/>
+      <a:schemeClr val="accent3"/>
+    </dgm:fillClrLst>
+    <dgm:linClrLst meth="repeat">
+      <a:schemeClr val="lt1"/>
+    </dgm:linClrLst>
+    <dgm:effectClrLst/>
+    <dgm:txLinClrLst/>
+    <dgm:txFillClrLst/>
+    <dgm:txEffectClrLst/>
+  </dgm:styleLbl>
+  <dgm:styleLbl name="alignNode1">
+    <dgm:fillClrLst>
+      <a:schemeClr val="accent2"/>
+      <a:schemeClr val="accent3"/>
+    </dgm:fillClrLst>
+    <dgm:linClrLst>
+      <a:schemeClr val="accent2"/>
+      <a:schemeClr val="accent3"/>
+    </dgm:linClrLst>
+    <dgm:effectClrLst/>
+    <dgm:txLinClrLst/>
+    <dgm:txFillClrLst/>
+    <dgm:txEffectClrLst/>
+  </dgm:styleLbl>
+  <dgm:styleLbl name="lnNode1">
+    <dgm:fillClrLst>
+      <a:schemeClr val="accent2"/>
+      <a:schemeClr val="accent3"/>
+    </dgm:fillClrLst>
+    <dgm:linClrLst meth="repeat">
+      <a:schemeClr val="lt1"/>
+    </dgm:linClrLst>
+    <dgm:effectClrLst/>
+    <dgm:txLinClrLst/>
+    <dgm:txFillClrLst/>
+    <dgm:txEffectClrLst/>
+  </dgm:styleLbl>
+  <dgm:styleLbl name="vennNode1">
+    <dgm:fillClrLst>
+      <a:schemeClr val="accent2">
+        <a:alpha val="50000"/>
+      </a:schemeClr>
+      <a:schemeClr val="accent3">
+        <a:alpha val="50000"/>
+      </a:schemeClr>
+    </dgm:fillClrLst>
+    <dgm:linClrLst meth="repeat">
+      <a:schemeClr val="lt1"/>
+    </dgm:linClrLst>
+    <dgm:effectClrLst/>
+    <dgm:txLinClrLst/>
+    <dgm:txFillClrLst/>
+    <dgm:txEffectClrLst/>
+  </dgm:styleLbl>
+  <dgm:styleLbl name="node2">
+    <dgm:fillClrLst>
+      <a:schemeClr val="accent3"/>
+    </dgm:fillClrLst>
+    <dgm:linClrLst meth="repeat">
+      <a:schemeClr val="lt1"/>
+    </dgm:linClrLst>
+    <dgm:effectClrLst/>
+    <dgm:txLinClrLst/>
+    <dgm:txFillClrLst/>
+    <dgm:txEffectClrLst/>
+  </dgm:styleLbl>
+  <dgm:styleLbl name="node3">
+    <dgm:fillClrLst>
+      <a:schemeClr val="accent4"/>
+    </dgm:fillClrLst>
+    <dgm:linClrLst meth="repeat">
+      <a:schemeClr val="lt1"/>
+    </dgm:linClrLst>
+    <dgm:effectClrLst/>
+    <dgm:txLinClrLst/>
+    <dgm:txFillClrLst/>
+    <dgm:txEffectClrLst/>
+  </dgm:styleLbl>
+  <dgm:styleLbl name="node4">
+    <dgm:fillClrLst>
+      <a:schemeClr val="accent5"/>
+    </dgm:fillClrLst>
+    <dgm:linClrLst meth="repeat">
+      <a:schemeClr val="lt1"/>
+    </dgm:linClrLst>
+    <dgm:effectClrLst/>
+    <dgm:txLinClrLst/>
+    <dgm:txFillClrLst/>
+    <dgm:txEffectClrLst/>
+  </dgm:styleLbl>
+  <dgm:styleLbl name="fgImgPlace1">
+    <dgm:fillClrLst>
+      <a:schemeClr val="accent2">
+        <a:tint val="50000"/>
+      </a:schemeClr>
+      <a:schemeClr val="accent3">
+        <a:tint val="50000"/>
+      </a:schemeClr>
+    </dgm:fillClrLst>
+    <dgm:linClrLst meth="repeat">
+      <a:schemeClr val="lt1"/>
+    </dgm:linClrLst>
+    <dgm:effectClrLst/>
+    <dgm:txLinClrLst/>
+    <dgm:txFillClrLst meth="repeat">
+      <a:schemeClr val="lt1"/>
+    </dgm:txFillClrLst>
+    <dgm:txEffectClrLst/>
+  </dgm:styleLbl>
+  <dgm:styleLbl name="alignImgPlace1">
+    <dgm:fillClrLst>
+      <a:schemeClr val="accent2">
+        <a:tint val="50000"/>
+      </a:schemeClr>
+      <a:schemeClr val="accent3">
+        <a:tint val="20000"/>
+      </a:schemeClr>
+    </dgm:fillClrLst>
+    <dgm:linClrLst meth="repeat">
+      <a:schemeClr val="lt1"/>
+    </dgm:linClrLst>
+    <dgm:effectClrLst/>
+    <dgm:txLinClrLst/>
+    <dgm:txFillClrLst meth="repeat">
+      <a:schemeClr val="lt1"/>
+    </dgm:txFillClrLst>
+    <dgm:txEffectClrLst/>
+  </dgm:styleLbl>
+  <dgm:styleLbl name="bgImgPlace1">
+    <dgm:fillClrLst>
+      <a:schemeClr val="accent2">
+        <a:tint val="50000"/>
+      </a:schemeClr>
+      <a:schemeClr val="accent3">
+        <a:tint val="20000"/>
+      </a:schemeClr>
+    </dgm:fillClrLst>
+    <dgm:linClrLst meth="repeat">
+      <a:schemeClr val="lt1"/>
+    </dgm:linClrLst>
+    <dgm:effectClrLst/>
+    <dgm:txLinClrLst/>
+    <dgm:txFillClrLst meth="repeat">
+      <a:schemeClr val="lt1"/>
+    </dgm:txFillClrLst>
+    <dgm:txEffectClrLst/>
+  </dgm:styleLbl>
+  <dgm:styleLbl name="sibTrans2D1">
+    <dgm:fillClrLst>
+      <a:schemeClr val="accent2"/>
+      <a:schemeClr val="accent3"/>
+    </dgm:fillClrLst>
+    <dgm:linClrLst meth="repeat">
+      <a:schemeClr val="lt1"/>
+    </dgm:linClrLst>
+    <dgm:effectClrLst/>
+    <dgm:txLinClrLst/>
+    <dgm:txFillClrLst/>
+    <dgm:txEffectClrLst/>
+  </dgm:styleLbl>
+  <dgm:styleLbl name="fgSibTrans2D1">
+    <dgm:fillClrLst>
+      <a:schemeClr val="accent2"/>
+      <a:schemeClr val="accent3"/>
+    </dgm:fillClrLst>
+    <dgm:linClrLst meth="repeat">
+      <a:schemeClr val="lt1"/>
+    </dgm:linClrLst>
+    <dgm:effectClrLst/>
+    <dgm:txLinClrLst/>
+    <dgm:txFillClrLst meth="repeat">
+      <a:schemeClr val="lt1"/>
+    </dgm:txFillClrLst>
+    <dgm:txEffectClrLst/>
+  </dgm:styleLbl>
+  <dgm:styleLbl name="bgSibTrans2D1">
+    <dgm:fillClrLst>
+      <a:schemeClr val="accent2"/>
+      <a:schemeClr val="accent3"/>
+    </dgm:fillClrLst>
+    <dgm:linClrLst meth="repeat">
+      <a:schemeClr val="lt1"/>
+    </dgm:linClrLst>
+    <dgm:effectClrLst/>
+    <dgm:txLinClrLst/>
+    <dgm:txFillClrLst meth="repeat">
+      <a:schemeClr val="lt1"/>
+    </dgm:txFillClrLst>
+    <dgm:txEffectClrLst/>
+  </dgm:styleLbl>
+  <dgm:styleLbl name="sibTrans1D1">
+    <dgm:fillClrLst/>
+    <dgm:linClrLst>
+      <a:schemeClr val="accent2"/>
+      <a:schemeClr val="accent3"/>
+    </dgm:linClrLst>
+    <dgm:effectClrLst/>
+    <dgm:txLinClrLst/>
+    <dgm:txFillClrLst meth="repeat">
+      <a:schemeClr val="tx1"/>
+    </dgm:txFillClrLst>
+    <dgm:txEffectClrLst/>
+  </dgm:styleLbl>
+  <dgm:styleLbl name="callout">
+    <dgm:fillClrLst meth="repeat">
+      <a:schemeClr val="accent2"/>
+    </dgm:fillClrLst>
+    <dgm:linClrLst meth="repeat">
+      <a:schemeClr val="accent2">
+        <a:tint val="50000"/>
+      </a:schemeClr>
+    </dgm:linClrLst>
+    <dgm:effectClrLst/>
+    <dgm:txLinClrLst/>
+    <dgm:txFillClrLst meth="repeat">
+      <a:schemeClr val="tx1"/>
+    </dgm:txFillClrLst>
+    <dgm:txEffectClrLst/>
+  </dgm:styleLbl>
+  <dgm:styleLbl name="asst0">
+    <dgm:fillClrLst meth="repeat">
+      <a:schemeClr val="accent2"/>
+    </dgm:fillClrLst>
+    <dgm:linClrLst meth="repeat">
+      <a:schemeClr val="lt1">
+        <a:shade val="80000"/>
+      </a:schemeClr>
+    </dgm:linClrLst>
+    <dgm:effectClrLst/>
+    <dgm:txLinClrLst/>
+    <dgm:txFillClrLst/>
+    <dgm:txEffectClrLst/>
+  </dgm:styleLbl>
+  <dgm:styleLbl name="asst1">
+    <dgm:fillClrLst meth="repeat">
+      <a:schemeClr val="accent3"/>
+    </dgm:fillClrLst>
+    <dgm:linClrLst meth="repeat">
+      <a:schemeClr val="lt1">
+        <a:shade val="80000"/>
+      </a:schemeClr>
+    </dgm:linClrLst>
+    <dgm:effectClrLst/>
+    <dgm:txLinClrLst/>
+    <dgm:txFillClrLst/>
+    <dgm:txEffectClrLst/>
+  </dgm:styleLbl>
+  <dgm:styleLbl name="asst2">
+    <dgm:fillClrLst>
+      <a:schemeClr val="accent4"/>
+    </dgm:fillClrLst>
+    <dgm:linClrLst meth="repeat">
+      <a:schemeClr val="lt1"/>
+    </dgm:linClrLst>
+    <dgm:effectClrLst/>
+    <dgm:txLinClrLst/>
+    <dgm:txFillClrLst/>
+    <dgm:txEffectClrLst/>
+  </dgm:styleLbl>
+  <dgm:styleLbl name="asst3">
+    <dgm:fillClrLst>
+      <a:schemeClr val="accent5"/>
+    </dgm:fillClrLst>
+    <dgm:linClrLst meth="repeat">
+      <a:schemeClr val="lt1"/>
+    </dgm:linClrLst>
+    <dgm:effectClrLst/>
+    <dgm:txLinClrLst/>
+    <dgm:txFillClrLst/>
+    <dgm:txEffectClrLst/>
+  </dgm:styleLbl>
+  <dgm:styleLbl name="asst4">
+    <dgm:fillClrLst>
+      <a:schemeClr val="accent6"/>
+    </dgm:fillClrLst>
+    <dgm:linClrLst meth="repeat">
+      <a:schemeClr val="lt1"/>
+    </dgm:linClrLst>
+    <dgm:effectClrLst/>
+    <dgm:txLinClrLst/>
+    <dgm:txFillClrLst/>
+    <dgm:txEffectClrLst/>
+  </dgm:styleLbl>
+  <dgm:styleLbl name="parChTrans2D1">
+    <dgm:fillClrLst meth="repeat">
+      <a:schemeClr val="accent2"/>
+    </dgm:fillClrLst>
+    <dgm:linClrLst meth="repeat">
+      <a:schemeClr val="lt1"/>
+    </dgm:linClrLst>
+    <dgm:effectClrLst/>
+    <dgm:txLinClrLst/>
+    <dgm:txFillClrLst meth="repeat">
+      <a:schemeClr val="lt1"/>
+    </dgm:txFillClrLst>
+    <dgm:txEffectClrLst/>
+  </dgm:styleLbl>
+  <dgm:styleLbl name="parChTrans2D2">
+    <dgm:fillClrLst meth="repeat">
+      <a:schemeClr val="accent3"/>
+    </dgm:fillClrLst>
+    <dgm:linClrLst meth="repeat">
+      <a:schemeClr val="lt1"/>
+    </dgm:linClrLst>
+    <dgm:effectClrLst/>
+    <dgm:txLinClrLst/>
+    <dgm:txFillClrLst/>
+    <dgm:txEffectClrLst/>
+  </dgm:styleLbl>
+  <dgm:styleLbl name="parChTrans2D3">
+    <dgm:fillClrLst meth="repeat">
+      <a:schemeClr val="accent4"/>
+    </dgm:fillClrLst>
+    <dgm:linClrLst meth="repeat">
+      <a:schemeClr val="lt1"/>
+    </dgm:linClrLst>
+    <dgm:effectClrLst/>
+    <dgm:txLinClrLst/>
+    <dgm:txFillClrLst/>
+    <dgm:txEffectClrLst/>
+  </dgm:styleLbl>
+  <dgm:styleLbl name="parChTrans2D4">
+    <dgm:fillClrLst meth="repeat">
+      <a:schemeClr val="accent5"/>
+    </dgm:fillClrLst>
+    <dgm:linClrLst meth="repeat">
+      <a:schemeClr val="lt1"/>
+    </dgm:linClrLst>
+    <dgm:effectClrLst/>
+    <dgm:txLinClrLst/>
+    <dgm:txFillClrLst meth="repeat">
+      <a:schemeClr val="lt1"/>
+    </dgm:txFillClrLst>
+    <dgm:txEffectClrLst/>
+  </dgm:styleLbl>
+  <dgm:styleLbl name="parChTrans1D1">
+    <dgm:fillClrLst meth="repeat">
+      <a:schemeClr val="accent2"/>
+    </dgm:fillClrLst>
+    <dgm:linClrLst meth="repeat">
+      <a:schemeClr val="accent2"/>
+    </dgm:linClrLst>
+    <dgm:effectClrLst/>
+    <dgm:txLinClrLst/>
+    <dgm:txFillClrLst meth="repeat">
+      <a:schemeClr val="tx1"/>
+    </dgm:txFillClrLst>
+    <dgm:txEffectClrLst/>
+  </dgm:styleLbl>
+  <dgm:styleLbl name="parChTrans1D2">
+    <dgm:fillClrLst meth="repeat">
+      <a:schemeClr val="accent2">
+        <a:tint val="90000"/>
+      </a:schemeClr>
+    </dgm:fillClrLst>
+    <dgm:linClrLst meth="repeat">
+      <a:schemeClr val="accent3"/>
+    </dgm:linClrLst>
+    <dgm:effectClrLst/>
+    <dgm:txLinClrLst/>
+    <dgm:txFillClrLst meth="repeat">
+      <a:schemeClr val="tx1"/>
+    </dgm:txFillClrLst>
+    <dgm:txEffectClrLst/>
+  </dgm:styleLbl>
+  <dgm:styleLbl name="parChTrans1D3">
+    <dgm:fillClrLst meth="repeat">
+      <a:schemeClr val="accent2">
+        <a:tint val="70000"/>
+      </a:schemeClr>
+    </dgm:fillClrLst>
+    <dgm:linClrLst meth="repeat">
+      <a:schemeClr val="accent4"/>
+    </dgm:linClrLst>
+    <dgm:effectClrLst/>
+    <dgm:txLinClrLst/>
+    <dgm:txFillClrLst meth="repeat">
+      <a:schemeClr val="tx1"/>
+    </dgm:txFillClrLst>
+    <dgm:txEffectClrLst/>
+  </dgm:styleLbl>
+  <dgm:styleLbl name="parChTrans1D4">
+    <dgm:fillClrLst meth="repeat">
+      <a:schemeClr val="accent2">
+        <a:tint val="50000"/>
+      </a:schemeClr>
+    </dgm:fillClrLst>
+    <dgm:linClrLst meth="repeat">
+      <a:schemeClr val="accent5"/>
+    </dgm:linClrLst>
+    <dgm:effectClrLst/>
+    <dgm:txLinClrLst/>
+    <dgm:txFillClrLst meth="repeat">
+      <a:schemeClr val="tx1"/>
+    </dgm:txFillClrLst>
+    <dgm:txEffectClrLst/>
+  </dgm:styleLbl>
+  <dgm:styleLbl name="fgAcc1">
+    <dgm:fillClrLst meth="repeat">
+      <a:schemeClr val="lt1">
+        <a:alpha val="90000"/>
+      </a:schemeClr>
+    </dgm:fillClrLst>
+    <dgm:linClrLst>
+      <a:schemeClr val="accent2"/>
+      <a:schemeClr val="accent3"/>
+    </dgm:linClrLst>
+    <dgm:effectClrLst/>
+    <dgm:txLinClrLst/>
+    <dgm:txFillClrLst meth="repeat">
+      <a:schemeClr val="dk1"/>
+    </dgm:txFillClrLst>
+    <dgm:txEffectClrLst/>
+  </dgm:styleLbl>
+  <dgm:styleLbl name="conFgAcc1">
+    <dgm:fillClrLst meth="repeat">
+      <a:schemeClr val="lt1">
+        <a:alpha val="90000"/>
+      </a:schemeClr>
+    </dgm:fillClrLst>
+    <dgm:linClrLst>
+      <a:schemeClr val="accent2"/>
+      <a:schemeClr val="accent3"/>
+    </dgm:linClrLst>
+    <dgm:effectClrLst/>
+    <dgm:txLinClrLst/>
+    <dgm:txFillClrLst meth="repeat">
+      <a:schemeClr val="dk1"/>
+    </dgm:txFillClrLst>
+    <dgm:txEffectClrLst/>
+  </dgm:styleLbl>
+  <dgm:styleLbl name="alignAcc1">
+    <dgm:fillClrLst meth="repeat">
+      <a:schemeClr val="lt1">
+        <a:alpha val="90000"/>
+      </a:schemeClr>
+    </dgm:fillClrLst>
+    <dgm:linClrLst>
+      <a:schemeClr val="accent2"/>
+      <a:schemeClr val="accent3"/>
+    </dgm:linClrLst>
+    <dgm:effectClrLst/>
+    <dgm:txLinClrLst/>
+    <dgm:txFillClrLst meth="repeat">
+      <a:schemeClr val="dk1"/>
+    </dgm:txFillClrLst>
+    <dgm:txEffectClrLst/>
+  </dgm:styleLbl>
+  <dgm:styleLbl name="trAlignAcc1">
+    <dgm:fillClrLst meth="repeat">
+      <a:schemeClr val="lt1">
+        <a:alpha val="40000"/>
+      </a:schemeClr>
+    </dgm:fillClrLst>
+    <dgm:linClrLst meth="repeat">
+      <a:schemeClr val="accent2"/>
+    </dgm:linClrLst>
+    <dgm:effectClrLst/>
+    <dgm:txLinClrLst/>
+    <dgm:txFillClrLst meth="repeat">
+      <a:schemeClr val="dk1"/>
+    </dgm:txFillClrLst>
+    <dgm:txEffectClrLst/>
+  </dgm:styleLbl>
+  <dgm:styleLbl name="bgAcc1">
+    <dgm:fillClrLst meth="repeat">
+      <a:schemeClr val="lt1">
+        <a:alpha val="90000"/>
+      </a:schemeClr>
+    </dgm:fillClrLst>
+    <dgm:linClrLst>
+      <a:schemeClr val="accent2"/>
+      <a:schemeClr val="accent3"/>
+    </dgm:linClrLst>
+    <dgm:effectClrLst/>
+    <dgm:txLinClrLst/>
+    <dgm:txFillClrLst meth="repeat">
+      <a:schemeClr val="dk1"/>
+    </dgm:txFillClrLst>
+    <dgm:txEffectClrLst/>
+  </dgm:styleLbl>
+  <dgm:styleLbl name="solidFgAcc1">
+    <dgm:fillClrLst meth="repeat">
+      <a:schemeClr val="lt1"/>
+    </dgm:fillClrLst>
+    <dgm:linClrLst>
+      <a:schemeClr val="accent2"/>
+      <a:schemeClr val="accent3"/>
+    </dgm:linClrLst>
+    <dgm:effectClrLst/>
+    <dgm:txLinClrLst/>
+    <dgm:txFillClrLst meth="repeat">
+      <a:schemeClr val="dk1"/>
+    </dgm:txFillClrLst>
+    <dgm:txEffectClrLst/>
+  </dgm:styleLbl>
+  <dgm:styleLbl name="solidAlignAcc1">
+    <dgm:fillClrLst meth="repeat">
+      <a:schemeClr val="lt1"/>
+    </dgm:fillClrLst>
+    <dgm:linClrLst>
+      <a:schemeClr val="accent2"/>
+      <a:schemeClr val="accent3"/>
+    </dgm:linClrLst>
+    <dgm:effectClrLst/>
+    <dgm:txLinClrLst/>
+    <dgm:txFillClrLst meth="repeat">
+      <a:schemeClr val="dk1"/>
+    </dgm:txFillClrLst>
+    <dgm:txEffectClrLst/>
+  </dgm:styleLbl>
+  <dgm:styleLbl name="solidBgAcc1">
+    <dgm:fillClrLst meth="repeat">
+      <a:schemeClr val="lt1"/>
+    </dgm:fillClrLst>
+    <dgm:linClrLst>
+      <a:schemeClr val="accent2"/>
+      <a:schemeClr val="accent3"/>
+    </dgm:linClrLst>
+    <dgm:effectClrLst/>
+    <dgm:txLinClrLst/>
+    <dgm:txFillClrLst meth="repeat">
+      <a:schemeClr val="dk1"/>
+    </dgm:txFillClrLst>
+    <dgm:txEffectClrLst/>
+  </dgm:styleLbl>
+  <dgm:styleLbl name="fgAccFollowNode1">
+    <dgm:fillClrLst>
+      <a:schemeClr val="accent2">
+        <a:tint val="40000"/>
+        <a:alpha val="90000"/>
+      </a:schemeClr>
+      <a:schemeClr val="accent3">
+        <a:tint val="40000"/>
+        <a:alpha val="90000"/>
+      </a:schemeClr>
+    </dgm:fillClrLst>
+    <dgm:linClrLst>
+      <a:schemeClr val="accent2">
+        <a:tint val="40000"/>
+        <a:alpha val="90000"/>
+      </a:schemeClr>
+      <a:schemeClr val="accent3">
+        <a:tint val="40000"/>
+        <a:alpha val="90000"/>
+      </a:schemeClr>
+    </dgm:linClrLst>
+    <dgm:effectClrLst/>
+    <dgm:txLinClrLst/>
+    <dgm:txFillClrLst meth="repeat">
+      <a:schemeClr val="dk1"/>
+    </dgm:txFillClrLst>
+    <dgm:txEffectClrLst/>
+  </dgm:styleLbl>
+  <dgm:styleLbl name="alignAccFollowNode1">
+    <dgm:fillClrLst>
+      <a:schemeClr val="accent2">
+        <a:tint val="40000"/>
+        <a:alpha val="90000"/>
+      </a:schemeClr>
+      <a:schemeClr val="accent3">
+        <a:tint val="40000"/>
+        <a:alpha val="90000"/>
+      </a:schemeClr>
+    </dgm:fillClrLst>
+    <dgm:linClrLst>
+      <a:schemeClr val="accent2">
+        <a:tint val="40000"/>
+        <a:alpha val="90000"/>
+      </a:schemeClr>
+      <a:schemeClr val="accent3">
+        <a:tint val="40000"/>
+        <a:alpha val="90000"/>
+      </a:schemeClr>
+    </dgm:linClrLst>
+    <dgm:effectClrLst/>
+    <dgm:txLinClrLst/>
+    <dgm:txFillClrLst meth="repeat">
+      <a:schemeClr val="dk1"/>
+    </dgm:txFillClrLst>
+    <dgm:txEffectClrLst/>
+  </dgm:styleLbl>
+  <dgm:styleLbl name="bgAccFollowNode1">
+    <dgm:fillClrLst>
+      <a:schemeClr val="accent2">
+        <a:tint val="40000"/>
+        <a:alpha val="90000"/>
+      </a:schemeClr>
+      <a:schemeClr val="accent3">
+        <a:tint val="40000"/>
+        <a:alpha val="90000"/>
+      </a:schemeClr>
+    </dgm:fillClrLst>
+    <dgm:linClrLst>
+      <a:schemeClr val="accent2">
+        <a:tint val="40000"/>
+        <a:alpha val="90000"/>
+      </a:schemeClr>
+      <a:schemeClr val="accent3">
+        <a:tint val="40000"/>
+        <a:alpha val="90000"/>
+      </a:schemeClr>
+    </dgm:linClrLst>
+    <dgm:effectClrLst/>
+    <dgm:txLinClrLst/>
+    <dgm:txFillClrLst meth="repeat">
+      <a:schemeClr val="dk1"/>
+    </dgm:txFillClrLst>
+    <dgm:txEffectClrLst/>
+  </dgm:styleLbl>
+  <dgm:styleLbl name="fgAcc0">
+    <dgm:fillClrLst meth="repeat">
+      <a:schemeClr val="lt1">
+        <a:alpha val="90000"/>
+      </a:schemeClr>
+    </dgm:fillClrLst>
+    <dgm:linClrLst>
+      <a:schemeClr val="accent1"/>
+    </dgm:linClrLst>
+    <dgm:effectClrLst/>
+    <dgm:txLinClrLst/>
+    <dgm:txFillClrLst meth="repeat">
+      <a:schemeClr val="dk1"/>
+    </dgm:txFillClrLst>
+    <dgm:txEffectClrLst/>
+  </dgm:styleLbl>
+  <dgm:styleLbl name="fgAcc2">
+    <dgm:fillClrLst meth="repeat">
+      <a:schemeClr val="lt1">
+        <a:alpha val="90000"/>
+      </a:schemeClr>
+    </dgm:fillClrLst>
+    <dgm:linClrLst>
+      <a:schemeClr val="accent3"/>
+    </dgm:linClrLst>
+    <dgm:effectClrLst/>
+    <dgm:txLinClrLst/>
+    <dgm:txFillClrLst meth="repeat">
+      <a:schemeClr val="dk1"/>
+    </dgm:txFillClrLst>
+    <dgm:txEffectClrLst/>
+  </dgm:styleLbl>
+  <dgm:styleLbl name="fgAcc3">
+    <dgm:fillClrLst meth="repeat">
+      <a:schemeClr val="lt1">
+        <a:alpha val="90000"/>
+      </a:schemeClr>
+    </dgm:fillClrLst>
+    <dgm:linClrLst>
+      <a:schemeClr val="accent4"/>
+    </dgm:linClrLst>
+    <dgm:effectClrLst/>
+    <dgm:txLinClrLst/>
+    <dgm:txFillClrLst meth="repeat">
+      <a:schemeClr val="dk1"/>
+    </dgm:txFillClrLst>
+    <dgm:txEffectClrLst/>
+  </dgm:styleLbl>
+  <dgm:styleLbl name="fgAcc4">
+    <dgm:fillClrLst meth="repeat">
+      <a:schemeClr val="lt1">
+        <a:alpha val="90000"/>
+      </a:schemeClr>
+    </dgm:fillClrLst>
+    <dgm:linClrLst>
+      <a:schemeClr val="accent5"/>
+    </dgm:linClrLst>
+    <dgm:effectClrLst/>
+    <dgm:txLinClrLst/>
+    <dgm:txFillClrLst meth="repeat">
+      <a:schemeClr val="dk1"/>
+    </dgm:txFillClrLst>
+    <dgm:txEffectClrLst/>
+  </dgm:styleLbl>
+  <dgm:styleLbl name="bgShp">
+    <dgm:fillClrLst meth="repeat">
+      <a:schemeClr val="accent2">
+        <a:tint val="40000"/>
+      </a:schemeClr>
+    </dgm:fillClrLst>
+    <dgm:linClrLst meth="repeat">
+      <a:schemeClr val="dk1"/>
+    </dgm:linClrLst>
+    <dgm:effectClrLst/>
+    <dgm:txLinClrLst/>
+    <dgm:txFillClrLst meth="repeat">
+      <a:schemeClr val="dk1"/>
+    </dgm:txFillClrLst>
+    <dgm:txEffectClrLst/>
+  </dgm:styleLbl>
+  <dgm:styleLbl name="dkBgShp">
+    <dgm:fillClrLst meth="repeat">
+      <a:schemeClr val="accent2">
+        <a:shade val="90000"/>
+      </a:schemeClr>
+    </dgm:fillClrLst>
+    <dgm:linClrLst meth="repeat">
+      <a:schemeClr val="dk1"/>
+    </dgm:linClrLst>
+    <dgm:effectClrLst/>
+    <dgm:txLinClrLst/>
+    <dgm:txFillClrLst meth="repeat">
+      <a:schemeClr val="lt1"/>
+    </dgm:txFillClrLst>
+    <dgm:txEffectClrLst/>
+  </dgm:styleLbl>
+  <dgm:styleLbl name="trBgShp">
+    <dgm:fillClrLst meth="repeat">
+      <a:schemeClr val="accent2">
+        <a:tint val="50000"/>
+        <a:alpha val="40000"/>
+      </a:schemeClr>
+    </dgm:fillClrLst>
+    <dgm:linClrLst meth="repeat">
+      <a:schemeClr val="accent2"/>
+    </dgm:linClrLst>
+    <dgm:effectClrLst/>
+    <dgm:txLinClrLst/>
+    <dgm:txFillClrLst meth="repeat">
+      <a:schemeClr val="lt1"/>
+    </dgm:txFillClrLst>
+    <dgm:txEffectClrLst/>
+  </dgm:styleLbl>
+  <dgm:styleLbl name="fgShp">
+    <dgm:fillClrLst meth="repeat">
+      <a:schemeClr val="accent2">
+        <a:tint val="40000"/>
+      </a:schemeClr>
+    </dgm:fillClrLst>
+    <dgm:linClrLst meth="repeat">
+      <a:schemeClr val="lt1"/>
+    </dgm:linClrLst>
+    <dgm:effectClrLst/>
+    <dgm:txLinClrLst/>
+    <dgm:txFillClrLst meth="repeat">
+      <a:schemeClr val="dk1"/>
+    </dgm:txFillClrLst>
+    <dgm:txEffectClrLst/>
+  </dgm:styleLbl>
+  <dgm:styleLbl name="revTx">
+    <dgm:fillClrLst meth="repeat">
+      <a:schemeClr val="lt1">
+        <a:alpha val="0"/>
+      </a:schemeClr>
+    </dgm:fillClrLst>
+    <dgm:linClrLst meth="repeat">
+      <a:schemeClr val="dk1">
+        <a:alpha val="0"/>
+      </a:schemeClr>
+    </dgm:linClrLst>
+    <dgm:effectClrLst/>
+    <dgm:txLinClrLst/>
+    <dgm:txFillClrLst meth="repeat">
+      <a:schemeClr val="tx1"/>
+    </dgm:txFillClrLst>
+    <dgm:txEffectClrLst/>
+  </dgm:styleLbl>
+</dgm:colorsDef>
+</file>
+
+<file path=ppt/diagrams/data1.xml><?xml version="1.0" encoding="utf-8"?>
+<dgm:dataModel xmlns:dgm="http://schemas.openxmlformats.org/drawingml/2006/diagram" xmlns:a="http://schemas.openxmlformats.org/drawingml/2006/main">
+  <dgm:ptLst>
+    <dgm:pt modelId="{5864615A-B304-40B0-B5D5-A57230A9F218}" type="doc">
+      <dgm:prSet loTypeId="urn:microsoft.com/office/officeart/2005/8/layout/hList1" loCatId="list" qsTypeId="urn:microsoft.com/office/officeart/2005/8/quickstyle/simple1" qsCatId="simple" csTypeId="urn:microsoft.com/office/officeart/2005/8/colors/colorful2" csCatId="colorful"/>
+      <dgm:spPr/>
+      <dgm:t>
+        <a:bodyPr/>
+        <a:lstStyle/>
+        <a:p>
+          <a:endParaRPr lang="en-US"/>
+        </a:p>
+      </dgm:t>
+    </dgm:pt>
+    <dgm:pt modelId="{48DCA7AE-C7D2-4FED-B79E-BEA2F9A07987}">
+      <dgm:prSet/>
+      <dgm:spPr/>
+      <dgm:t>
+        <a:bodyPr/>
+        <a:lstStyle/>
+        <a:p>
+          <a:r>
+            <a:rPr lang="en-US"/>
+            <a:t>For a balanced training set: </a:t>
+          </a:r>
+        </a:p>
+      </dgm:t>
+    </dgm:pt>
+    <dgm:pt modelId="{ECF0DAF7-9CD7-4B92-80B0-6CDD6321AACF}" type="parTrans" cxnId="{7AAB8916-4A36-47B0-BB3C-1C2E3530FF50}">
+      <dgm:prSet/>
+      <dgm:spPr/>
+      <dgm:t>
+        <a:bodyPr/>
+        <a:lstStyle/>
+        <a:p>
+          <a:endParaRPr lang="en-US"/>
+        </a:p>
+      </dgm:t>
+    </dgm:pt>
+    <dgm:pt modelId="{6B6289B6-254B-420A-AF85-1CCAB528DB17}" type="sibTrans" cxnId="{7AAB8916-4A36-47B0-BB3C-1C2E3530FF50}">
+      <dgm:prSet/>
+      <dgm:spPr/>
+      <dgm:t>
+        <a:bodyPr/>
+        <a:lstStyle/>
+        <a:p>
+          <a:endParaRPr lang="en-US"/>
+        </a:p>
+      </dgm:t>
+    </dgm:pt>
+    <dgm:pt modelId="{35548CA9-D4E9-4A75-907F-84E12757438C}">
+      <dgm:prSet/>
+      <dgm:spPr/>
+      <dgm:t>
+        <a:bodyPr/>
+        <a:lstStyle/>
+        <a:p>
+          <a:r>
+            <a:rPr lang="en-US"/>
+            <a:t>we first limit the pool of reviews to be the ones prior to 2012-01-01 </a:t>
+          </a:r>
+        </a:p>
+      </dgm:t>
+    </dgm:pt>
+    <dgm:pt modelId="{68CF7F0B-0275-40A9-A7F0-019FF2DF8B61}" type="parTrans" cxnId="{016B26E0-2403-41A7-AB6C-068FF98F6118}">
+      <dgm:prSet/>
+      <dgm:spPr/>
+      <dgm:t>
+        <a:bodyPr/>
+        <a:lstStyle/>
+        <a:p>
+          <a:endParaRPr lang="en-US"/>
+        </a:p>
+      </dgm:t>
+    </dgm:pt>
+    <dgm:pt modelId="{A8E91232-1655-46B9-8A8E-FF76C28A19D0}" type="sibTrans" cxnId="{016B26E0-2403-41A7-AB6C-068FF98F6118}">
+      <dgm:prSet/>
+      <dgm:spPr/>
+      <dgm:t>
+        <a:bodyPr/>
+        <a:lstStyle/>
+        <a:p>
+          <a:endParaRPr lang="en-US"/>
+        </a:p>
+      </dgm:t>
+    </dgm:pt>
+    <dgm:pt modelId="{43E9A22D-5802-4DE1-BCA2-9CC5A71D1044}">
+      <dgm:prSet/>
+      <dgm:spPr/>
+      <dgm:t>
+        <a:bodyPr/>
+        <a:lstStyle/>
+        <a:p>
+          <a:r>
+            <a:rPr lang="en-US"/>
+            <a:t>we take all the actual fake reviews </a:t>
+          </a:r>
+        </a:p>
+      </dgm:t>
+    </dgm:pt>
+    <dgm:pt modelId="{CFEDB011-3C14-4C38-B501-C99AFFE55FC9}" type="parTrans" cxnId="{5566CC94-5C49-4ED3-965B-DCAA90D72F95}">
+      <dgm:prSet/>
+      <dgm:spPr/>
+      <dgm:t>
+        <a:bodyPr/>
+        <a:lstStyle/>
+        <a:p>
+          <a:endParaRPr lang="en-US"/>
+        </a:p>
+      </dgm:t>
+    </dgm:pt>
+    <dgm:pt modelId="{F8DCE217-6E36-4F8E-9305-2D8C0ECAD38D}" type="sibTrans" cxnId="{5566CC94-5C49-4ED3-965B-DCAA90D72F95}">
+      <dgm:prSet/>
+      <dgm:spPr/>
+      <dgm:t>
+        <a:bodyPr/>
+        <a:lstStyle/>
+        <a:p>
+          <a:endParaRPr lang="en-US"/>
+        </a:p>
+      </dgm:t>
+    </dgm:pt>
+    <dgm:pt modelId="{EB90BE3E-3784-4AC0-A8A4-DCB1C5682C41}">
+      <dgm:prSet/>
+      <dgm:spPr/>
+      <dgm:t>
+        <a:bodyPr/>
+        <a:lstStyle/>
+        <a:p>
+          <a:r>
+            <a:rPr lang="en-US"/>
+            <a:t>we include all generated fake reviews </a:t>
+          </a:r>
+        </a:p>
+      </dgm:t>
+    </dgm:pt>
+    <dgm:pt modelId="{7E331300-CBA6-4322-93E2-6F6012716747}" type="parTrans" cxnId="{99D1CDE5-6D92-4E77-93B4-5879AACF3FF4}">
+      <dgm:prSet/>
+      <dgm:spPr/>
+      <dgm:t>
+        <a:bodyPr/>
+        <a:lstStyle/>
+        <a:p>
+          <a:endParaRPr lang="en-US"/>
+        </a:p>
+      </dgm:t>
+    </dgm:pt>
+    <dgm:pt modelId="{A6A4766E-FF36-451D-A571-4FDB90B1AB87}" type="sibTrans" cxnId="{99D1CDE5-6D92-4E77-93B4-5879AACF3FF4}">
+      <dgm:prSet/>
+      <dgm:spPr/>
+      <dgm:t>
+        <a:bodyPr/>
+        <a:lstStyle/>
+        <a:p>
+          <a:endParaRPr lang="en-US"/>
+        </a:p>
+      </dgm:t>
+    </dgm:pt>
+    <dgm:pt modelId="{6047EE37-0D6A-4666-A024-7D631B04B5BF}">
+      <dgm:prSet/>
+      <dgm:spPr/>
+      <dgm:t>
+        <a:bodyPr/>
+        <a:lstStyle/>
+        <a:p>
+          <a:r>
+            <a:rPr lang="en-US"/>
+            <a:t>we sample the same number of reviews from the genuine reviews </a:t>
+          </a:r>
+        </a:p>
+      </dgm:t>
+    </dgm:pt>
+    <dgm:pt modelId="{1F306827-367E-4E54-8F6B-161DBF8D04F9}" type="parTrans" cxnId="{EEA6CE86-DB47-46EC-8240-8CC5BF688279}">
+      <dgm:prSet/>
+      <dgm:spPr/>
+      <dgm:t>
+        <a:bodyPr/>
+        <a:lstStyle/>
+        <a:p>
+          <a:endParaRPr lang="en-US"/>
+        </a:p>
+      </dgm:t>
+    </dgm:pt>
+    <dgm:pt modelId="{14F38FD7-6013-4806-BC78-D427A81FCF35}" type="sibTrans" cxnId="{EEA6CE86-DB47-46EC-8240-8CC5BF688279}">
+      <dgm:prSet/>
+      <dgm:spPr/>
+      <dgm:t>
+        <a:bodyPr/>
+        <a:lstStyle/>
+        <a:p>
+          <a:endParaRPr lang="en-US"/>
+        </a:p>
+      </dgm:t>
+    </dgm:pt>
+    <dgm:pt modelId="{0D0DEBB7-A6C9-4085-ABBD-BA8B31C04633}">
+      <dgm:prSet/>
+      <dgm:spPr/>
+      <dgm:t>
+        <a:bodyPr/>
+        <a:lstStyle/>
+        <a:p>
+          <a:r>
+            <a:rPr lang="en-US"/>
+            <a:t>this gives us a balanced, non-duplicated training set</a:t>
+          </a:r>
+        </a:p>
+      </dgm:t>
+    </dgm:pt>
+    <dgm:pt modelId="{20BE7206-5EF4-48BB-9771-A51BDDCB5482}" type="parTrans" cxnId="{96C1EB08-F423-48AF-BB41-720508F50F21}">
+      <dgm:prSet/>
+      <dgm:spPr/>
+      <dgm:t>
+        <a:bodyPr/>
+        <a:lstStyle/>
+        <a:p>
+          <a:endParaRPr lang="en-US"/>
+        </a:p>
+      </dgm:t>
+    </dgm:pt>
+    <dgm:pt modelId="{631C157E-279F-4539-938A-B6126CD6CA6F}" type="sibTrans" cxnId="{96C1EB08-F423-48AF-BB41-720508F50F21}">
+      <dgm:prSet/>
+      <dgm:spPr/>
+      <dgm:t>
+        <a:bodyPr/>
+        <a:lstStyle/>
+        <a:p>
+          <a:endParaRPr lang="en-US"/>
+        </a:p>
+      </dgm:t>
+    </dgm:pt>
+    <dgm:pt modelId="{C1B2091A-3D5E-4507-ACD7-4899F39A082B}">
+      <dgm:prSet/>
+      <dgm:spPr/>
+      <dgm:t>
+        <a:bodyPr/>
+        <a:lstStyle/>
+        <a:p>
+          <a:r>
+            <a:rPr lang="en-US"/>
+            <a:t>For a balanced test set: </a:t>
+          </a:r>
+        </a:p>
+      </dgm:t>
+    </dgm:pt>
+    <dgm:pt modelId="{5AB75107-A48F-4A7B-B515-18F2CE0DAA72}" type="parTrans" cxnId="{A7CA1FEE-2C1B-4F51-BB65-E3F9DF48D242}">
+      <dgm:prSet/>
+      <dgm:spPr/>
+      <dgm:t>
+        <a:bodyPr/>
+        <a:lstStyle/>
+        <a:p>
+          <a:endParaRPr lang="en-US"/>
+        </a:p>
+      </dgm:t>
+    </dgm:pt>
+    <dgm:pt modelId="{CADA7E71-582E-4C4B-8477-3FDABC94A174}" type="sibTrans" cxnId="{A7CA1FEE-2C1B-4F51-BB65-E3F9DF48D242}">
+      <dgm:prSet/>
+      <dgm:spPr/>
+      <dgm:t>
+        <a:bodyPr/>
+        <a:lstStyle/>
+        <a:p>
+          <a:endParaRPr lang="en-US"/>
+        </a:p>
+      </dgm:t>
+    </dgm:pt>
+    <dgm:pt modelId="{E7AF17A3-635F-4CED-A7E4-397D3FE42FC4}">
+      <dgm:prSet/>
+      <dgm:spPr/>
+      <dgm:t>
+        <a:bodyPr/>
+        <a:lstStyle/>
+        <a:p>
+          <a:r>
+            <a:rPr lang="en-US"/>
+            <a:t>we first limit the pool of reviews to the first review per reviewer after 2012-01-01 </a:t>
+          </a:r>
+        </a:p>
+      </dgm:t>
+    </dgm:pt>
+    <dgm:pt modelId="{355F2B3B-512E-4CCD-8130-7CE13AA26944}" type="parTrans" cxnId="{625D2474-46AE-4132-B1F3-C7D6E279BF93}">
+      <dgm:prSet/>
+      <dgm:spPr/>
+      <dgm:t>
+        <a:bodyPr/>
+        <a:lstStyle/>
+        <a:p>
+          <a:endParaRPr lang="en-US"/>
+        </a:p>
+      </dgm:t>
+    </dgm:pt>
+    <dgm:pt modelId="{9CC6D741-561F-4974-9974-DE4ED7D7B794}" type="sibTrans" cxnId="{625D2474-46AE-4132-B1F3-C7D6E279BF93}">
+      <dgm:prSet/>
+      <dgm:spPr/>
+      <dgm:t>
+        <a:bodyPr/>
+        <a:lstStyle/>
+        <a:p>
+          <a:endParaRPr lang="en-US"/>
+        </a:p>
+      </dgm:t>
+    </dgm:pt>
+    <dgm:pt modelId="{48CBF1AB-59BC-4A39-880C-AFE6BFF505B9}">
+      <dgm:prSet/>
+      <dgm:spPr/>
+      <dgm:t>
+        <a:bodyPr/>
+        <a:lstStyle/>
+        <a:p>
+          <a:r>
+            <a:rPr lang="en-US"/>
+            <a:t>we take all the fake reviews (because there are fewer) </a:t>
+          </a:r>
+        </a:p>
+      </dgm:t>
+    </dgm:pt>
+    <dgm:pt modelId="{D820CCB7-BB9A-462C-93AF-27C7E0025086}" type="parTrans" cxnId="{11B7180E-B139-4E8C-8705-F28296BC83C0}">
+      <dgm:prSet/>
+      <dgm:spPr/>
+      <dgm:t>
+        <a:bodyPr/>
+        <a:lstStyle/>
+        <a:p>
+          <a:endParaRPr lang="en-US"/>
+        </a:p>
+      </dgm:t>
+    </dgm:pt>
+    <dgm:pt modelId="{02197714-3FD0-45D2-AEF9-912DC965E85E}" type="sibTrans" cxnId="{11B7180E-B139-4E8C-8705-F28296BC83C0}">
+      <dgm:prSet/>
+      <dgm:spPr/>
+      <dgm:t>
+        <a:bodyPr/>
+        <a:lstStyle/>
+        <a:p>
+          <a:endParaRPr lang="en-US"/>
+        </a:p>
+      </dgm:t>
+    </dgm:pt>
+    <dgm:pt modelId="{25DE972A-1D56-4A97-A9A0-258F8C4AC8C3}">
+      <dgm:prSet/>
+      <dgm:spPr/>
+      <dgm:t>
+        <a:bodyPr/>
+        <a:lstStyle/>
+        <a:p>
+          <a:r>
+            <a:rPr lang="en-US"/>
+            <a:t>we sample the same number of reviews from the genuine reviews </a:t>
+          </a:r>
+        </a:p>
+      </dgm:t>
+    </dgm:pt>
+    <dgm:pt modelId="{0B818C87-9F0A-4204-A17E-3F97B990B5FE}" type="parTrans" cxnId="{B7A65EFC-6D7B-49E5-A3A3-4C39FD45D7CC}">
+      <dgm:prSet/>
+      <dgm:spPr/>
+      <dgm:t>
+        <a:bodyPr/>
+        <a:lstStyle/>
+        <a:p>
+          <a:endParaRPr lang="en-US"/>
+        </a:p>
+      </dgm:t>
+    </dgm:pt>
+    <dgm:pt modelId="{6A3EB28D-6EF6-472E-B82D-864CB55704A2}" type="sibTrans" cxnId="{B7A65EFC-6D7B-49E5-A3A3-4C39FD45D7CC}">
+      <dgm:prSet/>
+      <dgm:spPr/>
+      <dgm:t>
+        <a:bodyPr/>
+        <a:lstStyle/>
+        <a:p>
+          <a:endParaRPr lang="en-US"/>
+        </a:p>
+      </dgm:t>
+    </dgm:pt>
+    <dgm:pt modelId="{CCCB53C6-CEA7-49B7-8152-B5AFC14CE8B7}">
+      <dgm:prSet/>
+      <dgm:spPr/>
+      <dgm:t>
+        <a:bodyPr/>
+        <a:lstStyle/>
+        <a:p>
+          <a:r>
+            <a:rPr lang="en-US"/>
+            <a:t>this gives us a balanced, non-duplicated test set </a:t>
+          </a:r>
+        </a:p>
+      </dgm:t>
+    </dgm:pt>
+    <dgm:pt modelId="{02138CD6-6101-411A-A69B-BF5EA8D5C165}" type="parTrans" cxnId="{EFCB8D3A-8781-4BCC-BB13-BFB4BF570EC7}">
+      <dgm:prSet/>
+      <dgm:spPr/>
+      <dgm:t>
+        <a:bodyPr/>
+        <a:lstStyle/>
+        <a:p>
+          <a:endParaRPr lang="en-US"/>
+        </a:p>
+      </dgm:t>
+    </dgm:pt>
+    <dgm:pt modelId="{EC13F6C2-BAFF-4B89-B6DA-3A50D2F10665}" type="sibTrans" cxnId="{EFCB8D3A-8781-4BCC-BB13-BFB4BF570EC7}">
+      <dgm:prSet/>
+      <dgm:spPr/>
+      <dgm:t>
+        <a:bodyPr/>
+        <a:lstStyle/>
+        <a:p>
+          <a:endParaRPr lang="en-US"/>
+        </a:p>
+      </dgm:t>
+    </dgm:pt>
+    <dgm:pt modelId="{EA06AEA8-02A3-4B40-9C62-34F2276ED06E}" type="pres">
+      <dgm:prSet presAssocID="{5864615A-B304-40B0-B5D5-A57230A9F218}" presName="Name0" presStyleCnt="0">
+        <dgm:presLayoutVars>
+          <dgm:dir/>
+          <dgm:animLvl val="lvl"/>
+          <dgm:resizeHandles val="exact"/>
+        </dgm:presLayoutVars>
+      </dgm:prSet>
+      <dgm:spPr/>
+    </dgm:pt>
+    <dgm:pt modelId="{96A940A9-E3C9-6A4A-8F59-25F529EADAD6}" type="pres">
+      <dgm:prSet presAssocID="{48DCA7AE-C7D2-4FED-B79E-BEA2F9A07987}" presName="composite" presStyleCnt="0"/>
+      <dgm:spPr/>
+    </dgm:pt>
+    <dgm:pt modelId="{197CA24A-1397-BD46-8E1A-F8472E972140}" type="pres">
+      <dgm:prSet presAssocID="{48DCA7AE-C7D2-4FED-B79E-BEA2F9A07987}" presName="parTx" presStyleLbl="alignNode1" presStyleIdx="0" presStyleCnt="2">
+        <dgm:presLayoutVars>
+          <dgm:chMax val="0"/>
+          <dgm:chPref val="0"/>
+          <dgm:bulletEnabled val="1"/>
+        </dgm:presLayoutVars>
+      </dgm:prSet>
+      <dgm:spPr/>
+    </dgm:pt>
+    <dgm:pt modelId="{09BD2FF2-63EA-0A42-B5F0-2A46F466BF6E}" type="pres">
+      <dgm:prSet presAssocID="{48DCA7AE-C7D2-4FED-B79E-BEA2F9A07987}" presName="desTx" presStyleLbl="alignAccFollowNode1" presStyleIdx="0" presStyleCnt="2">
+        <dgm:presLayoutVars>
+          <dgm:bulletEnabled val="1"/>
+        </dgm:presLayoutVars>
+      </dgm:prSet>
+      <dgm:spPr/>
+    </dgm:pt>
+    <dgm:pt modelId="{58D1B2A6-27F4-664C-B577-5324D2A90D74}" type="pres">
+      <dgm:prSet presAssocID="{6B6289B6-254B-420A-AF85-1CCAB528DB17}" presName="space" presStyleCnt="0"/>
+      <dgm:spPr/>
+    </dgm:pt>
+    <dgm:pt modelId="{E5F123C7-65FE-0740-8B04-57C07F775E0A}" type="pres">
+      <dgm:prSet presAssocID="{C1B2091A-3D5E-4507-ACD7-4899F39A082B}" presName="composite" presStyleCnt="0"/>
+      <dgm:spPr/>
+    </dgm:pt>
+    <dgm:pt modelId="{CEDD3053-D12E-9D4F-9FF5-581E1BE3D4F8}" type="pres">
+      <dgm:prSet presAssocID="{C1B2091A-3D5E-4507-ACD7-4899F39A082B}" presName="parTx" presStyleLbl="alignNode1" presStyleIdx="1" presStyleCnt="2">
+        <dgm:presLayoutVars>
+          <dgm:chMax val="0"/>
+          <dgm:chPref val="0"/>
+          <dgm:bulletEnabled val="1"/>
+        </dgm:presLayoutVars>
+      </dgm:prSet>
+      <dgm:spPr/>
+    </dgm:pt>
+    <dgm:pt modelId="{BA146E40-D276-784F-9E17-C915D0D7F083}" type="pres">
+      <dgm:prSet presAssocID="{C1B2091A-3D5E-4507-ACD7-4899F39A082B}" presName="desTx" presStyleLbl="alignAccFollowNode1" presStyleIdx="1" presStyleCnt="2">
+        <dgm:presLayoutVars>
+          <dgm:bulletEnabled val="1"/>
+        </dgm:presLayoutVars>
+      </dgm:prSet>
+      <dgm:spPr/>
+    </dgm:pt>
+  </dgm:ptLst>
+  <dgm:cxnLst>
+    <dgm:cxn modelId="{96C1EB08-F423-48AF-BB41-720508F50F21}" srcId="{48DCA7AE-C7D2-4FED-B79E-BEA2F9A07987}" destId="{0D0DEBB7-A6C9-4085-ABBD-BA8B31C04633}" srcOrd="4" destOrd="0" parTransId="{20BE7206-5EF4-48BB-9771-A51BDDCB5482}" sibTransId="{631C157E-279F-4539-938A-B6126CD6CA6F}"/>
+    <dgm:cxn modelId="{11B7180E-B139-4E8C-8705-F28296BC83C0}" srcId="{C1B2091A-3D5E-4507-ACD7-4899F39A082B}" destId="{48CBF1AB-59BC-4A39-880C-AFE6BFF505B9}" srcOrd="1" destOrd="0" parTransId="{D820CCB7-BB9A-462C-93AF-27C7E0025086}" sibTransId="{02197714-3FD0-45D2-AEF9-912DC965E85E}"/>
+    <dgm:cxn modelId="{3E51D215-28B4-DE4E-9688-6469BBFCD4E1}" type="presOf" srcId="{48CBF1AB-59BC-4A39-880C-AFE6BFF505B9}" destId="{BA146E40-D276-784F-9E17-C915D0D7F083}" srcOrd="0" destOrd="1" presId="urn:microsoft.com/office/officeart/2005/8/layout/hList1"/>
+    <dgm:cxn modelId="{7AAB8916-4A36-47B0-BB3C-1C2E3530FF50}" srcId="{5864615A-B304-40B0-B5D5-A57230A9F218}" destId="{48DCA7AE-C7D2-4FED-B79E-BEA2F9A07987}" srcOrd="0" destOrd="0" parTransId="{ECF0DAF7-9CD7-4B92-80B0-6CDD6321AACF}" sibTransId="{6B6289B6-254B-420A-AF85-1CCAB528DB17}"/>
+    <dgm:cxn modelId="{45D0EC1B-76F3-694D-9CF8-6A717D42B425}" type="presOf" srcId="{6047EE37-0D6A-4666-A024-7D631B04B5BF}" destId="{09BD2FF2-63EA-0A42-B5F0-2A46F466BF6E}" srcOrd="0" destOrd="3" presId="urn:microsoft.com/office/officeart/2005/8/layout/hList1"/>
+    <dgm:cxn modelId="{EFCB8D3A-8781-4BCC-BB13-BFB4BF570EC7}" srcId="{C1B2091A-3D5E-4507-ACD7-4899F39A082B}" destId="{CCCB53C6-CEA7-49B7-8152-B5AFC14CE8B7}" srcOrd="3" destOrd="0" parTransId="{02138CD6-6101-411A-A69B-BF5EA8D5C165}" sibTransId="{EC13F6C2-BAFF-4B89-B6DA-3A50D2F10665}"/>
+    <dgm:cxn modelId="{4AD26242-539F-EC45-A329-7551030EB870}" type="presOf" srcId="{25DE972A-1D56-4A97-A9A0-258F8C4AC8C3}" destId="{BA146E40-D276-784F-9E17-C915D0D7F083}" srcOrd="0" destOrd="2" presId="urn:microsoft.com/office/officeart/2005/8/layout/hList1"/>
+    <dgm:cxn modelId="{07CCF74E-0893-0646-B32B-7C92CD10D955}" type="presOf" srcId="{5864615A-B304-40B0-B5D5-A57230A9F218}" destId="{EA06AEA8-02A3-4B40-9C62-34F2276ED06E}" srcOrd="0" destOrd="0" presId="urn:microsoft.com/office/officeart/2005/8/layout/hList1"/>
+    <dgm:cxn modelId="{625D2474-46AE-4132-B1F3-C7D6E279BF93}" srcId="{C1B2091A-3D5E-4507-ACD7-4899F39A082B}" destId="{E7AF17A3-635F-4CED-A7E4-397D3FE42FC4}" srcOrd="0" destOrd="0" parTransId="{355F2B3B-512E-4CCD-8130-7CE13AA26944}" sibTransId="{9CC6D741-561F-4974-9974-DE4ED7D7B794}"/>
+    <dgm:cxn modelId="{08B00579-FDE3-C54B-803A-2C22257DF002}" type="presOf" srcId="{EB90BE3E-3784-4AC0-A8A4-DCB1C5682C41}" destId="{09BD2FF2-63EA-0A42-B5F0-2A46F466BF6E}" srcOrd="0" destOrd="2" presId="urn:microsoft.com/office/officeart/2005/8/layout/hList1"/>
+    <dgm:cxn modelId="{EEA6CE86-DB47-46EC-8240-8CC5BF688279}" srcId="{48DCA7AE-C7D2-4FED-B79E-BEA2F9A07987}" destId="{6047EE37-0D6A-4666-A024-7D631B04B5BF}" srcOrd="3" destOrd="0" parTransId="{1F306827-367E-4E54-8F6B-161DBF8D04F9}" sibTransId="{14F38FD7-6013-4806-BC78-D427A81FCF35}"/>
+    <dgm:cxn modelId="{5566CC94-5C49-4ED3-965B-DCAA90D72F95}" srcId="{48DCA7AE-C7D2-4FED-B79E-BEA2F9A07987}" destId="{43E9A22D-5802-4DE1-BCA2-9CC5A71D1044}" srcOrd="1" destOrd="0" parTransId="{CFEDB011-3C14-4C38-B501-C99AFFE55FC9}" sibTransId="{F8DCE217-6E36-4F8E-9305-2D8C0ECAD38D}"/>
+    <dgm:cxn modelId="{E5C553A4-5211-F14F-BCCE-4CD01AA25708}" type="presOf" srcId="{E7AF17A3-635F-4CED-A7E4-397D3FE42FC4}" destId="{BA146E40-D276-784F-9E17-C915D0D7F083}" srcOrd="0" destOrd="0" presId="urn:microsoft.com/office/officeart/2005/8/layout/hList1"/>
+    <dgm:cxn modelId="{5A40C6A9-1F2A-1644-81F3-55EDFB99890F}" type="presOf" srcId="{CCCB53C6-CEA7-49B7-8152-B5AFC14CE8B7}" destId="{BA146E40-D276-784F-9E17-C915D0D7F083}" srcOrd="0" destOrd="3" presId="urn:microsoft.com/office/officeart/2005/8/layout/hList1"/>
+    <dgm:cxn modelId="{5F15B7C3-CEBD-354F-9AB1-57342094DB5C}" type="presOf" srcId="{0D0DEBB7-A6C9-4085-ABBD-BA8B31C04633}" destId="{09BD2FF2-63EA-0A42-B5F0-2A46F466BF6E}" srcOrd="0" destOrd="4" presId="urn:microsoft.com/office/officeart/2005/8/layout/hList1"/>
+    <dgm:cxn modelId="{699986D9-0BF7-454D-AA4B-4DDBC40D4A04}" type="presOf" srcId="{35548CA9-D4E9-4A75-907F-84E12757438C}" destId="{09BD2FF2-63EA-0A42-B5F0-2A46F466BF6E}" srcOrd="0" destOrd="0" presId="urn:microsoft.com/office/officeart/2005/8/layout/hList1"/>
+    <dgm:cxn modelId="{832C45DA-A72B-394D-A946-22E4EF5949BF}" type="presOf" srcId="{C1B2091A-3D5E-4507-ACD7-4899F39A082B}" destId="{CEDD3053-D12E-9D4F-9FF5-581E1BE3D4F8}" srcOrd="0" destOrd="0" presId="urn:microsoft.com/office/officeart/2005/8/layout/hList1"/>
+    <dgm:cxn modelId="{016B26E0-2403-41A7-AB6C-068FF98F6118}" srcId="{48DCA7AE-C7D2-4FED-B79E-BEA2F9A07987}" destId="{35548CA9-D4E9-4A75-907F-84E12757438C}" srcOrd="0" destOrd="0" parTransId="{68CF7F0B-0275-40A9-A7F0-019FF2DF8B61}" sibTransId="{A8E91232-1655-46B9-8A8E-FF76C28A19D0}"/>
+    <dgm:cxn modelId="{99D1CDE5-6D92-4E77-93B4-5879AACF3FF4}" srcId="{48DCA7AE-C7D2-4FED-B79E-BEA2F9A07987}" destId="{EB90BE3E-3784-4AC0-A8A4-DCB1C5682C41}" srcOrd="2" destOrd="0" parTransId="{7E331300-CBA6-4322-93E2-6F6012716747}" sibTransId="{A6A4766E-FF36-451D-A571-4FDB90B1AB87}"/>
+    <dgm:cxn modelId="{BBA981E6-D2D4-4244-BA7E-003CDCC134DB}" type="presOf" srcId="{43E9A22D-5802-4DE1-BCA2-9CC5A71D1044}" destId="{09BD2FF2-63EA-0A42-B5F0-2A46F466BF6E}" srcOrd="0" destOrd="1" presId="urn:microsoft.com/office/officeart/2005/8/layout/hList1"/>
+    <dgm:cxn modelId="{A7CA1FEE-2C1B-4F51-BB65-E3F9DF48D242}" srcId="{5864615A-B304-40B0-B5D5-A57230A9F218}" destId="{C1B2091A-3D5E-4507-ACD7-4899F39A082B}" srcOrd="1" destOrd="0" parTransId="{5AB75107-A48F-4A7B-B515-18F2CE0DAA72}" sibTransId="{CADA7E71-582E-4C4B-8477-3FDABC94A174}"/>
+    <dgm:cxn modelId="{294CF0EF-FD8E-BB45-8843-F269E7BC036A}" type="presOf" srcId="{48DCA7AE-C7D2-4FED-B79E-BEA2F9A07987}" destId="{197CA24A-1397-BD46-8E1A-F8472E972140}" srcOrd="0" destOrd="0" presId="urn:microsoft.com/office/officeart/2005/8/layout/hList1"/>
+    <dgm:cxn modelId="{B7A65EFC-6D7B-49E5-A3A3-4C39FD45D7CC}" srcId="{C1B2091A-3D5E-4507-ACD7-4899F39A082B}" destId="{25DE972A-1D56-4A97-A9A0-258F8C4AC8C3}" srcOrd="2" destOrd="0" parTransId="{0B818C87-9F0A-4204-A17E-3F97B990B5FE}" sibTransId="{6A3EB28D-6EF6-472E-B82D-864CB55704A2}"/>
+    <dgm:cxn modelId="{B4481D61-3084-C04F-8D7B-B2BB9825E41D}" type="presParOf" srcId="{EA06AEA8-02A3-4B40-9C62-34F2276ED06E}" destId="{96A940A9-E3C9-6A4A-8F59-25F529EADAD6}" srcOrd="0" destOrd="0" presId="urn:microsoft.com/office/officeart/2005/8/layout/hList1"/>
+    <dgm:cxn modelId="{6B1C7CF5-E6C3-134A-9A8C-3B09C27BC026}" type="presParOf" srcId="{96A940A9-E3C9-6A4A-8F59-25F529EADAD6}" destId="{197CA24A-1397-BD46-8E1A-F8472E972140}" srcOrd="0" destOrd="0" presId="urn:microsoft.com/office/officeart/2005/8/layout/hList1"/>
+    <dgm:cxn modelId="{09D03B31-00E5-4D40-A60D-6148102944F9}" type="presParOf" srcId="{96A940A9-E3C9-6A4A-8F59-25F529EADAD6}" destId="{09BD2FF2-63EA-0A42-B5F0-2A46F466BF6E}" srcOrd="1" destOrd="0" presId="urn:microsoft.com/office/officeart/2005/8/layout/hList1"/>
+    <dgm:cxn modelId="{4BF15A88-BB07-A543-9498-0D3DC6B0EE0D}" type="presParOf" srcId="{EA06AEA8-02A3-4B40-9C62-34F2276ED06E}" destId="{58D1B2A6-27F4-664C-B577-5324D2A90D74}" srcOrd="1" destOrd="0" presId="urn:microsoft.com/office/officeart/2005/8/layout/hList1"/>
+    <dgm:cxn modelId="{E2180BC9-9370-0048-BAE5-ADD6B4D0DE26}" type="presParOf" srcId="{EA06AEA8-02A3-4B40-9C62-34F2276ED06E}" destId="{E5F123C7-65FE-0740-8B04-57C07F775E0A}" srcOrd="2" destOrd="0" presId="urn:microsoft.com/office/officeart/2005/8/layout/hList1"/>
+    <dgm:cxn modelId="{6E198F1C-13BC-1F42-BB19-5EA972D58F6F}" type="presParOf" srcId="{E5F123C7-65FE-0740-8B04-57C07F775E0A}" destId="{CEDD3053-D12E-9D4F-9FF5-581E1BE3D4F8}" srcOrd="0" destOrd="0" presId="urn:microsoft.com/office/officeart/2005/8/layout/hList1"/>
+    <dgm:cxn modelId="{AF68A1E5-4E9F-F241-8659-AB3F13A415E1}" type="presParOf" srcId="{E5F123C7-65FE-0740-8B04-57C07F775E0A}" destId="{BA146E40-D276-784F-9E17-C915D0D7F083}" srcOrd="1" destOrd="0" presId="urn:microsoft.com/office/officeart/2005/8/layout/hList1"/>
+  </dgm:cxnLst>
+  <dgm:bg/>
+  <dgm:whole/>
+  <dgm:extLst>
+    <a:ext uri="http://schemas.microsoft.com/office/drawing/2008/diagram">
+      <dsp:dataModelExt xmlns:dsp="http://schemas.microsoft.com/office/drawing/2008/diagram" relId="rId6" minVer="http://schemas.openxmlformats.org/drawingml/2006/diagram"/>
+    </a:ext>
+  </dgm:extLst>
+</dgm:dataModel>
+</file>
+
+<file path=ppt/diagrams/drawing1.xml><?xml version="1.0" encoding="utf-8"?>
+<dsp:drawing xmlns:dgm="http://schemas.openxmlformats.org/drawingml/2006/diagram" xmlns:dsp="http://schemas.microsoft.com/office/drawing/2008/diagram" xmlns:a="http://schemas.openxmlformats.org/drawingml/2006/main">
+  <dsp:spTree>
+    <dsp:nvGrpSpPr>
+      <dsp:cNvPr id="0" name=""/>
+      <dsp:cNvGrpSpPr/>
+    </dsp:nvGrpSpPr>
+    <dsp:grpSpPr/>
+    <dsp:sp modelId="{197CA24A-1397-BD46-8E1A-F8472E972140}">
+      <dsp:nvSpPr>
+        <dsp:cNvPr id="0" name=""/>
+        <dsp:cNvSpPr/>
+      </dsp:nvSpPr>
+      <dsp:spPr>
+        <a:xfrm>
+          <a:off x="45" y="68600"/>
+          <a:ext cx="4371969" cy="633600"/>
+        </a:xfrm>
+        <a:prstGeom prst="rect">
+          <a:avLst/>
+        </a:prstGeom>
+        <a:solidFill>
+          <a:schemeClr val="accent2">
+            <a:hueOff val="0"/>
+            <a:satOff val="0"/>
+            <a:lumOff val="0"/>
+            <a:alphaOff val="0"/>
+          </a:schemeClr>
+        </a:solidFill>
+        <a:ln w="12700" cap="flat" cmpd="sng" algn="ctr">
+          <a:solidFill>
+            <a:schemeClr val="accent2">
+              <a:hueOff val="0"/>
+              <a:satOff val="0"/>
+              <a:lumOff val="0"/>
+              <a:alphaOff val="0"/>
+            </a:schemeClr>
+          </a:solidFill>
+          <a:prstDash val="solid"/>
+          <a:miter lim="800000"/>
+        </a:ln>
+        <a:effectLst/>
+      </dsp:spPr>
+      <dsp:style>
+        <a:lnRef idx="2">
+          <a:scrgbClr r="0" g="0" b="0"/>
+        </a:lnRef>
+        <a:fillRef idx="1">
+          <a:scrgbClr r="0" g="0" b="0"/>
+        </a:fillRef>
+        <a:effectRef idx="0">
+          <a:scrgbClr r="0" g="0" b="0"/>
+        </a:effectRef>
+        <a:fontRef idx="minor">
+          <a:schemeClr val="lt1"/>
+        </a:fontRef>
+      </dsp:style>
+      <dsp:txBody>
+        <a:bodyPr spcFirstLastPara="0" vert="horz" wrap="square" lIns="156464" tIns="89408" rIns="156464" bIns="89408" numCol="1" spcCol="1270" anchor="ctr" anchorCtr="0">
+          <a:noAutofit/>
+        </a:bodyPr>
+        <a:lstStyle/>
+        <a:p>
+          <a:pPr marL="0" lvl="0" indent="0" algn="ctr" defTabSz="977900">
+            <a:lnSpc>
+              <a:spcPct val="90000"/>
+            </a:lnSpc>
+            <a:spcBef>
+              <a:spcPct val="0"/>
+            </a:spcBef>
+            <a:spcAft>
+              <a:spcPct val="35000"/>
+            </a:spcAft>
+            <a:buNone/>
+          </a:pPr>
+          <a:r>
+            <a:rPr lang="en-US" sz="2200" kern="1200"/>
+            <a:t>For a balanced training set: </a:t>
+          </a:r>
+        </a:p>
+      </dsp:txBody>
+      <dsp:txXfrm>
+        <a:off x="45" y="68600"/>
+        <a:ext cx="4371969" cy="633600"/>
+      </dsp:txXfrm>
+    </dsp:sp>
+    <dsp:sp modelId="{09BD2FF2-63EA-0A42-B5F0-2A46F466BF6E}">
+      <dsp:nvSpPr>
+        <dsp:cNvPr id="0" name=""/>
+        <dsp:cNvSpPr/>
+      </dsp:nvSpPr>
+      <dsp:spPr>
+        <a:xfrm>
+          <a:off x="45" y="702200"/>
+          <a:ext cx="4371969" cy="3623400"/>
+        </a:xfrm>
+        <a:prstGeom prst="rect">
+          <a:avLst/>
+        </a:prstGeom>
+        <a:solidFill>
+          <a:schemeClr val="accent2">
+            <a:tint val="40000"/>
+            <a:alpha val="90000"/>
+            <a:hueOff val="0"/>
+            <a:satOff val="0"/>
+            <a:lumOff val="0"/>
+            <a:alphaOff val="0"/>
+          </a:schemeClr>
+        </a:solidFill>
+        <a:ln w="12700" cap="flat" cmpd="sng" algn="ctr">
+          <a:solidFill>
+            <a:schemeClr val="accent2">
+              <a:tint val="40000"/>
+              <a:alpha val="90000"/>
+              <a:hueOff val="0"/>
+              <a:satOff val="0"/>
+              <a:lumOff val="0"/>
+              <a:alphaOff val="0"/>
+            </a:schemeClr>
+          </a:solidFill>
+          <a:prstDash val="solid"/>
+          <a:miter lim="800000"/>
+        </a:ln>
+        <a:effectLst/>
+      </dsp:spPr>
+      <dsp:style>
+        <a:lnRef idx="2">
+          <a:scrgbClr r="0" g="0" b="0"/>
+        </a:lnRef>
+        <a:fillRef idx="1">
+          <a:scrgbClr r="0" g="0" b="0"/>
+        </a:fillRef>
+        <a:effectRef idx="0">
+          <a:scrgbClr r="0" g="0" b="0"/>
+        </a:effectRef>
+        <a:fontRef idx="minor"/>
+      </dsp:style>
+      <dsp:txBody>
+        <a:bodyPr spcFirstLastPara="0" vert="horz" wrap="square" lIns="117348" tIns="117348" rIns="156464" bIns="176022" numCol="1" spcCol="1270" anchor="t" anchorCtr="0">
+          <a:noAutofit/>
+        </a:bodyPr>
+        <a:lstStyle/>
+        <a:p>
+          <a:pPr marL="228600" lvl="1" indent="-228600" algn="l" defTabSz="977900">
+            <a:lnSpc>
+              <a:spcPct val="90000"/>
+            </a:lnSpc>
+            <a:spcBef>
+              <a:spcPct val="0"/>
+            </a:spcBef>
+            <a:spcAft>
+              <a:spcPct val="15000"/>
+            </a:spcAft>
+            <a:buChar char="•"/>
+          </a:pPr>
+          <a:r>
+            <a:rPr lang="en-US" sz="2200" kern="1200"/>
+            <a:t>we first limit the pool of reviews to be the ones prior to 2012-01-01 </a:t>
+          </a:r>
+        </a:p>
+        <a:p>
+          <a:pPr marL="228600" lvl="1" indent="-228600" algn="l" defTabSz="977900">
+            <a:lnSpc>
+              <a:spcPct val="90000"/>
+            </a:lnSpc>
+            <a:spcBef>
+              <a:spcPct val="0"/>
+            </a:spcBef>
+            <a:spcAft>
+              <a:spcPct val="15000"/>
+            </a:spcAft>
+            <a:buChar char="•"/>
+          </a:pPr>
+          <a:r>
+            <a:rPr lang="en-US" sz="2200" kern="1200"/>
+            <a:t>we take all the actual fake reviews </a:t>
+          </a:r>
+        </a:p>
+        <a:p>
+          <a:pPr marL="228600" lvl="1" indent="-228600" algn="l" defTabSz="977900">
+            <a:lnSpc>
+              <a:spcPct val="90000"/>
+            </a:lnSpc>
+            <a:spcBef>
+              <a:spcPct val="0"/>
+            </a:spcBef>
+            <a:spcAft>
+              <a:spcPct val="15000"/>
+            </a:spcAft>
+            <a:buChar char="•"/>
+          </a:pPr>
+          <a:r>
+            <a:rPr lang="en-US" sz="2200" kern="1200"/>
+            <a:t>we include all generated fake reviews </a:t>
+          </a:r>
+        </a:p>
+        <a:p>
+          <a:pPr marL="228600" lvl="1" indent="-228600" algn="l" defTabSz="977900">
+            <a:lnSpc>
+              <a:spcPct val="90000"/>
+            </a:lnSpc>
+            <a:spcBef>
+              <a:spcPct val="0"/>
+            </a:spcBef>
+            <a:spcAft>
+              <a:spcPct val="15000"/>
+            </a:spcAft>
+            <a:buChar char="•"/>
+          </a:pPr>
+          <a:r>
+            <a:rPr lang="en-US" sz="2200" kern="1200"/>
+            <a:t>we sample the same number of reviews from the genuine reviews </a:t>
+          </a:r>
+        </a:p>
+        <a:p>
+          <a:pPr marL="228600" lvl="1" indent="-228600" algn="l" defTabSz="977900">
+            <a:lnSpc>
+              <a:spcPct val="90000"/>
+            </a:lnSpc>
+            <a:spcBef>
+              <a:spcPct val="0"/>
+            </a:spcBef>
+            <a:spcAft>
+              <a:spcPct val="15000"/>
+            </a:spcAft>
+            <a:buChar char="•"/>
+          </a:pPr>
+          <a:r>
+            <a:rPr lang="en-US" sz="2200" kern="1200"/>
+            <a:t>this gives us a balanced, non-duplicated training set</a:t>
+          </a:r>
+        </a:p>
+      </dsp:txBody>
+      <dsp:txXfrm>
+        <a:off x="45" y="702200"/>
+        <a:ext cx="4371969" cy="3623400"/>
+      </dsp:txXfrm>
+    </dsp:sp>
+    <dsp:sp modelId="{CEDD3053-D12E-9D4F-9FF5-581E1BE3D4F8}">
+      <dsp:nvSpPr>
+        <dsp:cNvPr id="0" name=""/>
+        <dsp:cNvSpPr/>
+      </dsp:nvSpPr>
+      <dsp:spPr>
+        <a:xfrm>
+          <a:off x="4984091" y="68600"/>
+          <a:ext cx="4371969" cy="633600"/>
+        </a:xfrm>
+        <a:prstGeom prst="rect">
+          <a:avLst/>
+        </a:prstGeom>
+        <a:solidFill>
+          <a:schemeClr val="accent2">
+            <a:hueOff val="-1455363"/>
+            <a:satOff val="-83928"/>
+            <a:lumOff val="8628"/>
+            <a:alphaOff val="0"/>
+          </a:schemeClr>
+        </a:solidFill>
+        <a:ln w="12700" cap="flat" cmpd="sng" algn="ctr">
+          <a:solidFill>
+            <a:schemeClr val="accent2">
+              <a:hueOff val="-1455363"/>
+              <a:satOff val="-83928"/>
+              <a:lumOff val="8628"/>
+              <a:alphaOff val="0"/>
+            </a:schemeClr>
+          </a:solidFill>
+          <a:prstDash val="solid"/>
+          <a:miter lim="800000"/>
+        </a:ln>
+        <a:effectLst/>
+      </dsp:spPr>
+      <dsp:style>
+        <a:lnRef idx="2">
+          <a:scrgbClr r="0" g="0" b="0"/>
+        </a:lnRef>
+        <a:fillRef idx="1">
+          <a:scrgbClr r="0" g="0" b="0"/>
+        </a:fillRef>
+        <a:effectRef idx="0">
+          <a:scrgbClr r="0" g="0" b="0"/>
+        </a:effectRef>
+        <a:fontRef idx="minor">
+          <a:schemeClr val="lt1"/>
+        </a:fontRef>
+      </dsp:style>
+      <dsp:txBody>
+        <a:bodyPr spcFirstLastPara="0" vert="horz" wrap="square" lIns="156464" tIns="89408" rIns="156464" bIns="89408" numCol="1" spcCol="1270" anchor="ctr" anchorCtr="0">
+          <a:noAutofit/>
+        </a:bodyPr>
+        <a:lstStyle/>
+        <a:p>
+          <a:pPr marL="0" lvl="0" indent="0" algn="ctr" defTabSz="977900">
+            <a:lnSpc>
+              <a:spcPct val="90000"/>
+            </a:lnSpc>
+            <a:spcBef>
+              <a:spcPct val="0"/>
+            </a:spcBef>
+            <a:spcAft>
+              <a:spcPct val="35000"/>
+            </a:spcAft>
+            <a:buNone/>
+          </a:pPr>
+          <a:r>
+            <a:rPr lang="en-US" sz="2200" kern="1200"/>
+            <a:t>For a balanced test set: </a:t>
+          </a:r>
+        </a:p>
+      </dsp:txBody>
+      <dsp:txXfrm>
+        <a:off x="4984091" y="68600"/>
+        <a:ext cx="4371969" cy="633600"/>
+      </dsp:txXfrm>
+    </dsp:sp>
+    <dsp:sp modelId="{BA146E40-D276-784F-9E17-C915D0D7F083}">
+      <dsp:nvSpPr>
+        <dsp:cNvPr id="0" name=""/>
+        <dsp:cNvSpPr/>
+      </dsp:nvSpPr>
+      <dsp:spPr>
+        <a:xfrm>
+          <a:off x="4984091" y="702200"/>
+          <a:ext cx="4371969" cy="3623400"/>
+        </a:xfrm>
+        <a:prstGeom prst="rect">
+          <a:avLst/>
+        </a:prstGeom>
+        <a:solidFill>
+          <a:schemeClr val="accent2">
+            <a:tint val="40000"/>
+            <a:alpha val="90000"/>
+            <a:hueOff val="-849226"/>
+            <a:satOff val="-75346"/>
+            <a:lumOff val="-769"/>
+            <a:alphaOff val="0"/>
+          </a:schemeClr>
+        </a:solidFill>
+        <a:ln w="12700" cap="flat" cmpd="sng" algn="ctr">
+          <a:solidFill>
+            <a:schemeClr val="accent2">
+              <a:tint val="40000"/>
+              <a:alpha val="90000"/>
+              <a:hueOff val="-849226"/>
+              <a:satOff val="-75346"/>
+              <a:lumOff val="-769"/>
+              <a:alphaOff val="0"/>
+            </a:schemeClr>
+          </a:solidFill>
+          <a:prstDash val="solid"/>
+          <a:miter lim="800000"/>
+        </a:ln>
+        <a:effectLst/>
+      </dsp:spPr>
+      <dsp:style>
+        <a:lnRef idx="2">
+          <a:scrgbClr r="0" g="0" b="0"/>
+        </a:lnRef>
+        <a:fillRef idx="1">
+          <a:scrgbClr r="0" g="0" b="0"/>
+        </a:fillRef>
+        <a:effectRef idx="0">
+          <a:scrgbClr r="0" g="0" b="0"/>
+        </a:effectRef>
+        <a:fontRef idx="minor"/>
+      </dsp:style>
+      <dsp:txBody>
+        <a:bodyPr spcFirstLastPara="0" vert="horz" wrap="square" lIns="117348" tIns="117348" rIns="156464" bIns="176022" numCol="1" spcCol="1270" anchor="t" anchorCtr="0">
+          <a:noAutofit/>
+        </a:bodyPr>
+        <a:lstStyle/>
+        <a:p>
+          <a:pPr marL="228600" lvl="1" indent="-228600" algn="l" defTabSz="977900">
+            <a:lnSpc>
+              <a:spcPct val="90000"/>
+            </a:lnSpc>
+            <a:spcBef>
+              <a:spcPct val="0"/>
+            </a:spcBef>
+            <a:spcAft>
+              <a:spcPct val="15000"/>
+            </a:spcAft>
+            <a:buChar char="•"/>
+          </a:pPr>
+          <a:r>
+            <a:rPr lang="en-US" sz="2200" kern="1200"/>
+            <a:t>we first limit the pool of reviews to the first review per reviewer after 2012-01-01 </a:t>
+          </a:r>
+        </a:p>
+        <a:p>
+          <a:pPr marL="228600" lvl="1" indent="-228600" algn="l" defTabSz="977900">
+            <a:lnSpc>
+              <a:spcPct val="90000"/>
+            </a:lnSpc>
+            <a:spcBef>
+              <a:spcPct val="0"/>
+            </a:spcBef>
+            <a:spcAft>
+              <a:spcPct val="15000"/>
+            </a:spcAft>
+            <a:buChar char="•"/>
+          </a:pPr>
+          <a:r>
+            <a:rPr lang="en-US" sz="2200" kern="1200"/>
+            <a:t>we take all the fake reviews (because there are fewer) </a:t>
+          </a:r>
+        </a:p>
+        <a:p>
+          <a:pPr marL="228600" lvl="1" indent="-228600" algn="l" defTabSz="977900">
+            <a:lnSpc>
+              <a:spcPct val="90000"/>
+            </a:lnSpc>
+            <a:spcBef>
+              <a:spcPct val="0"/>
+            </a:spcBef>
+            <a:spcAft>
+              <a:spcPct val="15000"/>
+            </a:spcAft>
+            <a:buChar char="•"/>
+          </a:pPr>
+          <a:r>
+            <a:rPr lang="en-US" sz="2200" kern="1200"/>
+            <a:t>we sample the same number of reviews from the genuine reviews </a:t>
+          </a:r>
+        </a:p>
+        <a:p>
+          <a:pPr marL="228600" lvl="1" indent="-228600" algn="l" defTabSz="977900">
+            <a:lnSpc>
+              <a:spcPct val="90000"/>
+            </a:lnSpc>
+            <a:spcBef>
+              <a:spcPct val="0"/>
+            </a:spcBef>
+            <a:spcAft>
+              <a:spcPct val="15000"/>
+            </a:spcAft>
+            <a:buChar char="•"/>
+          </a:pPr>
+          <a:r>
+            <a:rPr lang="en-US" sz="2200" kern="1200"/>
+            <a:t>this gives us a balanced, non-duplicated test set </a:t>
+          </a:r>
+        </a:p>
+      </dsp:txBody>
+      <dsp:txXfrm>
+        <a:off x="4984091" y="702200"/>
+        <a:ext cx="4371969" cy="3623400"/>
+      </dsp:txXfrm>
+    </dsp:sp>
+  </dsp:spTree>
+</dsp:drawing>
+</file>
+
+<file path=ppt/diagrams/layout1.xml><?xml version="1.0" encoding="utf-8"?>
+<dgm:layoutDef xmlns:dgm="http://schemas.openxmlformats.org/drawingml/2006/diagram" xmlns:a="http://schemas.openxmlformats.org/drawingml/2006/main" uniqueId="urn:microsoft.com/office/officeart/2005/8/layout/hList1">
+  <dgm:title val=""/>
+  <dgm:desc val=""/>
+  <dgm:catLst>
+    <dgm:cat type="list" pri="5000"/>
+    <dgm:cat type="convert" pri="5000"/>
+  </dgm:catLst>
+  <dgm:sampData>
+    <dgm:dataModel>
+      <dgm:ptLst>
+        <dgm:pt modelId="0" type="doc"/>
+        <dgm:pt modelId="1">
+          <dgm:prSet phldr="1"/>
+        </dgm:pt>
+        <dgm:pt modelId="11">
+          <dgm:prSet phldr="1"/>
+        </dgm:pt>
+        <dgm:pt modelId="12">
+          <dgm:prSet phldr="1"/>
+        </dgm:pt>
+        <dgm:pt modelId="2">
+          <dgm:prSet phldr="1"/>
+        </dgm:pt>
+        <dgm:pt modelId="21">
+          <dgm:prSet phldr="1"/>
+        </dgm:pt>
+        <dgm:pt modelId="22">
+          <dgm:prSet phldr="1"/>
+        </dgm:pt>
+        <dgm:pt modelId="3">
+          <dgm:prSet phldr="1"/>
+        </dgm:pt>
+        <dgm:pt modelId="31">
+          <dgm:prSet phldr="1"/>
+        </dgm:pt>
+        <dgm:pt modelId="32">
+          <dgm:prSet phldr="1"/>
+        </dgm:pt>
+      </dgm:ptLst>
+      <dgm:cxnLst>
+        <dgm:cxn modelId="4" srcId="0" destId="1" srcOrd="0" destOrd="0"/>
+        <dgm:cxn modelId="5" srcId="0" destId="2" srcOrd="1" destOrd="0"/>
+        <dgm:cxn modelId="6" srcId="0" destId="3" srcOrd="2" destOrd="0"/>
+        <dgm:cxn modelId="13" srcId="1" destId="11" srcOrd="0" destOrd="0"/>
+        <dgm:cxn modelId="14" srcId="1" destId="12" srcOrd="1" destOrd="0"/>
+        <dgm:cxn modelId="23" srcId="2" destId="21" srcOrd="0" destOrd="0"/>
+        <dgm:cxn modelId="24" srcId="2" destId="22" srcOrd="1" destOrd="0"/>
+        <dgm:cxn modelId="33" srcId="3" destId="31" srcOrd="0" destOrd="0"/>
+        <dgm:cxn modelId="34" srcId="3" destId="32" srcOrd="1" destOrd="0"/>
+      </dgm:cxnLst>
+      <dgm:bg/>
+      <dgm:whole/>
+    </dgm:dataModel>
+  </dgm:sampData>
+  <dgm:styleData>
+    <dgm:dataModel>
+      <dgm:ptLst>
+        <dgm:pt modelId="0" type="doc"/>
+        <dgm:pt modelId="1">
+          <dgm:prSet phldr="1"/>
+        </dgm:pt>
+        <dgm:pt modelId="2">
+          <dgm:prSet phldr="1"/>
+        </dgm:pt>
+      </dgm:ptLst>
+      <dgm:cxnLst>
+        <dgm:cxn modelId="3" srcId="0" destId="1" srcOrd="0" destOrd="0"/>
+        <dgm:cxn modelId="4" srcId="0" destId="2" srcOrd="1" destOrd="0"/>
+      </dgm:cxnLst>
+      <dgm:bg/>
+      <dgm:whole/>
+    </dgm:dataModel>
+  </dgm:styleData>
+  <dgm:clrData>
+    <dgm:dataModel>
+      <dgm:ptLst>
+        <dgm:pt modelId="0" type="doc"/>
+        <dgm:pt modelId="1">
+          <dgm:prSet phldr="1"/>
+        </dgm:pt>
+        <dgm:pt modelId="2">
+          <dgm:prSet phldr="1"/>
+        </dgm:pt>
+        <dgm:pt modelId="3">
+          <dgm:prSet phldr="1"/>
+        </dgm:pt>
+        <dgm:pt modelId="4">
+          <dgm:prSet phldr="1"/>
+        </dgm:pt>
+      </dgm:ptLst>
+      <dgm:cxnLst>
+        <dgm:cxn modelId="5" srcId="0" destId="1" srcOrd="0" destOrd="0"/>
+        <dgm:cxn modelId="6" srcId="0" destId="2" srcOrd="1" destOrd="0"/>
+        <dgm:cxn modelId="7" srcId="0" destId="3" srcOrd="2" destOrd="0"/>
+        <dgm:cxn modelId="8" srcId="0" destId="4" srcOrd="3" destOrd="0"/>
+      </dgm:cxnLst>
+      <dgm:bg/>
+      <dgm:whole/>
+    </dgm:dataModel>
+  </dgm:clrData>
+  <dgm:layoutNode name="Name0">
+    <dgm:varLst>
+      <dgm:dir/>
+      <dgm:animLvl val="lvl"/>
+      <dgm:resizeHandles val="exact"/>
+    </dgm:varLst>
+    <dgm:choose name="Name1">
+      <dgm:if name="Name2" func="var" arg="dir" op="equ" val="norm">
+        <dgm:alg type="lin"/>
+      </dgm:if>
+      <dgm:else name="Name3">
+        <dgm:alg type="lin">
+          <dgm:param type="linDir" val="fromR"/>
+        </dgm:alg>
+      </dgm:else>
+    </dgm:choose>
+    <dgm:shape xmlns:r="http://schemas.openxmlformats.org/officeDocument/2006/relationships" r:blip="">
+      <dgm:adjLst/>
+    </dgm:shape>
+    <dgm:presOf/>
+    <dgm:constrLst>
+      <dgm:constr type="h" for="ch" forName="composite" refType="h"/>
+      <dgm:constr type="w" for="ch" forName="composite" refType="w"/>
+      <dgm:constr type="w" for="des" forName="parTx"/>
+      <dgm:constr type="h" for="des" forName="parTx" op="equ"/>
+      <dgm:constr type="w" for="des" forName="desTx"/>
+      <dgm:constr type="h" for="des" forName="desTx" op="equ"/>
+      <dgm:constr type="primFontSz" for="des" forName="parTx" val="65"/>
+      <dgm:constr type="secFontSz" for="des" forName="desTx" refType="primFontSz" refFor="des" refForName="parTx" op="equ"/>
+      <dgm:constr type="h" for="des" forName="parTx" refType="primFontSz" refFor="des" refForName="parTx" fact="0.8"/>
+      <dgm:constr type="h" for="des" forName="desTx" refType="primFontSz" refFor="des" refForName="parTx" fact="1.22"/>
+      <dgm:constr type="w" for="ch" forName="space" refType="w" refFor="ch" refForName="composite" op="equ" fact="0.14"/>
+    </dgm:constrLst>
+    <dgm:ruleLst>
+      <dgm:rule type="w" for="ch" forName="composite" val="0" fact="NaN" max="NaN"/>
+      <dgm:rule type="primFontSz" for="des" forName="parTx" val="5" fact="NaN" max="NaN"/>
+    </dgm:ruleLst>
+    <dgm:forEach name="Name4" axis="ch" ptType="node">
+      <dgm:layoutNode name="composite">
+        <dgm:alg type="composite"/>
+        <dgm:shape xmlns:r="http://schemas.openxmlformats.org/officeDocument/2006/relationships" r:blip="">
+          <dgm:adjLst/>
+        </dgm:shape>
+        <dgm:presOf/>
+        <dgm:constrLst>
+          <dgm:constr type="l" for="ch" forName="parTx"/>
+          <dgm:constr type="w" for="ch" forName="parTx" refType="w"/>
+          <dgm:constr type="t" for="ch" forName="parTx"/>
+          <dgm:constr type="l" for="ch" forName="desTx"/>
+          <dgm:constr type="w" for="ch" forName="desTx" refType="w" refFor="ch" refForName="parTx"/>
+          <dgm:constr type="t" for="ch" forName="desTx" refType="h" refFor="ch" refForName="parTx"/>
+        </dgm:constrLst>
+        <dgm:ruleLst>
+          <dgm:rule type="h" val="INF" fact="NaN" max="NaN"/>
+        </dgm:ruleLst>
+        <dgm:layoutNode name="parTx" styleLbl="alignNode1">
+          <dgm:varLst>
+            <dgm:chMax val="0"/>
+            <dgm:chPref val="0"/>
+            <dgm:bulletEnabled val="1"/>
+          </dgm:varLst>
+          <dgm:alg type="tx"/>
+          <dgm:shape xmlns:r="http://schemas.openxmlformats.org/officeDocument/2006/relationships" type="rect" r:blip="">
+            <dgm:adjLst/>
+          </dgm:shape>
+          <dgm:presOf axis="self" ptType="node"/>
+          <dgm:constrLst>
+            <dgm:constr type="h" refType="w" op="lte" fact="0.4"/>
+            <dgm:constr type="h"/>
+            <dgm:constr type="tMarg" refType="primFontSz" fact="0.32"/>
+            <dgm:constr type="bMarg" refType="primFontSz" fact="0.32"/>
+          </dgm:constrLst>
+          <dgm:ruleLst>
+            <dgm:rule type="h" val="INF" fact="NaN" max="NaN"/>
+          </dgm:ruleLst>
+        </dgm:layoutNode>
+        <dgm:layoutNode name="desTx" styleLbl="alignAccFollowNode1">
+          <dgm:varLst>
+            <dgm:bulletEnabled val="1"/>
+          </dgm:varLst>
+          <dgm:alg type="tx">
+            <dgm:param type="stBulletLvl" val="1"/>
+          </dgm:alg>
+          <dgm:shape xmlns:r="http://schemas.openxmlformats.org/officeDocument/2006/relationships" type="rect" r:blip="">
+            <dgm:adjLst/>
+          </dgm:shape>
+          <dgm:presOf axis="des" ptType="node"/>
+          <dgm:constrLst>
+            <dgm:constr type="secFontSz" val="65"/>
+            <dgm:constr type="primFontSz" refType="secFontSz"/>
+            <dgm:constr type="h"/>
+            <dgm:constr type="lMarg" refType="primFontSz" fact="0.42"/>
+            <dgm:constr type="tMarg" refType="primFontSz" fact="0.42"/>
+            <dgm:constr type="bMarg" refType="primFontSz" fact="0.63"/>
+          </dgm:constrLst>
+          <dgm:ruleLst>
+            <dgm:rule type="h" val="INF" fact="NaN" max="NaN"/>
+          </dgm:ruleLst>
+        </dgm:layoutNode>
+      </dgm:layoutNode>
+      <dgm:forEach name="Name5" axis="followSib" ptType="sibTrans" cnt="1">
+        <dgm:layoutNode name="space">
+          <dgm:alg type="sp"/>
+          <dgm:shape xmlns:r="http://schemas.openxmlformats.org/officeDocument/2006/relationships" r:blip="">
+            <dgm:adjLst/>
+          </dgm:shape>
+          <dgm:presOf/>
+          <dgm:constrLst/>
+          <dgm:ruleLst/>
+        </dgm:layoutNode>
+      </dgm:forEach>
+    </dgm:forEach>
+  </dgm:layoutNode>
+</dgm:layoutDef>
+</file>
+
+<file path=ppt/diagrams/quickStyle1.xml><?xml version="1.0" encoding="utf-8"?>
+<dgm:styleDef xmlns:dgm="http://schemas.openxmlformats.org/drawingml/2006/diagram" xmlns:a="http://schemas.openxmlformats.org/drawingml/2006/main" uniqueId="urn:microsoft.com/office/officeart/2005/8/quickstyle/simple1">
+  <dgm:title val=""/>
+  <dgm:desc val=""/>
+  <dgm:catLst>
+    <dgm:cat type="simple" pri="10100"/>
+  </dgm:catLst>
+  <dgm:scene3d>
+    <a:camera prst="orthographicFront"/>
+    <a:lightRig rig="threePt" dir="t"/>
+  </dgm:scene3d>
+  <dgm:styleLbl name="node0">
+    <dgm:scene3d>
+      <a:camera prst="orthographicFront"/>
+      <a:lightRig rig="threePt" dir="t"/>
+    </dgm:scene3d>
+    <dgm:sp3d/>
+    <dgm:txPr/>
+    <dgm:style>
+      <a:lnRef idx="2">
+        <a:scrgbClr r="0" g="0" b="0"/>
+      </a:lnRef>
+      <a:fillRef idx="1">
+        <a:scrgbClr r="0" g="0" b="0"/>
+      </a:fillRef>
+      <a:effectRef idx="0">
+        <a:scrgbClr r="0" g="0" b="0"/>
+      </a:effectRef>
+      <a:fontRef idx="minor">
+        <a:schemeClr val="lt1"/>
+      </a:fontRef>
+    </dgm:style>
+  </dgm:styleLbl>
+  <dgm:styleLbl name="lnNode1">
+    <dgm:scene3d>
+      <a:camera prst="orthographicFront"/>
+      <a:lightRig rig="threePt" dir="t"/>
+    </dgm:scene3d>
+    <dgm:sp3d/>
+    <dgm:txPr/>
+    <dgm:style>
+      <a:lnRef idx="2">
+        <a:scrgbClr r="0" g="0" b="0"/>
+      </a:lnRef>
+      <a:fillRef idx="1">
+        <a:scrgbClr r="0" g="0" b="0"/>
+      </a:fillRef>
+      <a:effectRef idx="0">
+        <a:scrgbClr r="0" g="0" b="0"/>
+      </a:effectRef>
+      <a:fontRef idx="minor">
+        <a:schemeClr val="lt1"/>
+      </a:fontRef>
+    </dgm:style>
+  </dgm:styleLbl>
+  <dgm:styleLbl name="vennNode1">
+    <dgm:scene3d>
+      <a:camera prst="orthographicFront"/>
+      <a:lightRig rig="threePt" dir="t"/>
+    </dgm:scene3d>
+    <dgm:sp3d/>
+    <dgm:txPr/>
+    <dgm:style>
+      <a:lnRef idx="2">
+        <a:scrgbClr r="0" g="0" b="0"/>
+      </a:lnRef>
+      <a:fillRef idx="1">
+        <a:scrgbClr r="0" g="0" b="0"/>
+      </a:fillRef>
+      <a:effectRef idx="0">
+        <a:scrgbClr r="0" g="0" b="0"/>
+      </a:effectRef>
+      <a:fontRef idx="minor">
+        <a:schemeClr val="tx1"/>
+      </a:fontRef>
+    </dgm:style>
+  </dgm:styleLbl>
+  <dgm:styleLbl name="alignNode1">
+    <dgm:scene3d>
+      <a:camera prst="orthographicFront"/>
+      <a:lightRig rig="threePt" dir="t"/>
+    </dgm:scene3d>
+    <dgm:sp3d/>
+    <dgm:txPr/>
+    <dgm:style>
+      <a:lnRef idx="2">
+        <a:scrgbClr r="0" g="0" b="0"/>
+      </a:lnRef>
+      <a:fillRef idx="1">
+        <a:scrgbClr r="0" g="0" b="0"/>
+      </a:fillRef>
+      <a:effectRef idx="0">
+        <a:scrgbClr r="0" g="0" b="0"/>
+      </a:effectRef>
+      <a:fontRef idx="minor">
+        <a:schemeClr val="lt1"/>
+      </a:fontRef>
+    </dgm:style>
+  </dgm:styleLbl>
+  <dgm:styleLbl name="node1">
+    <dgm:scene3d>
+      <a:camera prst="orthographicFront"/>
+      <a:lightRig rig="threePt" dir="t"/>
+    </dgm:scene3d>
+    <dgm:sp3d/>
+    <dgm:txPr/>
+    <dgm:style>
+      <a:lnRef idx="2">
+        <a:scrgbClr r="0" g="0" b="0"/>
+      </a:lnRef>
+      <a:fillRef idx="1">
+        <a:scrgbClr r="0" g="0" b="0"/>
+      </a:fillRef>
+      <a:effectRef idx="0">
+        <a:scrgbClr r="0" g="0" b="0"/>
+      </a:effectRef>
+      <a:fontRef idx="minor">
+        <a:schemeClr val="lt1"/>
+      </a:fontRef>
+    </dgm:style>
+  </dgm:styleLbl>
+  <dgm:styleLbl name="node2">
+    <dgm:scene3d>
+      <a:camera prst="orthographicFront"/>
+      <a:lightRig rig="threePt" dir="t"/>
+    </dgm:scene3d>
+    <dgm:sp3d/>
+    <dgm:txPr/>
+    <dgm:style>
+      <a:lnRef idx="2">
+        <a:scrgbClr r="0" g="0" b="0"/>
+      </a:lnRef>
+      <a:fillRef idx="1">
+        <a:scrgbClr r="0" g="0" b="0"/>
+      </a:fillRef>
+      <a:effectRef idx="0">
+        <a:scrgbClr r="0" g="0" b="0"/>
+      </a:effectRef>
+      <a:fontRef idx="minor">
+        <a:schemeClr val="lt1"/>
+      </a:fontRef>
+    </dgm:style>
+  </dgm:styleLbl>
+  <dgm:styleLbl name="node3">
+    <dgm:scene3d>
+      <a:camera prst="orthographicFront"/>
+      <a:lightRig rig="threePt" dir="t"/>
+    </dgm:scene3d>
+    <dgm:sp3d/>
+    <dgm:txPr/>
+    <dgm:style>
+      <a:lnRef idx="2">
+        <a:scrgbClr r="0" g="0" b="0"/>
+      </a:lnRef>
+      <a:fillRef idx="1">
+        <a:scrgbClr r="0" g="0" b="0"/>
+      </a:fillRef>
+      <a:effectRef idx="0">
+        <a:scrgbClr r="0" g="0" b="0"/>
+      </a:effectRef>
+      <a:fontRef idx="minor">
+        <a:schemeClr val="lt1"/>
+      </a:fontRef>
+    </dgm:style>
+  </dgm:styleLbl>
+  <dgm:styleLbl name="node4">
+    <dgm:scene3d>
+      <a:camera prst="orthographicFront"/>
+      <a:lightRig rig="threePt" dir="t"/>
+    </dgm:scene3d>
+    <dgm:sp3d/>
+    <dgm:txPr/>
+    <dgm:style>
+      <a:lnRef idx="2">
+        <a:scrgbClr r="0" g="0" b="0"/>
+      </a:lnRef>
+      <a:fillRef idx="1">
+        <a:scrgbClr r="0" g="0" b="0"/>
+      </a:fillRef>
+      <a:effectRef idx="0">
+        <a:scrgbClr r="0" g="0" b="0"/>
+      </a:effectRef>
+      <a:fontRef idx="minor">
+        <a:schemeClr val="lt1"/>
+      </a:fontRef>
+    </dgm:style>
+  </dgm:styleLbl>
+  <dgm:styleLbl name="fgImgPlace1">
+    <dgm:scene3d>
+      <a:camera prst="orthographicFront"/>
+      <a:lightRig rig="threePt" dir="t"/>
+    </dgm:scene3d>
+    <dgm:sp3d/>
+    <dgm:txPr/>
+    <dgm:style>
+      <a:lnRef idx="2">
+        <a:scrgbClr r="0" g="0" b="0"/>
+      </a:lnRef>
+      <a:fillRef idx="1">
+        <a:scrgbClr r="0" g="0" b="0"/>
+      </a:fillRef>
+      <a:effectRef idx="0">
+        <a:scrgbClr r="0" g="0" b="0"/>
+      </a:effectRef>
+      <a:fontRef idx="minor"/>
+    </dgm:style>
+  </dgm:styleLbl>
+  <dgm:styleLbl name="alignImgPlace1">
+    <dgm:scene3d>
+      <a:camera prst="orthographicFront"/>
+      <a:lightRig rig="threePt" dir="t"/>
+    </dgm:scene3d>
+    <dgm:sp3d/>
+    <dgm:txPr/>
+    <dgm:style>
+      <a:lnRef idx="2">
+        <a:scrgbClr r="0" g="0" b="0"/>
+      </a:lnRef>
+      <a:fillRef idx="1">
+        <a:scrgbClr r="0" g="0" b="0"/>
+      </a:fillRef>
+      <a:effectRef idx="0">
+        <a:scrgbClr r="0" g="0" b="0"/>
+      </a:effectRef>
+      <a:fontRef idx="minor"/>
+    </dgm:style>
+  </dgm:styleLbl>
+  <dgm:styleLbl name="bgImgPlace1">
+    <dgm:scene3d>
+      <a:camera prst="orthographicFront"/>
+      <a:lightRig rig="threePt" dir="t"/>
+    </dgm:scene3d>
+    <dgm:sp3d/>
+    <dgm:txPr/>
+    <dgm:style>
+      <a:lnRef idx="2">
+        <a:scrgbClr r="0" g="0" b="0"/>
+      </a:lnRef>
+      <a:fillRef idx="1">
+        <a:scrgbClr r="0" g="0" b="0"/>
+      </a:fillRef>
+      <a:effectRef idx="0">
+        <a:scrgbClr r="0" g="0" b="0"/>
+      </a:effectRef>
+      <a:fontRef idx="minor"/>
+    </dgm:style>
+  </dgm:styleLbl>
+  <dgm:styleLbl name="sibTrans2D1">
+    <dgm:scene3d>
+      <a:camera prst="orthographicFront"/>
+      <a:lightRig rig="threePt" dir="t"/>
+    </dgm:scene3d>
+    <dgm:sp3d/>
+    <dgm:txPr/>
+    <dgm:style>
+      <a:lnRef idx="0">
+        <a:scrgbClr r="0" g="0" b="0"/>
+      </a:lnRef>
+      <a:fillRef idx="1">
+        <a:scrgbClr r="0" g="0" b="0"/>
+      </a:fillRef>
+      <a:effectRef idx="0">
+        <a:scrgbClr r="0" g="0" b="0"/>
+      </a:effectRef>
+      <a:fontRef idx="minor">
+        <a:schemeClr val="lt1"/>
+      </a:fontRef>
+    </dgm:style>
+  </dgm:styleLbl>
+  <dgm:styleLbl name="fgSibTrans2D1">
+    <dgm:scene3d>
+      <a:camera prst="orthographicFront"/>
+      <a:lightRig rig="threePt" dir="t"/>
+    </dgm:scene3d>
+    <dgm:sp3d/>
+    <dgm:txPr/>
+    <dgm:style>
+      <a:lnRef idx="0">
+        <a:scrgbClr r="0" g="0" b="0"/>
+      </a:lnRef>
+      <a:fillRef idx="1">
+        <a:scrgbClr r="0" g="0" b="0"/>
+      </a:fillRef>
+      <a:effectRef idx="0">
+        <a:scrgbClr r="0" g="0" b="0"/>
+      </a:effectRef>
+      <a:fontRef idx="minor">
+        <a:schemeClr val="lt1"/>
+      </a:fontRef>
+    </dgm:style>
+  </dgm:styleLbl>
+  <dgm:styleLbl name="bgSibTrans2D1">
+    <dgm:scene3d>
+      <a:camera prst="orthographicFront"/>
+      <a:lightRig rig="threePt" dir="t"/>
+    </dgm:scene3d>
+    <dgm:sp3d/>
+    <dgm:txPr/>
+    <dgm:style>
+      <a:lnRef idx="0">
+        <a:scrgbClr r="0" g="0" b="0"/>
+      </a:lnRef>
+      <a:fillRef idx="1">
+        <a:scrgbClr r="0" g="0" b="0"/>
+      </a:fillRef>
+      <a:effectRef idx="0">
+        <a:scrgbClr r="0" g="0" b="0"/>
+      </a:effectRef>
+      <a:fontRef idx="minor">
+        <a:schemeClr val="lt1"/>
+      </a:fontRef>
+    </dgm:style>
+  </dgm:styleLbl>
+  <dgm:styleLbl name="sibTrans1D1">
+    <dgm:scene3d>
+      <a:camera prst="orthographicFront"/>
+      <a:lightRig rig="threePt" dir="t"/>
+    </dgm:scene3d>
+    <dgm:sp3d/>
+    <dgm:txPr/>
+    <dgm:style>
+      <a:lnRef idx="1">
+        <a:scrgbClr r="0" g="0" b="0"/>
+      </a:lnRef>
+      <a:fillRef idx="0">
+        <a:scrgbClr r="0" g="0" b="0"/>
+      </a:fillRef>
+      <a:effectRef idx="0">
+        <a:scrgbClr r="0" g="0" b="0"/>
+      </a:effectRef>
+      <a:fontRef idx="minor"/>
+    </dgm:style>
+  </dgm:styleLbl>
+  <dgm:styleLbl name="callout">
+    <dgm:scene3d>
+      <a:camera prst="orthographicFront"/>
+      <a:lightRig rig="threePt" dir="t"/>
+    </dgm:scene3d>
+    <dgm:sp3d/>
+    <dgm:txPr/>
+    <dgm:style>
+      <a:lnRef idx="2">
+        <a:scrgbClr r="0" g="0" b="0"/>
+      </a:lnRef>
+      <a:fillRef idx="1">
+        <a:scrgbClr r="0" g="0" b="0"/>
+      </a:fillRef>
+      <a:effectRef idx="0">
+        <a:scrgbClr r="0" g="0" b="0"/>
+      </a:effectRef>
+      <a:fontRef idx="minor"/>
+    </dgm:style>
+  </dgm:styleLbl>
+  <dgm:styleLbl name="asst0">
+    <dgm:scene3d>
+      <a:camera prst="orthographicFront"/>
+      <a:lightRig rig="threePt" dir="t"/>
+    </dgm:scene3d>
+    <dgm:sp3d/>
+    <dgm:txPr/>
+    <dgm:style>
+      <a:lnRef idx="2">
+        <a:scrgbClr r="0" g="0" b="0"/>
+      </a:lnRef>
+      <a:fillRef idx="1">
+        <a:scrgbClr r="0" g="0" b="0"/>
+      </a:fillRef>
+      <a:effectRef idx="0">
+        <a:scrgbClr r="0" g="0" b="0"/>
+      </a:effectRef>
+      <a:fontRef idx="minor">
+        <a:schemeClr val="lt1"/>
+      </a:fontRef>
+    </dgm:style>
+  </dgm:styleLbl>
+  <dgm:styleLbl name="asst1">
+    <dgm:scene3d>
+      <a:camera prst="orthographicFront"/>
+      <a:lightRig rig="threePt" dir="t"/>
+    </dgm:scene3d>
+    <dgm:sp3d/>
+    <dgm:txPr/>
+    <dgm:style>
+      <a:lnRef idx="2">
+        <a:scrgbClr r="0" g="0" b="0"/>
+      </a:lnRef>
+      <a:fillRef idx="1">
+        <a:scrgbClr r="0" g="0" b="0"/>
+      </a:fillRef>
+      <a:effectRef idx="0">
+        <a:scrgbClr r="0" g="0" b="0"/>
+      </a:effectRef>
+      <a:fontRef idx="minor">
+        <a:schemeClr val="lt1"/>
+      </a:fontRef>
+    </dgm:style>
+  </dgm:styleLbl>
+  <dgm:styleLbl name="asst2">
+    <dgm:scene3d>
+      <a:camera prst="orthographicFront"/>
+      <a:lightRig rig="threePt" dir="t"/>
+    </dgm:scene3d>
+    <dgm:sp3d/>
+    <dgm:txPr/>
+    <dgm:style>
+      <a:lnRef idx="2">
+        <a:scrgbClr r="0" g="0" b="0"/>
+      </a:lnRef>
+      <a:fillRef idx="1">
+        <a:scrgbClr r="0" g="0" b="0"/>
+      </a:fillRef>
+      <a:effectRef idx="0">
+        <a:scrgbClr r="0" g="0" b="0"/>
+      </a:effectRef>
+      <a:fontRef idx="minor">
+        <a:schemeClr val="lt1"/>
+      </a:fontRef>
+    </dgm:style>
+  </dgm:styleLbl>
+  <dgm:styleLbl name="asst3">
+    <dgm:scene3d>
+      <a:camera prst="orthographicFront"/>
+      <a:lightRig rig="threePt" dir="t"/>
+    </dgm:scene3d>
+    <dgm:sp3d/>
+    <dgm:txPr/>
+    <dgm:style>
+      <a:lnRef idx="2">
+        <a:scrgbClr r="0" g="0" b="0"/>
+      </a:lnRef>
+      <a:fillRef idx="1">
+        <a:scrgbClr r="0" g="0" b="0"/>
+      </a:fillRef>
+      <a:effectRef idx="0">
+        <a:scrgbClr r="0" g="0" b="0"/>
+      </a:effectRef>
+      <a:fontRef idx="minor">
+        <a:schemeClr val="lt1"/>
+      </a:fontRef>
+    </dgm:style>
+  </dgm:styleLbl>
+  <dgm:styleLbl name="asst4">
+    <dgm:scene3d>
+      <a:camera prst="orthographicFront"/>
+      <a:lightRig rig="threePt" dir="t"/>
+    </dgm:scene3d>
+    <dgm:sp3d/>
+    <dgm:txPr/>
+    <dgm:style>
+      <a:lnRef idx="2">
+        <a:scrgbClr r="0" g="0" b="0"/>
+      </a:lnRef>
+      <a:fillRef idx="1">
+        <a:scrgbClr r="0" g="0" b="0"/>
+      </a:fillRef>
+      <a:effectRef idx="0">
+        <a:scrgbClr r="0" g="0" b="0"/>
+      </a:effectRef>
+      <a:fontRef idx="minor">
+        <a:schemeClr val="lt1"/>
+      </a:fontRef>
+    </dgm:style>
+  </dgm:styleLbl>
+  <dgm:styleLbl name="parChTrans2D1">
+    <dgm:scene3d>
+      <a:camera prst="orthographicFront"/>
+      <a:lightRig rig="threePt" dir="t"/>
+    </dgm:scene3d>
+    <dgm:sp3d/>
+    <dgm:txPr/>
+    <dgm:style>
+      <a:lnRef idx="2">
+        <a:scrgbClr r="0" g="0" b="0"/>
+      </a:lnRef>
+      <a:fillRef idx="1">
+        <a:scrgbClr r="0" g="0" b="0"/>
+      </a:fillRef>
+      <a:effectRef idx="0">
+        <a:scrgbClr r="0" g="0" b="0"/>
+      </a:effectRef>
+      <a:fontRef idx="minor">
+        <a:schemeClr val="lt1"/>
+      </a:fontRef>
+    </dgm:style>
+  </dgm:styleLbl>
+  <dgm:styleLbl name="parChTrans2D2">
+    <dgm:scene3d>
+      <a:camera prst="orthographicFront"/>
+      <a:lightRig rig="threePt" dir="t"/>
+    </dgm:scene3d>
+    <dgm:sp3d/>
+    <dgm:txPr/>
+    <dgm:style>
+      <a:lnRef idx="2">
+        <a:scrgbClr r="0" g="0" b="0"/>
+      </a:lnRef>
+      <a:fillRef idx="1">
+        <a:scrgbClr r="0" g="0" b="0"/>
+      </a:fillRef>
+      <a:effectRef idx="0">
+        <a:scrgbClr r="0" g="0" b="0"/>
+      </a:effectRef>
+      <a:fontRef idx="minor">
+        <a:schemeClr val="lt1"/>
+      </a:fontRef>
+    </dgm:style>
+  </dgm:styleLbl>
+  <dgm:styleLbl name="parChTrans2D3">
+    <dgm:scene3d>
+      <a:camera prst="orthographicFront"/>
+      <a:lightRig rig="threePt" dir="t"/>
+    </dgm:scene3d>
+    <dgm:sp3d/>
+    <dgm:txPr/>
+    <dgm:style>
+      <a:lnRef idx="2">
+        <a:scrgbClr r="0" g="0" b="0"/>
+      </a:lnRef>
+      <a:fillRef idx="1">
+        <a:scrgbClr r="0" g="0" b="0"/>
+      </a:fillRef>
+      <a:effectRef idx="0">
+        <a:scrgbClr r="0" g="0" b="0"/>
+      </a:effectRef>
+      <a:fontRef idx="minor">
+        <a:schemeClr val="lt1"/>
+      </a:fontRef>
+    </dgm:style>
+  </dgm:styleLbl>
+  <dgm:styleLbl name="parChTrans2D4">
+    <dgm:scene3d>
+      <a:camera prst="orthographicFront"/>
+      <a:lightRig rig="threePt" dir="t"/>
+    </dgm:scene3d>
+    <dgm:sp3d/>
+    <dgm:txPr/>
+    <dgm:style>
+      <a:lnRef idx="2">
+        <a:scrgbClr r="0" g="0" b="0"/>
+      </a:lnRef>
+      <a:fillRef idx="1">
+        <a:scrgbClr r="0" g="0" b="0"/>
+      </a:fillRef>
+      <a:effectRef idx="0">
+        <a:scrgbClr r="0" g="0" b="0"/>
+      </a:effectRef>
+      <a:fontRef idx="minor">
+        <a:schemeClr val="lt1"/>
+      </a:fontRef>
+    </dgm:style>
+  </dgm:styleLbl>
+  <dgm:styleLbl name="parChTrans1D1">
+    <dgm:scene3d>
+      <a:camera prst="orthographicFront"/>
+      <a:lightRig rig="threePt" dir="t"/>
+    </dgm:scene3d>
+    <dgm:sp3d/>
+    <dgm:txPr/>
+    <dgm:style>
+      <a:lnRef idx="2">
+        <a:scrgbClr r="0" g="0" b="0"/>
+      </a:lnRef>
+      <a:fillRef idx="0">
+        <a:scrgbClr r="0" g="0" b="0"/>
+      </a:fillRef>
+      <a:effectRef idx="0">
+        <a:scrgbClr r="0" g="0" b="0"/>
+      </a:effectRef>
+      <a:fontRef idx="minor"/>
+    </dgm:style>
+  </dgm:styleLbl>
+  <dgm:styleLbl name="parChTrans1D2">
+    <dgm:scene3d>
+      <a:camera prst="orthographicFront"/>
+      <a:lightRig rig="threePt" dir="t"/>
+    </dgm:scene3d>
+    <dgm:sp3d/>
+    <dgm:txPr/>
+    <dgm:style>
+      <a:lnRef idx="2">
+        <a:scrgbClr r="0" g="0" b="0"/>
+      </a:lnRef>
+      <a:fillRef idx="0">
+        <a:scrgbClr r="0" g="0" b="0"/>
+      </a:fillRef>
+      <a:effectRef idx="0">
+        <a:scrgbClr r="0" g="0" b="0"/>
+      </a:effectRef>
+      <a:fontRef idx="minor"/>
+    </dgm:style>
+  </dgm:styleLbl>
+  <dgm:styleLbl name="parChTrans1D3">
+    <dgm:scene3d>
+      <a:camera prst="orthographicFront"/>
+      <a:lightRig rig="threePt" dir="t"/>
+    </dgm:scene3d>
+    <dgm:sp3d/>
+    <dgm:txPr/>
+    <dgm:style>
+      <a:lnRef idx="2">
+        <a:scrgbClr r="0" g="0" b="0"/>
+      </a:lnRef>
+      <a:fillRef idx="0">
+        <a:scrgbClr r="0" g="0" b="0"/>
+      </a:fillRef>
+      <a:effectRef idx="0">
+        <a:scrgbClr r="0" g="0" b="0"/>
+      </a:effectRef>
+      <a:fontRef idx="minor"/>
+    </dgm:style>
+  </dgm:styleLbl>
+  <dgm:styleLbl name="parChTrans1D4">
+    <dgm:scene3d>
+      <a:camera prst="orthographicFront"/>
+      <a:lightRig rig="threePt" dir="t"/>
+    </dgm:scene3d>
+    <dgm:sp3d/>
+    <dgm:txPr/>
+    <dgm:style>
+      <a:lnRef idx="2">
+        <a:scrgbClr r="0" g="0" b="0"/>
+      </a:lnRef>
+      <a:fillRef idx="0">
+        <a:scrgbClr r="0" g="0" b="0"/>
+      </a:fillRef>
+      <a:effectRef idx="0">
+        <a:scrgbClr r="0" g="0" b="0"/>
+      </a:effectRef>
+      <a:fontRef idx="minor"/>
+    </dgm:style>
+  </dgm:styleLbl>
+  <dgm:styleLbl name="fgAcc1">
+    <dgm:scene3d>
+      <a:camera prst="orthographicFront"/>
+      <a:lightRig rig="threePt" dir="t"/>
+    </dgm:scene3d>
+    <dgm:sp3d/>
+    <dgm:txPr/>
+    <dgm:style>
+      <a:lnRef idx="2">
+        <a:scrgbClr r="0" g="0" b="0"/>
+      </a:lnRef>
+      <a:fillRef idx="1">
+        <a:scrgbClr r="0" g="0" b="0"/>
+      </a:fillRef>
+      <a:effectRef idx="0">
+        <a:scrgbClr r="0" g="0" b="0"/>
+      </a:effectRef>
+      <a:fontRef idx="minor"/>
+    </dgm:style>
+  </dgm:styleLbl>
+  <dgm:styleLbl name="conFgAcc1">
+    <dgm:scene3d>
+      <a:camera prst="orthographicFront"/>
+      <a:lightRig rig="threePt" dir="t"/>
+    </dgm:scene3d>
+    <dgm:sp3d/>
+    <dgm:txPr/>
+    <dgm:style>
+      <a:lnRef idx="2">
+        <a:scrgbClr r="0" g="0" b="0"/>
+      </a:lnRef>
+      <a:fillRef idx="1">
+        <a:scrgbClr r="0" g="0" b="0"/>
+      </a:fillRef>
+      <a:effectRef idx="0">
+        <a:scrgbClr r="0" g="0" b="0"/>
+      </a:effectRef>
+      <a:fontRef idx="minor"/>
+    </dgm:style>
+  </dgm:styleLbl>
+  <dgm:styleLbl name="alignAcc1">
+    <dgm:scene3d>
+      <a:camera prst="orthographicFront"/>
+      <a:lightRig rig="threePt" dir="t"/>
+    </dgm:scene3d>
+    <dgm:sp3d/>
+    <dgm:txPr/>
+    <dgm:style>
+      <a:lnRef idx="2">
+        <a:scrgbClr r="0" g="0" b="0"/>
+      </a:lnRef>
+      <a:fillRef idx="1">
+        <a:scrgbClr r="0" g="0" b="0"/>
+      </a:fillRef>
+      <a:effectRef idx="0">
+        <a:scrgbClr r="0" g="0" b="0"/>
+      </a:effectRef>
+      <a:fontRef idx="minor"/>
+    </dgm:style>
+  </dgm:styleLbl>
+  <dgm:styleLbl name="trAlignAcc1">
+    <dgm:scene3d>
+      <a:camera prst="orthographicFront"/>
+      <a:lightRig rig="threePt" dir="t"/>
+    </dgm:scene3d>
+    <dgm:sp3d/>
+    <dgm:txPr/>
+    <dgm:style>
+      <a:lnRef idx="1">
+        <a:scrgbClr r="0" g="0" b="0"/>
+      </a:lnRef>
+      <a:fillRef idx="1">
+        <a:scrgbClr r="0" g="0" b="0"/>
+      </a:fillRef>
+      <a:effectRef idx="0">
+        <a:scrgbClr r="0" g="0" b="0"/>
+      </a:effectRef>
+      <a:fontRef idx="minor"/>
+    </dgm:style>
+  </dgm:styleLbl>
+  <dgm:styleLbl name="bgAcc1">
+    <dgm:scene3d>
+      <a:camera prst="orthographicFront"/>
+      <a:lightRig rig="threePt" dir="t"/>
+    </dgm:scene3d>
+    <dgm:sp3d/>
+    <dgm:txPr/>
+    <dgm:style>
+      <a:lnRef idx="2">
+        <a:scrgbClr r="0" g="0" b="0"/>
+      </a:lnRef>
+      <a:fillRef idx="1">
+        <a:scrgbClr r="0" g="0" b="0"/>
+      </a:fillRef>
+      <a:effectRef idx="0">
+        <a:scrgbClr r="0" g="0" b="0"/>
+      </a:effectRef>
+      <a:fontRef idx="minor"/>
+    </dgm:style>
+  </dgm:styleLbl>
+  <dgm:styleLbl name="solidFgAcc1">
+    <dgm:scene3d>
+      <a:camera prst="orthographicFront"/>
+      <a:lightRig rig="threePt" dir="t"/>
+    </dgm:scene3d>
+    <dgm:sp3d/>
+    <dgm:txPr/>
+    <dgm:style>
+      <a:lnRef idx="2">
+        <a:scrgbClr r="0" g="0" b="0"/>
+      </a:lnRef>
+      <a:fillRef idx="1">
+        <a:scrgbClr r="0" g="0" b="0"/>
+      </a:fillRef>
+      <a:effectRef idx="0">
+        <a:scrgbClr r="0" g="0" b="0"/>
+      </a:effectRef>
+      <a:fontRef idx="minor"/>
+    </dgm:style>
+  </dgm:styleLbl>
+  <dgm:styleLbl name="solidAlignAcc1">
+    <dgm:scene3d>
+      <a:camera prst="orthographicFront"/>
+      <a:lightRig rig="threePt" dir="t"/>
+    </dgm:scene3d>
+    <dgm:sp3d/>
+    <dgm:txPr/>
+    <dgm:style>
+      <a:lnRef idx="2">
+        <a:scrgbClr r="0" g="0" b="0"/>
+      </a:lnRef>
+      <a:fillRef idx="1">
+        <a:scrgbClr r="0" g="0" b="0"/>
+      </a:fillRef>
+      <a:effectRef idx="0">
+        <a:scrgbClr r="0" g="0" b="0"/>
+      </a:effectRef>
+      <a:fontRef idx="minor"/>
+    </dgm:style>
+  </dgm:styleLbl>
+  <dgm:styleLbl name="solidBgAcc1">
+    <dgm:scene3d>
+      <a:camera prst="orthographicFront"/>
+      <a:lightRig rig="threePt" dir="t"/>
+    </dgm:scene3d>
+    <dgm:sp3d/>
+    <dgm:txPr/>
+    <dgm:style>
+      <a:lnRef idx="2">
+        <a:scrgbClr r="0" g="0" b="0"/>
+      </a:lnRef>
+      <a:fillRef idx="1">
+        <a:scrgbClr r="0" g="0" b="0"/>
+      </a:fillRef>
+      <a:effectRef idx="0">
+        <a:scrgbClr r="0" g="0" b="0"/>
+      </a:effectRef>
+      <a:fontRef idx="minor"/>
+    </dgm:style>
+  </dgm:styleLbl>
+  <dgm:styleLbl name="fgAccFollowNode1">
+    <dgm:scene3d>
+      <a:camera prst="orthographicFront"/>
+      <a:lightRig rig="threePt" dir="t"/>
+    </dgm:scene3d>
+    <dgm:sp3d/>
+    <dgm:txPr/>
+    <dgm:style>
+      <a:lnRef idx="2">
+        <a:scrgbClr r="0" g="0" b="0"/>
+      </a:lnRef>
+      <a:fillRef idx="1">
+        <a:scrgbClr r="0" g="0" b="0"/>
+      </a:fillRef>
+      <a:effectRef idx="0">
+        <a:scrgbClr r="0" g="0" b="0"/>
+      </a:effectRef>
+      <a:fontRef idx="minor"/>
+    </dgm:style>
+  </dgm:styleLbl>
+  <dgm:styleLbl name="alignAccFollowNode1">
+    <dgm:scene3d>
+      <a:camera prst="orthographicFront"/>
+      <a:lightRig rig="threePt" dir="t"/>
+    </dgm:scene3d>
+    <dgm:sp3d/>
+    <dgm:txPr/>
+    <dgm:style>
+      <a:lnRef idx="2">
+        <a:scrgbClr r="0" g="0" b="0"/>
+      </a:lnRef>
+      <a:fillRef idx="1">
+        <a:scrgbClr r="0" g="0" b="0"/>
+      </a:fillRef>
+      <a:effectRef idx="0">
+        <a:scrgbClr r="0" g="0" b="0"/>
+      </a:effectRef>
+      <a:fontRef idx="minor"/>
+    </dgm:style>
+  </dgm:styleLbl>
+  <dgm:styleLbl name="bgAccFollowNode1">
+    <dgm:scene3d>
+      <a:camera prst="orthographicFront"/>
+      <a:lightRig rig="threePt" dir="t"/>
+    </dgm:scene3d>
+    <dgm:sp3d/>
+    <dgm:txPr/>
+    <dgm:style>
+      <a:lnRef idx="2">
+        <a:scrgbClr r="0" g="0" b="0"/>
+      </a:lnRef>
+      <a:fillRef idx="1">
+        <a:scrgbClr r="0" g="0" b="0"/>
+      </a:fillRef>
+      <a:effectRef idx="0">
+        <a:scrgbClr r="0" g="0" b="0"/>
+      </a:effectRef>
+      <a:fontRef idx="minor"/>
+    </dgm:style>
+  </dgm:styleLbl>
+  <dgm:styleLbl name="fgAcc0">
+    <dgm:scene3d>
+      <a:camera prst="orthographicFront"/>
+      <a:lightRig rig="threePt" dir="t"/>
+    </dgm:scene3d>
+    <dgm:sp3d/>
+    <dgm:txPr/>
+    <dgm:style>
+      <a:lnRef idx="2">
+        <a:scrgbClr r="0" g="0" b="0"/>
+      </a:lnRef>
+      <a:fillRef idx="1">
+        <a:scrgbClr r="0" g="0" b="0"/>
+      </a:fillRef>
+      <a:effectRef idx="0">
+        <a:scrgbClr r="0" g="0" b="0"/>
+      </a:effectRef>
+      <a:fontRef idx="minor"/>
+    </dgm:style>
+  </dgm:styleLbl>
+  <dgm:styleLbl name="fgAcc2">
+    <dgm:scene3d>
+      <a:camera prst="orthographicFront"/>
+      <a:lightRig rig="threePt" dir="t"/>
+    </dgm:scene3d>
+    <dgm:sp3d/>
+    <dgm:txPr/>
+    <dgm:style>
+      <a:lnRef idx="2">
+        <a:scrgbClr r="0" g="0" b="0"/>
+      </a:lnRef>
+      <a:fillRef idx="1">
+        <a:scrgbClr r="0" g="0" b="0"/>
+      </a:fillRef>
+      <a:effectRef idx="0">
+        <a:scrgbClr r="0" g="0" b="0"/>
+      </a:effectRef>
+      <a:fontRef idx="minor"/>
+    </dgm:style>
+  </dgm:styleLbl>
+  <dgm:styleLbl name="fgAcc3">
+    <dgm:scene3d>
+      <a:camera prst="orthographicFront"/>
+      <a:lightRig rig="threePt" dir="t"/>
+    </dgm:scene3d>
+    <dgm:sp3d/>
+    <dgm:txPr/>
+    <dgm:style>
+      <a:lnRef idx="2">
+        <a:scrgbClr r="0" g="0" b="0"/>
+      </a:lnRef>
+      <a:fillRef idx="1">
+        <a:scrgbClr r="0" g="0" b="0"/>
+      </a:fillRef>
+      <a:effectRef idx="0">
+        <a:scrgbClr r="0" g="0" b="0"/>
+      </a:effectRef>
+      <a:fontRef idx="minor"/>
+    </dgm:style>
+  </dgm:styleLbl>
+  <dgm:styleLbl name="fgAcc4">
+    <dgm:scene3d>
+      <a:camera prst="orthographicFront"/>
+      <a:lightRig rig="threePt" dir="t"/>
+    </dgm:scene3d>
+    <dgm:sp3d/>
+    <dgm:txPr/>
+    <dgm:style>
+      <a:lnRef idx="2">
+        <a:scrgbClr r="0" g="0" b="0"/>
+      </a:lnRef>
+      <a:fillRef idx="1">
+        <a:scrgbClr r="0" g="0" b="0"/>
+      </a:fillRef>
+      <a:effectRef idx="0">
+        <a:scrgbClr r="0" g="0" b="0"/>
+      </a:effectRef>
+      <a:fontRef idx="minor"/>
+    </dgm:style>
+  </dgm:styleLbl>
+  <dgm:styleLbl name="bgShp">
+    <dgm:scene3d>
+      <a:camera prst="orthographicFront"/>
+      <a:lightRig rig="threePt" dir="t"/>
+    </dgm:scene3d>
+    <dgm:sp3d/>
+    <dgm:txPr/>
+    <dgm:style>
+      <a:lnRef idx="0">
+        <a:scrgbClr r="0" g="0" b="0"/>
+      </a:lnRef>
+      <a:fillRef idx="1">
+        <a:scrgbClr r="0" g="0" b="0"/>
+      </a:fillRef>
+      <a:effectRef idx="0">
+        <a:scrgbClr r="0" g="0" b="0"/>
+      </a:effectRef>
+      <a:fontRef idx="minor"/>
+    </dgm:style>
+  </dgm:styleLbl>
+  <dgm:styleLbl name="dkBgShp">
+    <dgm:scene3d>
+      <a:camera prst="orthographicFront"/>
+      <a:lightRig rig="threePt" dir="t"/>
+    </dgm:scene3d>
+    <dgm:sp3d/>
+    <dgm:txPr/>
+    <dgm:style>
+      <a:lnRef idx="0">
+        <a:scrgbClr r="0" g="0" b="0"/>
+      </a:lnRef>
+      <a:fillRef idx="1">
+        <a:scrgbClr r="0" g="0" b="0"/>
+      </a:fillRef>
+      <a:effectRef idx="0">
+        <a:scrgbClr r="0" g="0" b="0"/>
+      </a:effectRef>
+      <a:fontRef idx="minor"/>
+    </dgm:style>
+  </dgm:styleLbl>
+  <dgm:styleLbl name="trBgShp">
+    <dgm:scene3d>
+      <a:camera prst="orthographicFront"/>
+      <a:lightRig rig="threePt" dir="t"/>
+    </dgm:scene3d>
+    <dgm:sp3d/>
+    <dgm:txPr/>
+    <dgm:style>
+      <a:lnRef idx="0">
+        <a:scrgbClr r="0" g="0" b="0"/>
+      </a:lnRef>
+      <a:fillRef idx="1">
+        <a:scrgbClr r="0" g="0" b="0"/>
+      </a:fillRef>
+      <a:effectRef idx="0">
+        <a:scrgbClr r="0" g="0" b="0"/>
+      </a:effectRef>
+      <a:fontRef idx="minor"/>
+    </dgm:style>
+  </dgm:styleLbl>
+  <dgm:styleLbl name="fgShp">
+    <dgm:scene3d>
+      <a:camera prst="orthographicFront"/>
+      <a:lightRig rig="threePt" dir="t"/>
+    </dgm:scene3d>
+    <dgm:sp3d/>
+    <dgm:txPr/>
+    <dgm:style>
+      <a:lnRef idx="2">
+        <a:scrgbClr r="0" g="0" b="0"/>
+      </a:lnRef>
+      <a:fillRef idx="1">
+        <a:scrgbClr r="0" g="0" b="0"/>
+      </a:fillRef>
+      <a:effectRef idx="0">
+        <a:scrgbClr r="0" g="0" b="0"/>
+      </a:effectRef>
+      <a:fontRef idx="minor"/>
+    </dgm:style>
+  </dgm:styleLbl>
+  <dgm:styleLbl name="revTx">
+    <dgm:scene3d>
+      <a:camera prst="orthographicFront"/>
+      <a:lightRig rig="threePt" dir="t"/>
+    </dgm:scene3d>
+    <dgm:sp3d/>
+    <dgm:txPr/>
+    <dgm:style>
+      <a:lnRef idx="0">
+        <a:scrgbClr r="0" g="0" b="0"/>
+      </a:lnRef>
+      <a:fillRef idx="0">
+        <a:scrgbClr r="0" g="0" b="0"/>
+      </a:fillRef>
+      <a:effectRef idx="0">
+        <a:scrgbClr r="0" g="0" b="0"/>
+      </a:effectRef>
+      <a:fontRef idx="minor"/>
+    </dgm:style>
+  </dgm:styleLbl>
+</dgm:styleDef>
 </file>
 
 <file path=ppt/slideLayouts/slideLayout1.xml><?xml version="1.0" encoding="utf-8"?>
@@ -3603,6 +6601,14 @@
 <file path=ppt/slides/slide10.xml><?xml version="1.0" encoding="utf-8"?>
 <p:sld xmlns:a="http://schemas.openxmlformats.org/drawingml/2006/main" xmlns:r="http://schemas.openxmlformats.org/officeDocument/2006/relationships" xmlns:p="http://schemas.openxmlformats.org/presentationml/2006/main">
   <p:cSld>
+    <p:bg>
+      <p:bgPr>
+        <a:solidFill>
+          <a:schemeClr val="bg1"/>
+        </a:solidFill>
+        <a:effectLst/>
+      </p:bgPr>
+    </p:bg>
     <p:spTree>
       <p:nvGrpSpPr>
         <p:cNvPr id="1" name=""/>
@@ -3617,6 +6623,528 @@
           <a:chExt cx="0" cy="0"/>
         </a:xfrm>
       </p:grpSpPr>
+      <p:sp useBgFill="1">
+        <p:nvSpPr>
+          <p:cNvPr id="8" name="Rectangle 7">
+            <a:extLst>
+              <a:ext uri="{FF2B5EF4-FFF2-40B4-BE49-F238E27FC236}">
+                <a16:creationId xmlns:a16="http://schemas.microsoft.com/office/drawing/2014/main" id="{827B839B-9ADE-406B-8590-F1CAEDED45A1}"/>
+              </a:ext>
+              <a:ext uri="{C183D7F6-B498-43B3-948B-1728B52AA6E4}">
+                <adec:decorative xmlns:adec="http://schemas.microsoft.com/office/drawing/2017/decorative" val="1"/>
+              </a:ext>
+            </a:extLst>
+          </p:cNvPr>
+          <p:cNvSpPr>
+            <a:spLocks noGrp="1" noRot="1" noChangeAspect="1" noMove="1" noResize="1" noEditPoints="1" noAdjustHandles="1" noChangeArrowheads="1" noChangeShapeType="1" noTextEdit="1"/>
+          </p:cNvSpPr>
+          <p:nvPr>
+            <p:extLst>
+              <p:ext uri="{386F3935-93C4-4BCD-93E2-E3B085C9AB24}">
+                <p16:designElem xmlns:p16="http://schemas.microsoft.com/office/powerpoint/2015/main" val="1"/>
+              </p:ext>
+            </p:extLst>
+          </p:nvPr>
+        </p:nvSpPr>
+        <p:spPr>
+          <a:xfrm>
+            <a:off x="0" y="0"/>
+            <a:ext cx="12188952" cy="6858000"/>
+          </a:xfrm>
+          <a:prstGeom prst="rect">
+            <a:avLst/>
+          </a:prstGeom>
+          <a:ln>
+            <a:noFill/>
+          </a:ln>
+        </p:spPr>
+        <p:style>
+          <a:lnRef idx="2">
+            <a:schemeClr val="accent1">
+              <a:shade val="50000"/>
+            </a:schemeClr>
+          </a:lnRef>
+          <a:fillRef idx="1">
+            <a:schemeClr val="accent1"/>
+          </a:fillRef>
+          <a:effectRef idx="0">
+            <a:schemeClr val="accent1"/>
+          </a:effectRef>
+          <a:fontRef idx="minor">
+            <a:schemeClr val="lt1"/>
+          </a:fontRef>
+        </p:style>
+        <p:txBody>
+          <a:bodyPr rtlCol="0" anchor="ctr"/>
+          <a:lstStyle/>
+          <a:p>
+            <a:pPr algn="ctr"/>
+            <a:endParaRPr lang="en-US"/>
+          </a:p>
+        </p:txBody>
+      </p:sp>
+      <p:sp>
+        <p:nvSpPr>
+          <p:cNvPr id="23" name="Freeform 45">
+            <a:extLst>
+              <a:ext uri="{FF2B5EF4-FFF2-40B4-BE49-F238E27FC236}">
+                <a16:creationId xmlns:a16="http://schemas.microsoft.com/office/drawing/2014/main" id="{CFE45BF0-46DB-408C-B5F7-7B11716805D4}"/>
+              </a:ext>
+              <a:ext uri="{C183D7F6-B498-43B3-948B-1728B52AA6E4}">
+                <adec:decorative xmlns:adec="http://schemas.microsoft.com/office/drawing/2017/decorative" val="1"/>
+              </a:ext>
+            </a:extLst>
+          </p:cNvPr>
+          <p:cNvSpPr>
+            <a:spLocks noGrp="1" noRot="1" noChangeAspect="1" noMove="1" noResize="1" noEditPoints="1" noAdjustHandles="1" noChangeArrowheads="1" noChangeShapeType="1" noTextEdit="1"/>
+          </p:cNvSpPr>
+          <p:nvPr>
+            <p:extLst>
+              <p:ext uri="{386F3935-93C4-4BCD-93E2-E3B085C9AB24}">
+                <p16:designElem xmlns:p16="http://schemas.microsoft.com/office/powerpoint/2015/main" val="1"/>
+              </p:ext>
+            </p:extLst>
+          </p:nvPr>
+        </p:nvSpPr>
+        <p:spPr bwMode="auto">
+          <a:xfrm>
+            <a:off x="409710" y="1022350"/>
+            <a:ext cx="709612" cy="2095501"/>
+          </a:xfrm>
+          <a:custGeom>
+            <a:avLst/>
+            <a:gdLst>
+              <a:gd name="T0" fmla="*/ 447 w 447"/>
+              <a:gd name="T1" fmla="*/ 1363 h 1363"/>
+              <a:gd name="T2" fmla="*/ 0 w 447"/>
+              <a:gd name="T3" fmla="*/ 987 h 1363"/>
+              <a:gd name="T4" fmla="*/ 0 w 447"/>
+              <a:gd name="T5" fmla="*/ 0 h 1363"/>
+              <a:gd name="T6" fmla="*/ 447 w 447"/>
+              <a:gd name="T7" fmla="*/ 376 h 1363"/>
+              <a:gd name="T8" fmla="*/ 447 w 447"/>
+              <a:gd name="T9" fmla="*/ 1363 h 1363"/>
+            </a:gdLst>
+            <a:ahLst/>
+            <a:cxnLst>
+              <a:cxn ang="0">
+                <a:pos x="T0" y="T1"/>
+              </a:cxn>
+              <a:cxn ang="0">
+                <a:pos x="T2" y="T3"/>
+              </a:cxn>
+              <a:cxn ang="0">
+                <a:pos x="T4" y="T5"/>
+              </a:cxn>
+              <a:cxn ang="0">
+                <a:pos x="T6" y="T7"/>
+              </a:cxn>
+              <a:cxn ang="0">
+                <a:pos x="T8" y="T9"/>
+              </a:cxn>
+            </a:cxnLst>
+            <a:rect l="0" t="0" r="r" b="b"/>
+            <a:pathLst>
+              <a:path w="447" h="1363">
+                <a:moveTo>
+                  <a:pt x="447" y="1363"/>
+                </a:moveTo>
+                <a:lnTo>
+                  <a:pt x="0" y="987"/>
+                </a:lnTo>
+                <a:lnTo>
+                  <a:pt x="0" y="0"/>
+                </a:lnTo>
+                <a:lnTo>
+                  <a:pt x="447" y="376"/>
+                </a:lnTo>
+                <a:lnTo>
+                  <a:pt x="447" y="1363"/>
+                </a:lnTo>
+                <a:close/>
+              </a:path>
+            </a:pathLst>
+          </a:custGeom>
+          <a:solidFill>
+            <a:schemeClr val="accent1">
+              <a:lumMod val="50000"/>
+            </a:schemeClr>
+          </a:solidFill>
+          <a:ln>
+            <a:noFill/>
+          </a:ln>
+        </p:spPr>
+        <p:txBody>
+          <a:bodyPr vert="horz" wrap="square" lIns="91440" tIns="45720" rIns="91440" bIns="45720" numCol="1" anchor="t" anchorCtr="0" compatLnSpc="1">
+            <a:prstTxWarp prst="textNoShape">
+              <a:avLst/>
+            </a:prstTxWarp>
+          </a:bodyPr>
+          <a:lstStyle/>
+          <a:p>
+            <a:endParaRPr lang="en-US"/>
+          </a:p>
+        </p:txBody>
+      </p:sp>
+      <p:sp>
+        <p:nvSpPr>
+          <p:cNvPr id="12" name="Freeform 46">
+            <a:extLst>
+              <a:ext uri="{FF2B5EF4-FFF2-40B4-BE49-F238E27FC236}">
+                <a16:creationId xmlns:a16="http://schemas.microsoft.com/office/drawing/2014/main" id="{2AEBC8F2-97B1-41B4-93F1-2D289E197FBA}"/>
+              </a:ext>
+              <a:ext uri="{C183D7F6-B498-43B3-948B-1728B52AA6E4}">
+                <adec:decorative xmlns:adec="http://schemas.microsoft.com/office/drawing/2017/decorative" val="1"/>
+              </a:ext>
+            </a:extLst>
+          </p:cNvPr>
+          <p:cNvSpPr>
+            <a:spLocks noGrp="1" noRot="1" noChangeAspect="1" noMove="1" noResize="1" noEditPoints="1" noAdjustHandles="1" noChangeArrowheads="1" noChangeShapeType="1" noTextEdit="1"/>
+          </p:cNvSpPr>
+          <p:nvPr>
+            <p:extLst>
+              <p:ext uri="{386F3935-93C4-4BCD-93E2-E3B085C9AB24}">
+                <p16:designElem xmlns:p16="http://schemas.microsoft.com/office/powerpoint/2015/main" val="1"/>
+              </p:ext>
+            </p:extLst>
+          </p:nvPr>
+        </p:nvSpPr>
+        <p:spPr bwMode="auto">
+          <a:xfrm>
+            <a:off x="409710" y="837744"/>
+            <a:ext cx="403225" cy="1705431"/>
+          </a:xfrm>
+          <a:custGeom>
+            <a:avLst/>
+            <a:gdLst>
+              <a:gd name="T0" fmla="*/ 254 w 254"/>
+              <a:gd name="T1" fmla="*/ 987 h 1109"/>
+              <a:gd name="T2" fmla="*/ 0 w 254"/>
+              <a:gd name="T3" fmla="*/ 1109 h 1109"/>
+              <a:gd name="T4" fmla="*/ 0 w 254"/>
+              <a:gd name="T5" fmla="*/ 119 h 1109"/>
+              <a:gd name="T6" fmla="*/ 254 w 254"/>
+              <a:gd name="T7" fmla="*/ 0 h 1109"/>
+              <a:gd name="T8" fmla="*/ 254 w 254"/>
+              <a:gd name="T9" fmla="*/ 987 h 1109"/>
+            </a:gdLst>
+            <a:ahLst/>
+            <a:cxnLst>
+              <a:cxn ang="0">
+                <a:pos x="T0" y="T1"/>
+              </a:cxn>
+              <a:cxn ang="0">
+                <a:pos x="T2" y="T3"/>
+              </a:cxn>
+              <a:cxn ang="0">
+                <a:pos x="T4" y="T5"/>
+              </a:cxn>
+              <a:cxn ang="0">
+                <a:pos x="T6" y="T7"/>
+              </a:cxn>
+              <a:cxn ang="0">
+                <a:pos x="T8" y="T9"/>
+              </a:cxn>
+            </a:cxnLst>
+            <a:rect l="0" t="0" r="r" b="b"/>
+            <a:pathLst>
+              <a:path w="254" h="1109">
+                <a:moveTo>
+                  <a:pt x="254" y="987"/>
+                </a:moveTo>
+                <a:lnTo>
+                  <a:pt x="0" y="1109"/>
+                </a:lnTo>
+                <a:lnTo>
+                  <a:pt x="0" y="119"/>
+                </a:lnTo>
+                <a:lnTo>
+                  <a:pt x="254" y="0"/>
+                </a:lnTo>
+                <a:lnTo>
+                  <a:pt x="254" y="987"/>
+                </a:lnTo>
+                <a:close/>
+              </a:path>
+            </a:pathLst>
+          </a:custGeom>
+          <a:solidFill>
+            <a:schemeClr val="accent1">
+              <a:lumMod val="75000"/>
+            </a:schemeClr>
+          </a:solidFill>
+          <a:ln>
+            <a:noFill/>
+          </a:ln>
+        </p:spPr>
+        <p:txBody>
+          <a:bodyPr vert="horz" wrap="square" lIns="91440" tIns="45720" rIns="91440" bIns="45720" numCol="1" anchor="t" anchorCtr="0" compatLnSpc="1">
+            <a:prstTxWarp prst="textNoShape">
+              <a:avLst/>
+            </a:prstTxWarp>
+          </a:bodyPr>
+          <a:lstStyle/>
+          <a:p>
+            <a:endParaRPr lang="en-US"/>
+          </a:p>
+        </p:txBody>
+      </p:sp>
+      <p:sp>
+        <p:nvSpPr>
+          <p:cNvPr id="14" name="Freeform 47">
+            <a:extLst>
+              <a:ext uri="{FF2B5EF4-FFF2-40B4-BE49-F238E27FC236}">
+                <a16:creationId xmlns:a16="http://schemas.microsoft.com/office/drawing/2014/main" id="{472E3A19-F5D5-48FC-BB9C-48C2F68F598B}"/>
+              </a:ext>
+              <a:ext uri="{C183D7F6-B498-43B3-948B-1728B52AA6E4}">
+                <adec:decorative xmlns:adec="http://schemas.microsoft.com/office/drawing/2017/decorative" val="1"/>
+              </a:ext>
+            </a:extLst>
+          </p:cNvPr>
+          <p:cNvSpPr>
+            <a:spLocks noGrp="1" noRot="1" noChangeAspect="1" noMove="1" noResize="1" noEditPoints="1" noAdjustHandles="1" noChangeArrowheads="1" noChangeShapeType="1" noTextEdit="1"/>
+          </p:cNvSpPr>
+          <p:nvPr>
+            <p:extLst>
+              <p:ext uri="{386F3935-93C4-4BCD-93E2-E3B085C9AB24}">
+                <p16:designElem xmlns:p16="http://schemas.microsoft.com/office/powerpoint/2015/main" val="1"/>
+              </p:ext>
+            </p:extLst>
+          </p:nvPr>
+        </p:nvSpPr>
+        <p:spPr bwMode="auto">
+          <a:xfrm>
+            <a:off x="644660" y="640894"/>
+            <a:ext cx="168275" cy="1713195"/>
+          </a:xfrm>
+          <a:custGeom>
+            <a:avLst/>
+            <a:gdLst>
+              <a:gd name="T0" fmla="*/ 106 w 106"/>
+              <a:gd name="T1" fmla="*/ 1114 h 1114"/>
+              <a:gd name="T2" fmla="*/ 0 w 106"/>
+              <a:gd name="T3" fmla="*/ 1005 h 1114"/>
+              <a:gd name="T4" fmla="*/ 0 w 106"/>
+              <a:gd name="T5" fmla="*/ 0 h 1114"/>
+              <a:gd name="T6" fmla="*/ 106 w 106"/>
+              <a:gd name="T7" fmla="*/ 110 h 1114"/>
+              <a:gd name="T8" fmla="*/ 106 w 106"/>
+              <a:gd name="T9" fmla="*/ 1114 h 1114"/>
+            </a:gdLst>
+            <a:ahLst/>
+            <a:cxnLst>
+              <a:cxn ang="0">
+                <a:pos x="T0" y="T1"/>
+              </a:cxn>
+              <a:cxn ang="0">
+                <a:pos x="T2" y="T3"/>
+              </a:cxn>
+              <a:cxn ang="0">
+                <a:pos x="T4" y="T5"/>
+              </a:cxn>
+              <a:cxn ang="0">
+                <a:pos x="T6" y="T7"/>
+              </a:cxn>
+              <a:cxn ang="0">
+                <a:pos x="T8" y="T9"/>
+              </a:cxn>
+            </a:cxnLst>
+            <a:rect l="0" t="0" r="r" b="b"/>
+            <a:pathLst>
+              <a:path w="106" h="1114">
+                <a:moveTo>
+                  <a:pt x="106" y="1114"/>
+                </a:moveTo>
+                <a:lnTo>
+                  <a:pt x="0" y="1005"/>
+                </a:lnTo>
+                <a:lnTo>
+                  <a:pt x="0" y="0"/>
+                </a:lnTo>
+                <a:lnTo>
+                  <a:pt x="106" y="110"/>
+                </a:lnTo>
+                <a:lnTo>
+                  <a:pt x="106" y="1114"/>
+                </a:lnTo>
+                <a:close/>
+              </a:path>
+            </a:pathLst>
+          </a:custGeom>
+          <a:solidFill>
+            <a:schemeClr val="accent1">
+              <a:lumMod val="50000"/>
+            </a:schemeClr>
+          </a:solidFill>
+          <a:ln>
+            <a:noFill/>
+          </a:ln>
+        </p:spPr>
+        <p:txBody>
+          <a:bodyPr vert="horz" wrap="square" lIns="91440" tIns="45720" rIns="91440" bIns="45720" numCol="1" anchor="t" anchorCtr="0" compatLnSpc="1">
+            <a:prstTxWarp prst="textNoShape">
+              <a:avLst/>
+            </a:prstTxWarp>
+          </a:bodyPr>
+          <a:lstStyle/>
+          <a:p>
+            <a:endParaRPr lang="en-US"/>
+          </a:p>
+        </p:txBody>
+      </p:sp>
+      <p:sp>
+        <p:nvSpPr>
+          <p:cNvPr id="16" name="Freeform 44">
+            <a:extLst>
+              <a:ext uri="{FF2B5EF4-FFF2-40B4-BE49-F238E27FC236}">
+                <a16:creationId xmlns:a16="http://schemas.microsoft.com/office/drawing/2014/main" id="{7A62E32F-BB65-43A8-8EB5-92346890E549}"/>
+              </a:ext>
+              <a:ext uri="{C183D7F6-B498-43B3-948B-1728B52AA6E4}">
+                <adec:decorative xmlns:adec="http://schemas.microsoft.com/office/drawing/2017/decorative" val="1"/>
+              </a:ext>
+            </a:extLst>
+          </p:cNvPr>
+          <p:cNvSpPr>
+            <a:spLocks noGrp="1" noRot="1" noChangeAspect="1" noMove="1" noResize="1" noEditPoints="1" noAdjustHandles="1" noChangeArrowheads="1" noChangeShapeType="1" noTextEdit="1"/>
+          </p:cNvSpPr>
+          <p:nvPr>
+            <p:extLst>
+              <p:ext uri="{386F3935-93C4-4BCD-93E2-E3B085C9AB24}">
+                <p16:designElem xmlns:p16="http://schemas.microsoft.com/office/powerpoint/2015/main" val="1"/>
+              </p:ext>
+            </p:extLst>
+          </p:nvPr>
+        </p:nvSpPr>
+        <p:spPr bwMode="auto">
+          <a:xfrm>
+            <a:off x="11223203" y="635716"/>
+            <a:ext cx="328612" cy="1742360"/>
+          </a:xfrm>
+          <a:custGeom>
+            <a:avLst/>
+            <a:gdLst>
+              <a:gd name="T0" fmla="*/ 207 w 207"/>
+              <a:gd name="T1" fmla="*/ 987 h 1114"/>
+              <a:gd name="T2" fmla="*/ 0 w 207"/>
+              <a:gd name="T3" fmla="*/ 1114 h 1114"/>
+              <a:gd name="T4" fmla="*/ 0 w 207"/>
+              <a:gd name="T5" fmla="*/ 127 h 1114"/>
+              <a:gd name="T6" fmla="*/ 207 w 207"/>
+              <a:gd name="T7" fmla="*/ 0 h 1114"/>
+              <a:gd name="T8" fmla="*/ 207 w 207"/>
+              <a:gd name="T9" fmla="*/ 987 h 1114"/>
+            </a:gdLst>
+            <a:ahLst/>
+            <a:cxnLst>
+              <a:cxn ang="0">
+                <a:pos x="T0" y="T1"/>
+              </a:cxn>
+              <a:cxn ang="0">
+                <a:pos x="T2" y="T3"/>
+              </a:cxn>
+              <a:cxn ang="0">
+                <a:pos x="T4" y="T5"/>
+              </a:cxn>
+              <a:cxn ang="0">
+                <a:pos x="T6" y="T7"/>
+              </a:cxn>
+              <a:cxn ang="0">
+                <a:pos x="T8" y="T9"/>
+              </a:cxn>
+            </a:cxnLst>
+            <a:rect l="0" t="0" r="r" b="b"/>
+            <a:pathLst>
+              <a:path w="207" h="1114">
+                <a:moveTo>
+                  <a:pt x="207" y="987"/>
+                </a:moveTo>
+                <a:lnTo>
+                  <a:pt x="0" y="1114"/>
+                </a:lnTo>
+                <a:lnTo>
+                  <a:pt x="0" y="127"/>
+                </a:lnTo>
+                <a:lnTo>
+                  <a:pt x="207" y="0"/>
+                </a:lnTo>
+                <a:lnTo>
+                  <a:pt x="207" y="987"/>
+                </a:lnTo>
+                <a:close/>
+              </a:path>
+            </a:pathLst>
+          </a:custGeom>
+          <a:solidFill>
+            <a:schemeClr val="accent1">
+              <a:lumMod val="50000"/>
+            </a:schemeClr>
+          </a:solidFill>
+          <a:ln>
+            <a:noFill/>
+          </a:ln>
+        </p:spPr>
+        <p:txBody>
+          <a:bodyPr vert="horz" wrap="square" lIns="91440" tIns="45720" rIns="91440" bIns="45720" numCol="1" anchor="t" anchorCtr="0" compatLnSpc="1">
+            <a:prstTxWarp prst="textNoShape">
+              <a:avLst/>
+            </a:prstTxWarp>
+          </a:bodyPr>
+          <a:lstStyle/>
+          <a:p>
+            <a:endParaRPr lang="en-US"/>
+          </a:p>
+        </p:txBody>
+      </p:sp>
+      <p:sp>
+        <p:nvSpPr>
+          <p:cNvPr id="18" name="Rectangle 17">
+            <a:extLst>
+              <a:ext uri="{FF2B5EF4-FFF2-40B4-BE49-F238E27FC236}">
+                <a16:creationId xmlns:a16="http://schemas.microsoft.com/office/drawing/2014/main" id="{14E91B64-9FCC-451E-AFB4-A827D6329367}"/>
+              </a:ext>
+              <a:ext uri="{C183D7F6-B498-43B3-948B-1728B52AA6E4}">
+                <adec:decorative xmlns:adec="http://schemas.microsoft.com/office/drawing/2017/decorative" val="1"/>
+              </a:ext>
+            </a:extLst>
+          </p:cNvPr>
+          <p:cNvSpPr>
+            <a:spLocks noGrp="1" noRot="1" noChangeAspect="1" noMove="1" noResize="1" noEditPoints="1" noAdjustHandles="1" noChangeArrowheads="1" noChangeShapeType="1" noTextEdit="1"/>
+          </p:cNvSpPr>
+          <p:nvPr>
+            <p:extLst>
+              <p:ext uri="{386F3935-93C4-4BCD-93E2-E3B085C9AB24}">
+                <p16:designElem xmlns:p16="http://schemas.microsoft.com/office/powerpoint/2015/main" val="1"/>
+              </p:ext>
+            </p:extLst>
+          </p:nvPr>
+        </p:nvSpPr>
+        <p:spPr bwMode="auto">
+          <a:xfrm>
+            <a:off x="644055" y="635715"/>
+            <a:ext cx="10907863" cy="1541457"/>
+          </a:xfrm>
+          <a:prstGeom prst="rect">
+            <a:avLst/>
+          </a:prstGeom>
+          <a:solidFill>
+            <a:schemeClr val="accent1"/>
+          </a:solidFill>
+          <a:ln>
+            <a:noFill/>
+          </a:ln>
+        </p:spPr>
+        <p:txBody>
+          <a:bodyPr vert="horz" wrap="square" lIns="91440" tIns="45720" rIns="91440" bIns="45720" numCol="1" anchor="t" anchorCtr="0" compatLnSpc="1">
+            <a:prstTxWarp prst="textNoShape">
+              <a:avLst/>
+            </a:prstTxWarp>
+          </a:bodyPr>
+          <a:lstStyle/>
+          <a:p>
+            <a:endParaRPr lang="en-US"/>
+          </a:p>
+        </p:txBody>
+      </p:sp>
       <p:sp>
         <p:nvSpPr>
           <p:cNvPr id="2" name="Title 1">
@@ -3635,18 +7163,22 @@
         </p:nvSpPr>
         <p:spPr>
           <a:xfrm>
-            <a:off x="808638" y="386930"/>
-            <a:ext cx="9236700" cy="1188950"/>
+            <a:off x="958506" y="800392"/>
+            <a:ext cx="10264697" cy="1212102"/>
           </a:xfrm>
         </p:spPr>
         <p:txBody>
-          <a:bodyPr anchor="b">
+          <a:bodyPr>
             <a:normAutofit/>
           </a:bodyPr>
           <a:lstStyle/>
           <a:p>
             <a:r>
-              <a:rPr lang="en-US" sz="5400"/>
+              <a:rPr lang="en-US" sz="4000">
+                <a:solidFill>
+                  <a:srgbClr val="FFFFFF"/>
+                </a:solidFill>
+              </a:rPr>
               <a:t>Approach</a:t>
             </a:r>
           </a:p>
@@ -3654,7 +7186,7 @@
       </p:sp>
       <p:sp>
         <p:nvSpPr>
-          <p:cNvPr id="3" name="Content Placeholder 2">
+          <p:cNvPr id="24" name="Content Placeholder 2">
             <a:extLst>
               <a:ext uri="{FF2B5EF4-FFF2-40B4-BE49-F238E27FC236}">
                 <a16:creationId xmlns:a16="http://schemas.microsoft.com/office/drawing/2014/main" id="{2B5413CE-44E2-6541-AD3B-3BC64CC43234}"/>
@@ -3670,50 +7202,45 @@
         </p:nvSpPr>
         <p:spPr>
           <a:xfrm>
-            <a:off x="793660" y="2599509"/>
-            <a:ext cx="10143668" cy="3435531"/>
+            <a:off x="1367624" y="2490436"/>
+            <a:ext cx="9708995" cy="3567173"/>
           </a:xfrm>
         </p:spPr>
         <p:txBody>
           <a:bodyPr anchor="ctr">
-            <a:normAutofit lnSpcReduction="10000"/>
+            <a:noAutofit/>
           </a:bodyPr>
           <a:lstStyle/>
           <a:p>
-            <a:endParaRPr lang="en-US" sz="2400" dirty="0"/>
+            <a:endParaRPr lang="en-US" dirty="0"/>
           </a:p>
           <a:p>
             <a:r>
-              <a:rPr lang="en-US" sz="2400" dirty="0"/>
+              <a:rPr lang="en-US" dirty="0"/>
               <a:t>LF: uses linguistic features from the review content only, by extracting bigrams from the reviews data. </a:t>
             </a:r>
           </a:p>
           <a:p>
             <a:r>
-              <a:rPr lang="en-US" sz="2400" dirty="0"/>
+              <a:rPr lang="en-US" dirty="0"/>
               <a:t>CNN: uses the same bigram features but trained using a Convolutional Neural Network. </a:t>
             </a:r>
           </a:p>
           <a:p>
             <a:r>
-              <a:rPr lang="en-US" sz="2400" dirty="0"/>
+              <a:rPr lang="en-US" dirty="0"/>
               <a:t>LF+BF: is a concatenation of linguistic as well as behavioral features from the the review, including its length, rating, and other reviews by the same reviewer. </a:t>
             </a:r>
           </a:p>
           <a:p>
             <a:r>
-              <a:rPr lang="en-US" sz="2400" dirty="0" err="1"/>
+              <a:rPr lang="en-US" dirty="0" err="1"/>
               <a:t>bfGAN</a:t>
             </a:r>
             <a:r>
-              <a:rPr lang="en-US" sz="2400" dirty="0"/>
-              <a:t>: is the state-of-the-art algorithm using a number of </a:t>
+              <a:rPr lang="en-US" dirty="0"/>
+              <a:t>: is the state-of-the-art algorithm using behavioral features</a:t>
             </a:r>
-            <a:r>
-              <a:rPr lang="en-US" sz="2400" dirty="0" err="1"/>
-              <a:t>generat</a:t>
-            </a:r>
-            <a:endParaRPr lang="en-US" sz="2400" dirty="0"/>
           </a:p>
         </p:txBody>
       </p:sp>
@@ -3733,6 +7260,14 @@
 <file path=ppt/slides/slide11.xml><?xml version="1.0" encoding="utf-8"?>
 <p:sld xmlns:a="http://schemas.openxmlformats.org/drawingml/2006/main" xmlns:r="http://schemas.openxmlformats.org/officeDocument/2006/relationships" xmlns:p="http://schemas.openxmlformats.org/presentationml/2006/main">
   <p:cSld>
+    <p:bg>
+      <p:bgPr>
+        <a:solidFill>
+          <a:schemeClr val="bg1"/>
+        </a:solidFill>
+        <a:effectLst/>
+      </p:bgPr>
+    </p:bg>
     <p:spTree>
       <p:nvGrpSpPr>
         <p:cNvPr id="1" name=""/>
@@ -3747,6 +7282,528 @@
           <a:chExt cx="0" cy="0"/>
         </a:xfrm>
       </p:grpSpPr>
+      <p:sp useBgFill="1">
+        <p:nvSpPr>
+          <p:cNvPr id="23" name="Rectangle 22">
+            <a:extLst>
+              <a:ext uri="{FF2B5EF4-FFF2-40B4-BE49-F238E27FC236}">
+                <a16:creationId xmlns:a16="http://schemas.microsoft.com/office/drawing/2014/main" id="{827B839B-9ADE-406B-8590-F1CAEDED45A1}"/>
+              </a:ext>
+              <a:ext uri="{C183D7F6-B498-43B3-948B-1728B52AA6E4}">
+                <adec:decorative xmlns:adec="http://schemas.microsoft.com/office/drawing/2017/decorative" val="1"/>
+              </a:ext>
+            </a:extLst>
+          </p:cNvPr>
+          <p:cNvSpPr>
+            <a:spLocks noGrp="1" noRot="1" noChangeAspect="1" noMove="1" noResize="1" noEditPoints="1" noAdjustHandles="1" noChangeArrowheads="1" noChangeShapeType="1" noTextEdit="1"/>
+          </p:cNvSpPr>
+          <p:nvPr>
+            <p:extLst>
+              <p:ext uri="{386F3935-93C4-4BCD-93E2-E3B085C9AB24}">
+                <p16:designElem xmlns:p16="http://schemas.microsoft.com/office/powerpoint/2015/main" val="1"/>
+              </p:ext>
+            </p:extLst>
+          </p:nvPr>
+        </p:nvSpPr>
+        <p:spPr>
+          <a:xfrm>
+            <a:off x="0" y="0"/>
+            <a:ext cx="12188952" cy="6858000"/>
+          </a:xfrm>
+          <a:prstGeom prst="rect">
+            <a:avLst/>
+          </a:prstGeom>
+          <a:ln>
+            <a:noFill/>
+          </a:ln>
+        </p:spPr>
+        <p:style>
+          <a:lnRef idx="2">
+            <a:schemeClr val="accent1">
+              <a:shade val="50000"/>
+            </a:schemeClr>
+          </a:lnRef>
+          <a:fillRef idx="1">
+            <a:schemeClr val="accent1"/>
+          </a:fillRef>
+          <a:effectRef idx="0">
+            <a:schemeClr val="accent1"/>
+          </a:effectRef>
+          <a:fontRef idx="minor">
+            <a:schemeClr val="lt1"/>
+          </a:fontRef>
+        </p:style>
+        <p:txBody>
+          <a:bodyPr rtlCol="0" anchor="ctr"/>
+          <a:lstStyle/>
+          <a:p>
+            <a:pPr algn="ctr"/>
+            <a:endParaRPr lang="en-US"/>
+          </a:p>
+        </p:txBody>
+      </p:sp>
+      <p:sp>
+        <p:nvSpPr>
+          <p:cNvPr id="25" name="Freeform 45">
+            <a:extLst>
+              <a:ext uri="{FF2B5EF4-FFF2-40B4-BE49-F238E27FC236}">
+                <a16:creationId xmlns:a16="http://schemas.microsoft.com/office/drawing/2014/main" id="{CFE45BF0-46DB-408C-B5F7-7B11716805D4}"/>
+              </a:ext>
+              <a:ext uri="{C183D7F6-B498-43B3-948B-1728B52AA6E4}">
+                <adec:decorative xmlns:adec="http://schemas.microsoft.com/office/drawing/2017/decorative" val="1"/>
+              </a:ext>
+            </a:extLst>
+          </p:cNvPr>
+          <p:cNvSpPr>
+            <a:spLocks noGrp="1" noRot="1" noChangeAspect="1" noMove="1" noResize="1" noEditPoints="1" noAdjustHandles="1" noChangeArrowheads="1" noChangeShapeType="1" noTextEdit="1"/>
+          </p:cNvSpPr>
+          <p:nvPr>
+            <p:extLst>
+              <p:ext uri="{386F3935-93C4-4BCD-93E2-E3B085C9AB24}">
+                <p16:designElem xmlns:p16="http://schemas.microsoft.com/office/powerpoint/2015/main" val="1"/>
+              </p:ext>
+            </p:extLst>
+          </p:nvPr>
+        </p:nvSpPr>
+        <p:spPr bwMode="auto">
+          <a:xfrm>
+            <a:off x="409710" y="1022350"/>
+            <a:ext cx="709612" cy="2095501"/>
+          </a:xfrm>
+          <a:custGeom>
+            <a:avLst/>
+            <a:gdLst>
+              <a:gd name="T0" fmla="*/ 447 w 447"/>
+              <a:gd name="T1" fmla="*/ 1363 h 1363"/>
+              <a:gd name="T2" fmla="*/ 0 w 447"/>
+              <a:gd name="T3" fmla="*/ 987 h 1363"/>
+              <a:gd name="T4" fmla="*/ 0 w 447"/>
+              <a:gd name="T5" fmla="*/ 0 h 1363"/>
+              <a:gd name="T6" fmla="*/ 447 w 447"/>
+              <a:gd name="T7" fmla="*/ 376 h 1363"/>
+              <a:gd name="T8" fmla="*/ 447 w 447"/>
+              <a:gd name="T9" fmla="*/ 1363 h 1363"/>
+            </a:gdLst>
+            <a:ahLst/>
+            <a:cxnLst>
+              <a:cxn ang="0">
+                <a:pos x="T0" y="T1"/>
+              </a:cxn>
+              <a:cxn ang="0">
+                <a:pos x="T2" y="T3"/>
+              </a:cxn>
+              <a:cxn ang="0">
+                <a:pos x="T4" y="T5"/>
+              </a:cxn>
+              <a:cxn ang="0">
+                <a:pos x="T6" y="T7"/>
+              </a:cxn>
+              <a:cxn ang="0">
+                <a:pos x="T8" y="T9"/>
+              </a:cxn>
+            </a:cxnLst>
+            <a:rect l="0" t="0" r="r" b="b"/>
+            <a:pathLst>
+              <a:path w="447" h="1363">
+                <a:moveTo>
+                  <a:pt x="447" y="1363"/>
+                </a:moveTo>
+                <a:lnTo>
+                  <a:pt x="0" y="987"/>
+                </a:lnTo>
+                <a:lnTo>
+                  <a:pt x="0" y="0"/>
+                </a:lnTo>
+                <a:lnTo>
+                  <a:pt x="447" y="376"/>
+                </a:lnTo>
+                <a:lnTo>
+                  <a:pt x="447" y="1363"/>
+                </a:lnTo>
+                <a:close/>
+              </a:path>
+            </a:pathLst>
+          </a:custGeom>
+          <a:solidFill>
+            <a:schemeClr val="accent1">
+              <a:lumMod val="50000"/>
+            </a:schemeClr>
+          </a:solidFill>
+          <a:ln>
+            <a:noFill/>
+          </a:ln>
+        </p:spPr>
+        <p:txBody>
+          <a:bodyPr vert="horz" wrap="square" lIns="91440" tIns="45720" rIns="91440" bIns="45720" numCol="1" anchor="t" anchorCtr="0" compatLnSpc="1">
+            <a:prstTxWarp prst="textNoShape">
+              <a:avLst/>
+            </a:prstTxWarp>
+          </a:bodyPr>
+          <a:lstStyle/>
+          <a:p>
+            <a:endParaRPr lang="en-US"/>
+          </a:p>
+        </p:txBody>
+      </p:sp>
+      <p:sp>
+        <p:nvSpPr>
+          <p:cNvPr id="27" name="Freeform 46">
+            <a:extLst>
+              <a:ext uri="{FF2B5EF4-FFF2-40B4-BE49-F238E27FC236}">
+                <a16:creationId xmlns:a16="http://schemas.microsoft.com/office/drawing/2014/main" id="{2AEBC8F2-97B1-41B4-93F1-2D289E197FBA}"/>
+              </a:ext>
+              <a:ext uri="{C183D7F6-B498-43B3-948B-1728B52AA6E4}">
+                <adec:decorative xmlns:adec="http://schemas.microsoft.com/office/drawing/2017/decorative" val="1"/>
+              </a:ext>
+            </a:extLst>
+          </p:cNvPr>
+          <p:cNvSpPr>
+            <a:spLocks noGrp="1" noRot="1" noChangeAspect="1" noMove="1" noResize="1" noEditPoints="1" noAdjustHandles="1" noChangeArrowheads="1" noChangeShapeType="1" noTextEdit="1"/>
+          </p:cNvSpPr>
+          <p:nvPr>
+            <p:extLst>
+              <p:ext uri="{386F3935-93C4-4BCD-93E2-E3B085C9AB24}">
+                <p16:designElem xmlns:p16="http://schemas.microsoft.com/office/powerpoint/2015/main" val="1"/>
+              </p:ext>
+            </p:extLst>
+          </p:nvPr>
+        </p:nvSpPr>
+        <p:spPr bwMode="auto">
+          <a:xfrm>
+            <a:off x="409710" y="837744"/>
+            <a:ext cx="403225" cy="1705431"/>
+          </a:xfrm>
+          <a:custGeom>
+            <a:avLst/>
+            <a:gdLst>
+              <a:gd name="T0" fmla="*/ 254 w 254"/>
+              <a:gd name="T1" fmla="*/ 987 h 1109"/>
+              <a:gd name="T2" fmla="*/ 0 w 254"/>
+              <a:gd name="T3" fmla="*/ 1109 h 1109"/>
+              <a:gd name="T4" fmla="*/ 0 w 254"/>
+              <a:gd name="T5" fmla="*/ 119 h 1109"/>
+              <a:gd name="T6" fmla="*/ 254 w 254"/>
+              <a:gd name="T7" fmla="*/ 0 h 1109"/>
+              <a:gd name="T8" fmla="*/ 254 w 254"/>
+              <a:gd name="T9" fmla="*/ 987 h 1109"/>
+            </a:gdLst>
+            <a:ahLst/>
+            <a:cxnLst>
+              <a:cxn ang="0">
+                <a:pos x="T0" y="T1"/>
+              </a:cxn>
+              <a:cxn ang="0">
+                <a:pos x="T2" y="T3"/>
+              </a:cxn>
+              <a:cxn ang="0">
+                <a:pos x="T4" y="T5"/>
+              </a:cxn>
+              <a:cxn ang="0">
+                <a:pos x="T6" y="T7"/>
+              </a:cxn>
+              <a:cxn ang="0">
+                <a:pos x="T8" y="T9"/>
+              </a:cxn>
+            </a:cxnLst>
+            <a:rect l="0" t="0" r="r" b="b"/>
+            <a:pathLst>
+              <a:path w="254" h="1109">
+                <a:moveTo>
+                  <a:pt x="254" y="987"/>
+                </a:moveTo>
+                <a:lnTo>
+                  <a:pt x="0" y="1109"/>
+                </a:lnTo>
+                <a:lnTo>
+                  <a:pt x="0" y="119"/>
+                </a:lnTo>
+                <a:lnTo>
+                  <a:pt x="254" y="0"/>
+                </a:lnTo>
+                <a:lnTo>
+                  <a:pt x="254" y="987"/>
+                </a:lnTo>
+                <a:close/>
+              </a:path>
+            </a:pathLst>
+          </a:custGeom>
+          <a:solidFill>
+            <a:schemeClr val="accent1">
+              <a:lumMod val="75000"/>
+            </a:schemeClr>
+          </a:solidFill>
+          <a:ln>
+            <a:noFill/>
+          </a:ln>
+        </p:spPr>
+        <p:txBody>
+          <a:bodyPr vert="horz" wrap="square" lIns="91440" tIns="45720" rIns="91440" bIns="45720" numCol="1" anchor="t" anchorCtr="0" compatLnSpc="1">
+            <a:prstTxWarp prst="textNoShape">
+              <a:avLst/>
+            </a:prstTxWarp>
+          </a:bodyPr>
+          <a:lstStyle/>
+          <a:p>
+            <a:endParaRPr lang="en-US"/>
+          </a:p>
+        </p:txBody>
+      </p:sp>
+      <p:sp>
+        <p:nvSpPr>
+          <p:cNvPr id="29" name="Freeform 47">
+            <a:extLst>
+              <a:ext uri="{FF2B5EF4-FFF2-40B4-BE49-F238E27FC236}">
+                <a16:creationId xmlns:a16="http://schemas.microsoft.com/office/drawing/2014/main" id="{472E3A19-F5D5-48FC-BB9C-48C2F68F598B}"/>
+              </a:ext>
+              <a:ext uri="{C183D7F6-B498-43B3-948B-1728B52AA6E4}">
+                <adec:decorative xmlns:adec="http://schemas.microsoft.com/office/drawing/2017/decorative" val="1"/>
+              </a:ext>
+            </a:extLst>
+          </p:cNvPr>
+          <p:cNvSpPr>
+            <a:spLocks noGrp="1" noRot="1" noChangeAspect="1" noMove="1" noResize="1" noEditPoints="1" noAdjustHandles="1" noChangeArrowheads="1" noChangeShapeType="1" noTextEdit="1"/>
+          </p:cNvSpPr>
+          <p:nvPr>
+            <p:extLst>
+              <p:ext uri="{386F3935-93C4-4BCD-93E2-E3B085C9AB24}">
+                <p16:designElem xmlns:p16="http://schemas.microsoft.com/office/powerpoint/2015/main" val="1"/>
+              </p:ext>
+            </p:extLst>
+          </p:nvPr>
+        </p:nvSpPr>
+        <p:spPr bwMode="auto">
+          <a:xfrm>
+            <a:off x="644660" y="640894"/>
+            <a:ext cx="168275" cy="1713195"/>
+          </a:xfrm>
+          <a:custGeom>
+            <a:avLst/>
+            <a:gdLst>
+              <a:gd name="T0" fmla="*/ 106 w 106"/>
+              <a:gd name="T1" fmla="*/ 1114 h 1114"/>
+              <a:gd name="T2" fmla="*/ 0 w 106"/>
+              <a:gd name="T3" fmla="*/ 1005 h 1114"/>
+              <a:gd name="T4" fmla="*/ 0 w 106"/>
+              <a:gd name="T5" fmla="*/ 0 h 1114"/>
+              <a:gd name="T6" fmla="*/ 106 w 106"/>
+              <a:gd name="T7" fmla="*/ 110 h 1114"/>
+              <a:gd name="T8" fmla="*/ 106 w 106"/>
+              <a:gd name="T9" fmla="*/ 1114 h 1114"/>
+            </a:gdLst>
+            <a:ahLst/>
+            <a:cxnLst>
+              <a:cxn ang="0">
+                <a:pos x="T0" y="T1"/>
+              </a:cxn>
+              <a:cxn ang="0">
+                <a:pos x="T2" y="T3"/>
+              </a:cxn>
+              <a:cxn ang="0">
+                <a:pos x="T4" y="T5"/>
+              </a:cxn>
+              <a:cxn ang="0">
+                <a:pos x="T6" y="T7"/>
+              </a:cxn>
+              <a:cxn ang="0">
+                <a:pos x="T8" y="T9"/>
+              </a:cxn>
+            </a:cxnLst>
+            <a:rect l="0" t="0" r="r" b="b"/>
+            <a:pathLst>
+              <a:path w="106" h="1114">
+                <a:moveTo>
+                  <a:pt x="106" y="1114"/>
+                </a:moveTo>
+                <a:lnTo>
+                  <a:pt x="0" y="1005"/>
+                </a:lnTo>
+                <a:lnTo>
+                  <a:pt x="0" y="0"/>
+                </a:lnTo>
+                <a:lnTo>
+                  <a:pt x="106" y="110"/>
+                </a:lnTo>
+                <a:lnTo>
+                  <a:pt x="106" y="1114"/>
+                </a:lnTo>
+                <a:close/>
+              </a:path>
+            </a:pathLst>
+          </a:custGeom>
+          <a:solidFill>
+            <a:schemeClr val="accent1">
+              <a:lumMod val="50000"/>
+            </a:schemeClr>
+          </a:solidFill>
+          <a:ln>
+            <a:noFill/>
+          </a:ln>
+        </p:spPr>
+        <p:txBody>
+          <a:bodyPr vert="horz" wrap="square" lIns="91440" tIns="45720" rIns="91440" bIns="45720" numCol="1" anchor="t" anchorCtr="0" compatLnSpc="1">
+            <a:prstTxWarp prst="textNoShape">
+              <a:avLst/>
+            </a:prstTxWarp>
+          </a:bodyPr>
+          <a:lstStyle/>
+          <a:p>
+            <a:endParaRPr lang="en-US"/>
+          </a:p>
+        </p:txBody>
+      </p:sp>
+      <p:sp>
+        <p:nvSpPr>
+          <p:cNvPr id="31" name="Freeform 44">
+            <a:extLst>
+              <a:ext uri="{FF2B5EF4-FFF2-40B4-BE49-F238E27FC236}">
+                <a16:creationId xmlns:a16="http://schemas.microsoft.com/office/drawing/2014/main" id="{7A62E32F-BB65-43A8-8EB5-92346890E549}"/>
+              </a:ext>
+              <a:ext uri="{C183D7F6-B498-43B3-948B-1728B52AA6E4}">
+                <adec:decorative xmlns:adec="http://schemas.microsoft.com/office/drawing/2017/decorative" val="1"/>
+              </a:ext>
+            </a:extLst>
+          </p:cNvPr>
+          <p:cNvSpPr>
+            <a:spLocks noGrp="1" noRot="1" noChangeAspect="1" noMove="1" noResize="1" noEditPoints="1" noAdjustHandles="1" noChangeArrowheads="1" noChangeShapeType="1" noTextEdit="1"/>
+          </p:cNvSpPr>
+          <p:nvPr>
+            <p:extLst>
+              <p:ext uri="{386F3935-93C4-4BCD-93E2-E3B085C9AB24}">
+                <p16:designElem xmlns:p16="http://schemas.microsoft.com/office/powerpoint/2015/main" val="1"/>
+              </p:ext>
+            </p:extLst>
+          </p:nvPr>
+        </p:nvSpPr>
+        <p:spPr bwMode="auto">
+          <a:xfrm>
+            <a:off x="11223203" y="635716"/>
+            <a:ext cx="328612" cy="1742360"/>
+          </a:xfrm>
+          <a:custGeom>
+            <a:avLst/>
+            <a:gdLst>
+              <a:gd name="T0" fmla="*/ 207 w 207"/>
+              <a:gd name="T1" fmla="*/ 987 h 1114"/>
+              <a:gd name="T2" fmla="*/ 0 w 207"/>
+              <a:gd name="T3" fmla="*/ 1114 h 1114"/>
+              <a:gd name="T4" fmla="*/ 0 w 207"/>
+              <a:gd name="T5" fmla="*/ 127 h 1114"/>
+              <a:gd name="T6" fmla="*/ 207 w 207"/>
+              <a:gd name="T7" fmla="*/ 0 h 1114"/>
+              <a:gd name="T8" fmla="*/ 207 w 207"/>
+              <a:gd name="T9" fmla="*/ 987 h 1114"/>
+            </a:gdLst>
+            <a:ahLst/>
+            <a:cxnLst>
+              <a:cxn ang="0">
+                <a:pos x="T0" y="T1"/>
+              </a:cxn>
+              <a:cxn ang="0">
+                <a:pos x="T2" y="T3"/>
+              </a:cxn>
+              <a:cxn ang="0">
+                <a:pos x="T4" y="T5"/>
+              </a:cxn>
+              <a:cxn ang="0">
+                <a:pos x="T6" y="T7"/>
+              </a:cxn>
+              <a:cxn ang="0">
+                <a:pos x="T8" y="T9"/>
+              </a:cxn>
+            </a:cxnLst>
+            <a:rect l="0" t="0" r="r" b="b"/>
+            <a:pathLst>
+              <a:path w="207" h="1114">
+                <a:moveTo>
+                  <a:pt x="207" y="987"/>
+                </a:moveTo>
+                <a:lnTo>
+                  <a:pt x="0" y="1114"/>
+                </a:lnTo>
+                <a:lnTo>
+                  <a:pt x="0" y="127"/>
+                </a:lnTo>
+                <a:lnTo>
+                  <a:pt x="207" y="0"/>
+                </a:lnTo>
+                <a:lnTo>
+                  <a:pt x="207" y="987"/>
+                </a:lnTo>
+                <a:close/>
+              </a:path>
+            </a:pathLst>
+          </a:custGeom>
+          <a:solidFill>
+            <a:schemeClr val="accent1">
+              <a:lumMod val="50000"/>
+            </a:schemeClr>
+          </a:solidFill>
+          <a:ln>
+            <a:noFill/>
+          </a:ln>
+        </p:spPr>
+        <p:txBody>
+          <a:bodyPr vert="horz" wrap="square" lIns="91440" tIns="45720" rIns="91440" bIns="45720" numCol="1" anchor="t" anchorCtr="0" compatLnSpc="1">
+            <a:prstTxWarp prst="textNoShape">
+              <a:avLst/>
+            </a:prstTxWarp>
+          </a:bodyPr>
+          <a:lstStyle/>
+          <a:p>
+            <a:endParaRPr lang="en-US"/>
+          </a:p>
+        </p:txBody>
+      </p:sp>
+      <p:sp>
+        <p:nvSpPr>
+          <p:cNvPr id="33" name="Rectangle 32">
+            <a:extLst>
+              <a:ext uri="{FF2B5EF4-FFF2-40B4-BE49-F238E27FC236}">
+                <a16:creationId xmlns:a16="http://schemas.microsoft.com/office/drawing/2014/main" id="{14E91B64-9FCC-451E-AFB4-A827D6329367}"/>
+              </a:ext>
+              <a:ext uri="{C183D7F6-B498-43B3-948B-1728B52AA6E4}">
+                <adec:decorative xmlns:adec="http://schemas.microsoft.com/office/drawing/2017/decorative" val="1"/>
+              </a:ext>
+            </a:extLst>
+          </p:cNvPr>
+          <p:cNvSpPr>
+            <a:spLocks noGrp="1" noRot="1" noChangeAspect="1" noMove="1" noResize="1" noEditPoints="1" noAdjustHandles="1" noChangeArrowheads="1" noChangeShapeType="1" noTextEdit="1"/>
+          </p:cNvSpPr>
+          <p:nvPr>
+            <p:extLst>
+              <p:ext uri="{386F3935-93C4-4BCD-93E2-E3B085C9AB24}">
+                <p16:designElem xmlns:p16="http://schemas.microsoft.com/office/powerpoint/2015/main" val="1"/>
+              </p:ext>
+            </p:extLst>
+          </p:nvPr>
+        </p:nvSpPr>
+        <p:spPr bwMode="auto">
+          <a:xfrm>
+            <a:off x="644055" y="635715"/>
+            <a:ext cx="10907863" cy="1541457"/>
+          </a:xfrm>
+          <a:prstGeom prst="rect">
+            <a:avLst/>
+          </a:prstGeom>
+          <a:solidFill>
+            <a:schemeClr val="accent1"/>
+          </a:solidFill>
+          <a:ln>
+            <a:noFill/>
+          </a:ln>
+        </p:spPr>
+        <p:txBody>
+          <a:bodyPr vert="horz" wrap="square" lIns="91440" tIns="45720" rIns="91440" bIns="45720" numCol="1" anchor="t" anchorCtr="0" compatLnSpc="1">
+            <a:prstTxWarp prst="textNoShape">
+              <a:avLst/>
+            </a:prstTxWarp>
+          </a:bodyPr>
+          <a:lstStyle/>
+          <a:p>
+            <a:endParaRPr lang="en-US"/>
+          </a:p>
+        </p:txBody>
+      </p:sp>
       <p:sp>
         <p:nvSpPr>
           <p:cNvPr id="2" name="Title 1">
@@ -3765,18 +7822,22 @@
         </p:nvSpPr>
         <p:spPr>
           <a:xfrm>
-            <a:off x="808638" y="386930"/>
-            <a:ext cx="9236700" cy="1188950"/>
+            <a:off x="958506" y="800392"/>
+            <a:ext cx="10264697" cy="1212102"/>
           </a:xfrm>
         </p:spPr>
         <p:txBody>
-          <a:bodyPr anchor="b">
+          <a:bodyPr>
             <a:normAutofit/>
           </a:bodyPr>
           <a:lstStyle/>
           <a:p>
             <a:r>
-              <a:rPr lang="en-US" sz="5400"/>
+              <a:rPr lang="en-US" sz="4000">
+                <a:solidFill>
+                  <a:srgbClr val="FFFFFF"/>
+                </a:solidFill>
+              </a:rPr>
               <a:t>Approach</a:t>
             </a:r>
           </a:p>
@@ -3800,8 +7861,8 @@
         </p:nvSpPr>
         <p:spPr>
           <a:xfrm>
-            <a:off x="793660" y="2599509"/>
-            <a:ext cx="10143668" cy="3435531"/>
+            <a:off x="1367624" y="2490436"/>
+            <a:ext cx="9708995" cy="3567173"/>
           </a:xfrm>
         </p:spPr>
         <p:txBody>
@@ -3810,31 +7871,32 @@
           </a:bodyPr>
           <a:lstStyle/>
           <a:p>
-            <a:endParaRPr lang="en-US" sz="2400" dirty="0"/>
+            <a:endParaRPr lang="en-US" sz="2400"/>
           </a:p>
           <a:p>
             <a:r>
-              <a:rPr lang="en-US" sz="2400" dirty="0"/>
+              <a:rPr lang="en-US" sz="2400"/>
               <a:t>Training set 1: raw, imbalanced training set </a:t>
             </a:r>
           </a:p>
           <a:p>
             <a:r>
-              <a:rPr lang="en-US" sz="2400" dirty="0"/>
+              <a:rPr lang="en-US" sz="2400"/>
               <a:t>Training set 2: balanced training set by under-sampling genuine reviews to the number of fake reviews </a:t>
             </a:r>
           </a:p>
           <a:p>
             <a:r>
-              <a:rPr lang="en-US" sz="2400" dirty="0"/>
+              <a:rPr lang="en-US" sz="2400"/>
               <a:t>Training set 3: balanced training set by over-sampling fake reviews with replacement to the number of genuine reviews </a:t>
             </a:r>
           </a:p>
           <a:p>
             <a:r>
-              <a:rPr lang="en-US" sz="2400" dirty="0"/>
-              <a:t>Training set 4: balanced training set by including generated fake reviews per Table II</a:t>
+              <a:rPr lang="en-US" sz="2400"/>
+              <a:t>Training set 4: balanced training set by including generated fake reviews</a:t>
             </a:r>
+            <a:endParaRPr lang="en-US" sz="2400" dirty="0"/>
           </a:p>
         </p:txBody>
       </p:sp>
@@ -3878,10 +7940,10 @@
       </p:grpSpPr>
       <p:sp>
         <p:nvSpPr>
-          <p:cNvPr id="10" name="Down Arrow 7">
+          <p:cNvPr id="15" name="Flowchart: Document 14">
             <a:extLst>
               <a:ext uri="{FF2B5EF4-FFF2-40B4-BE49-F238E27FC236}">
-                <a16:creationId xmlns:a16="http://schemas.microsoft.com/office/drawing/2014/main" id="{D4771268-CB57-404A-9271-370EB28F6090}"/>
+                <a16:creationId xmlns:a16="http://schemas.microsoft.com/office/drawing/2014/main" id="{D12DDE76-C203-4047-9998-63900085B5E8}"/>
               </a:ext>
               <a:ext uri="{C183D7F6-B498-43B3-948B-1728B52AA6E4}">
                 <adec:decorative xmlns:adec="http://schemas.microsoft.com/office/drawing/2017/decorative" val="1"/>
@@ -3900,20 +7962,17 @@
           </p:nvPr>
         </p:nvSpPr>
         <p:spPr>
-          <a:xfrm rot="16200000">
-            <a:off x="800100" y="1491343"/>
-            <a:ext cx="3333749" cy="3499103"/>
+          <a:xfrm>
+            <a:off x="638175" y="0"/>
+            <a:ext cx="3248025" cy="3400426"/>
           </a:xfrm>
-          <a:prstGeom prst="downArrow">
-            <a:avLst>
-              <a:gd name="adj1" fmla="val 100000"/>
-              <a:gd name="adj2" fmla="val 15788"/>
-            </a:avLst>
+          <a:prstGeom prst="flowChartDocument">
+            <a:avLst/>
           </a:prstGeom>
           <a:solidFill>
-            <a:srgbClr val="404040"/>
+            <a:schemeClr val="accent1"/>
           </a:solidFill>
-          <a:ln w="53975">
+          <a:ln>
             <a:noFill/>
           </a:ln>
         </p:spPr>
@@ -3960,10 +8019,9 @@
         </p:nvSpPr>
         <p:spPr>
           <a:xfrm>
-            <a:off x="1028700" y="1967266"/>
-            <a:ext cx="2628900" cy="2547257"/>
+            <a:off x="838200" y="171162"/>
+            <a:ext cx="2840182" cy="2371148"/>
           </a:xfrm>
-          <a:noFill/>
         </p:spPr>
         <p:txBody>
           <a:bodyPr vert="horz" lIns="91440" tIns="45720" rIns="91440" bIns="45720" rtlCol="0" anchor="ctr">
@@ -3971,9 +8029,8 @@
           </a:bodyPr>
           <a:lstStyle/>
           <a:p>
-            <a:pPr algn="ctr"/>
             <a:r>
-              <a:rPr lang="en-US" sz="3600" kern="1200">
+              <a:rPr lang="en-US" sz="3200" kern="1200">
                 <a:solidFill>
                   <a:srgbClr val="FFFFFF"/>
                 </a:solidFill>
@@ -4010,8 +8067,8 @@
         </p:blipFill>
         <p:spPr>
           <a:xfrm>
-            <a:off x="5668695" y="643466"/>
-            <a:ext cx="4997941" cy="5568739"/>
+            <a:off x="5378208" y="640080"/>
+            <a:ext cx="5006986" cy="5578816"/>
           </a:xfrm>
           <a:prstGeom prst="rect">
             <a:avLst/>
@@ -4034,6 +8091,14 @@
 <file path=ppt/slides/slide13.xml><?xml version="1.0" encoding="utf-8"?>
 <p:sld xmlns:a="http://schemas.openxmlformats.org/drawingml/2006/main" xmlns:r="http://schemas.openxmlformats.org/officeDocument/2006/relationships" xmlns:p="http://schemas.openxmlformats.org/presentationml/2006/main">
   <p:cSld>
+    <p:bg>
+      <p:bgPr>
+        <a:solidFill>
+          <a:schemeClr val="bg1"/>
+        </a:solidFill>
+        <a:effectLst/>
+      </p:bgPr>
+    </p:bg>
     <p:spTree>
       <p:nvGrpSpPr>
         <p:cNvPr id="1" name=""/>
@@ -4048,6 +8113,66 @@
           <a:chExt cx="0" cy="0"/>
         </a:xfrm>
       </p:grpSpPr>
+      <p:sp useBgFill="1">
+        <p:nvSpPr>
+          <p:cNvPr id="13" name="Rectangle 7">
+            <a:extLst>
+              <a:ext uri="{FF2B5EF4-FFF2-40B4-BE49-F238E27FC236}">
+                <a16:creationId xmlns:a16="http://schemas.microsoft.com/office/drawing/2014/main" id="{DBF61EA3-B236-439E-9C0B-340980D56BEE}"/>
+              </a:ext>
+              <a:ext uri="{C183D7F6-B498-43B3-948B-1728B52AA6E4}">
+                <adec:decorative xmlns:adec="http://schemas.microsoft.com/office/drawing/2017/decorative" val="1"/>
+              </a:ext>
+            </a:extLst>
+          </p:cNvPr>
+          <p:cNvSpPr>
+            <a:spLocks noGrp="1" noRot="1" noChangeAspect="1" noMove="1" noResize="1" noEditPoints="1" noAdjustHandles="1" noChangeArrowheads="1" noChangeShapeType="1" noTextEdit="1"/>
+          </p:cNvSpPr>
+          <p:nvPr>
+            <p:extLst>
+              <p:ext uri="{386F3935-93C4-4BCD-93E2-E3B085C9AB24}">
+                <p16:designElem xmlns:p16="http://schemas.microsoft.com/office/powerpoint/2015/main" val="1"/>
+              </p:ext>
+            </p:extLst>
+          </p:nvPr>
+        </p:nvSpPr>
+        <p:spPr>
+          <a:xfrm>
+            <a:off x="0" y="0"/>
+            <a:ext cx="12191999" cy="6857365"/>
+          </a:xfrm>
+          <a:prstGeom prst="rect">
+            <a:avLst/>
+          </a:prstGeom>
+          <a:ln>
+            <a:noFill/>
+          </a:ln>
+        </p:spPr>
+        <p:style>
+          <a:lnRef idx="2">
+            <a:schemeClr val="accent1">
+              <a:shade val="50000"/>
+            </a:schemeClr>
+          </a:lnRef>
+          <a:fillRef idx="1">
+            <a:schemeClr val="accent1"/>
+          </a:fillRef>
+          <a:effectRef idx="0">
+            <a:schemeClr val="accent1"/>
+          </a:effectRef>
+          <a:fontRef idx="minor">
+            <a:schemeClr val="lt1"/>
+          </a:fontRef>
+        </p:style>
+        <p:txBody>
+          <a:bodyPr rtlCol="0" anchor="ctr"/>
+          <a:lstStyle/>
+          <a:p>
+            <a:pPr algn="ctr"/>
+            <a:endParaRPr lang="en-US"/>
+          </a:p>
+        </p:txBody>
+      </p:sp>
       <p:sp>
         <p:nvSpPr>
           <p:cNvPr id="2" name="Title 1">
@@ -4064,15 +8189,246 @@
             <p:ph type="title"/>
           </p:nvPr>
         </p:nvSpPr>
-        <p:spPr/>
+        <p:spPr>
+          <a:xfrm>
+            <a:off x="808638" y="386930"/>
+            <a:ext cx="9236700" cy="1188950"/>
+          </a:xfrm>
+        </p:spPr>
         <p:txBody>
-          <a:bodyPr/>
+          <a:bodyPr anchor="b">
+            <a:normAutofit/>
+          </a:bodyPr>
           <a:lstStyle/>
           <a:p>
             <a:r>
-              <a:rPr lang="en-US" dirty="0"/>
+              <a:rPr lang="en-US" sz="5400" dirty="0"/>
               <a:t>Future Works</a:t>
             </a:r>
+          </a:p>
+        </p:txBody>
+      </p:sp>
+      <p:grpSp>
+        <p:nvGrpSpPr>
+          <p:cNvPr id="15" name="Group 9">
+            <a:extLst>
+              <a:ext uri="{FF2B5EF4-FFF2-40B4-BE49-F238E27FC236}">
+                <a16:creationId xmlns:a16="http://schemas.microsoft.com/office/drawing/2014/main" id="{28FAF094-D087-493F-8DF9-A486C2D6BBAA}"/>
+              </a:ext>
+              <a:ext uri="{C183D7F6-B498-43B3-948B-1728B52AA6E4}">
+                <adec:decorative xmlns:adec="http://schemas.microsoft.com/office/drawing/2017/decorative" val="1"/>
+              </a:ext>
+            </a:extLst>
+          </p:cNvPr>
+          <p:cNvGrpSpPr>
+            <a:grpSpLocks noGrp="1" noUngrp="1" noRot="1" noChangeAspect="1" noMove="1" noResize="1"/>
+          </p:cNvGrpSpPr>
+          <p:nvPr>
+            <p:extLst>
+              <p:ext uri="{386F3935-93C4-4BCD-93E2-E3B085C9AB24}">
+                <p16:designElem xmlns:p16="http://schemas.microsoft.com/office/powerpoint/2015/main" val="1"/>
+              </p:ext>
+            </p:extLst>
+          </p:nvPr>
+        </p:nvGrpSpPr>
+        <p:grpSpPr>
+          <a:xfrm>
+            <a:off x="-2" y="1998368"/>
+            <a:ext cx="11695083" cy="782176"/>
+            <a:chOff x="-2" y="1998368"/>
+            <a:chExt cx="11695083" cy="782176"/>
+          </a:xfrm>
+        </p:grpSpPr>
+        <p:sp>
+          <p:nvSpPr>
+            <p:cNvPr id="11" name="Rectangle 10">
+              <a:extLst>
+                <a:ext uri="{FF2B5EF4-FFF2-40B4-BE49-F238E27FC236}">
+                  <a16:creationId xmlns:a16="http://schemas.microsoft.com/office/drawing/2014/main" id="{8D7C88D8-5509-4514-925A-9CE148E5CBD6}"/>
+                </a:ext>
+                <a:ext uri="{C183D7F6-B498-43B3-948B-1728B52AA6E4}">
+                  <adec:decorative xmlns:adec="http://schemas.microsoft.com/office/drawing/2017/decorative" val="1"/>
+                </a:ext>
+              </a:extLst>
+            </p:cNvPr>
+            <p:cNvSpPr/>
+            <p:nvPr>
+              <p:extLst>
+                <p:ext uri="{386F3935-93C4-4BCD-93E2-E3B085C9AB24}">
+                  <p16:designElem xmlns:p16="http://schemas.microsoft.com/office/powerpoint/2015/main" val="1"/>
+                </p:ext>
+              </p:extLst>
+            </p:nvPr>
+          </p:nvSpPr>
+          <p:spPr>
+            <a:xfrm rot="5400000">
+              <a:off x="11228040" y="2313027"/>
+              <a:ext cx="781700" cy="152382"/>
+            </a:xfrm>
+            <a:prstGeom prst="rect">
+              <a:avLst/>
+            </a:prstGeom>
+            <a:solidFill>
+              <a:schemeClr val="accent4"/>
+            </a:solidFill>
+            <a:ln>
+              <a:noFill/>
+            </a:ln>
+          </p:spPr>
+          <p:style>
+            <a:lnRef idx="2">
+              <a:schemeClr val="accent1">
+                <a:shade val="50000"/>
+              </a:schemeClr>
+            </a:lnRef>
+            <a:fillRef idx="1">
+              <a:schemeClr val="accent1"/>
+            </a:fillRef>
+            <a:effectRef idx="0">
+              <a:schemeClr val="accent1"/>
+            </a:effectRef>
+            <a:fontRef idx="minor">
+              <a:schemeClr val="lt1"/>
+            </a:fontRef>
+          </p:style>
+          <p:txBody>
+            <a:bodyPr rtlCol="0" anchor="ctr"/>
+            <a:lstStyle/>
+            <a:p>
+              <a:pPr algn="ctr"/>
+              <a:endParaRPr lang="en-US"/>
+            </a:p>
+          </p:txBody>
+        </p:sp>
+        <p:sp>
+          <p:nvSpPr>
+            <p:cNvPr id="12" name="Rectangle 11">
+              <a:extLst>
+                <a:ext uri="{FF2B5EF4-FFF2-40B4-BE49-F238E27FC236}">
+                  <a16:creationId xmlns:a16="http://schemas.microsoft.com/office/drawing/2014/main" id="{7275593D-F75E-4426-AE3E-2CDEFD228D25}"/>
+                </a:ext>
+                <a:ext uri="{C183D7F6-B498-43B3-948B-1728B52AA6E4}">
+                  <adec:decorative xmlns:adec="http://schemas.microsoft.com/office/drawing/2017/decorative" val="1"/>
+                </a:ext>
+              </a:extLst>
+            </p:cNvPr>
+            <p:cNvSpPr/>
+            <p:nvPr>
+              <p:extLst>
+                <p:ext uri="{386F3935-93C4-4BCD-93E2-E3B085C9AB24}">
+                  <p16:designElem xmlns:p16="http://schemas.microsoft.com/office/powerpoint/2015/main" val="1"/>
+                </p:ext>
+              </p:extLst>
+            </p:nvPr>
+          </p:nvSpPr>
+          <p:spPr>
+            <a:xfrm flipH="1" flipV="1">
+              <a:off x="-2" y="1998845"/>
+              <a:ext cx="11454595" cy="781699"/>
+            </a:xfrm>
+            <a:prstGeom prst="rect">
+              <a:avLst/>
+            </a:prstGeom>
+            <a:solidFill>
+              <a:schemeClr val="accent4"/>
+            </a:solidFill>
+            <a:ln>
+              <a:noFill/>
+            </a:ln>
+          </p:spPr>
+          <p:style>
+            <a:lnRef idx="2">
+              <a:schemeClr val="accent1">
+                <a:shade val="50000"/>
+              </a:schemeClr>
+            </a:lnRef>
+            <a:fillRef idx="1">
+              <a:schemeClr val="accent1"/>
+            </a:fillRef>
+            <a:effectRef idx="0">
+              <a:schemeClr val="accent1"/>
+            </a:effectRef>
+            <a:fontRef idx="minor">
+              <a:schemeClr val="lt1"/>
+            </a:fontRef>
+          </p:style>
+          <p:txBody>
+            <a:bodyPr rtlCol="0" anchor="ctr"/>
+            <a:lstStyle/>
+            <a:p>
+              <a:pPr algn="ctr"/>
+              <a:endParaRPr lang="en-US"/>
+            </a:p>
+          </p:txBody>
+        </p:sp>
+      </p:grpSp>
+      <p:sp>
+        <p:nvSpPr>
+          <p:cNvPr id="14" name="Rectangle 13">
+            <a:extLst>
+              <a:ext uri="{FF2B5EF4-FFF2-40B4-BE49-F238E27FC236}">
+                <a16:creationId xmlns:a16="http://schemas.microsoft.com/office/drawing/2014/main" id="{E659831F-0D9A-4C63-9EBB-8435B85A440F}"/>
+              </a:ext>
+              <a:ext uri="{C183D7F6-B498-43B3-948B-1728B52AA6E4}">
+                <adec:decorative xmlns:adec="http://schemas.microsoft.com/office/drawing/2017/decorative" val="1"/>
+              </a:ext>
+            </a:extLst>
+          </p:cNvPr>
+          <p:cNvSpPr>
+            <a:spLocks noGrp="1" noRot="1" noChangeAspect="1" noMove="1" noResize="1" noEditPoints="1" noAdjustHandles="1" noChangeArrowheads="1" noChangeShapeType="1" noTextEdit="1"/>
+          </p:cNvSpPr>
+          <p:nvPr>
+            <p:extLst>
+              <p:ext uri="{386F3935-93C4-4BCD-93E2-E3B085C9AB24}">
+                <p16:designElem xmlns:p16="http://schemas.microsoft.com/office/powerpoint/2015/main" val="1"/>
+              </p:ext>
+            </p:extLst>
+          </p:nvPr>
+        </p:nvSpPr>
+        <p:spPr>
+          <a:xfrm>
+            <a:off x="0" y="2203079"/>
+            <a:ext cx="11383362" cy="4147845"/>
+          </a:xfrm>
+          <a:prstGeom prst="rect">
+            <a:avLst/>
+          </a:prstGeom>
+          <a:solidFill>
+            <a:schemeClr val="bg1"/>
+          </a:solidFill>
+          <a:ln>
+            <a:noFill/>
+          </a:ln>
+          <a:effectLst>
+            <a:outerShdw blurRad="139700" dist="127000" dir="5400000" algn="t" rotWithShape="0">
+              <a:prstClr val="black">
+                <a:alpha val="15000"/>
+              </a:prstClr>
+            </a:outerShdw>
+          </a:effectLst>
+        </p:spPr>
+        <p:style>
+          <a:lnRef idx="2">
+            <a:schemeClr val="accent1">
+              <a:shade val="50000"/>
+            </a:schemeClr>
+          </a:lnRef>
+          <a:fillRef idx="1">
+            <a:schemeClr val="accent1"/>
+          </a:fillRef>
+          <a:effectRef idx="0">
+            <a:schemeClr val="accent1"/>
+          </a:effectRef>
+          <a:fontRef idx="minor">
+            <a:schemeClr val="lt1"/>
+          </a:fontRef>
+        </p:style>
+        <p:txBody>
+          <a:bodyPr rtlCol="0" anchor="ctr"/>
+          <a:lstStyle/>
+          <a:p>
+            <a:pPr algn="ctr"/>
+            <a:endParaRPr lang="en-US"/>
           </a:p>
         </p:txBody>
       </p:sp>
@@ -4092,30 +8448,47 @@
             <p:ph idx="1"/>
           </p:nvPr>
         </p:nvSpPr>
-        <p:spPr/>
+        <p:spPr>
+          <a:xfrm>
+            <a:off x="793660" y="2599509"/>
+            <a:ext cx="10143668" cy="3435531"/>
+          </a:xfrm>
+        </p:spPr>
         <p:txBody>
-          <a:bodyPr/>
+          <a:bodyPr anchor="ctr">
+            <a:normAutofit/>
+          </a:bodyPr>
           <a:lstStyle/>
           <a:p>
             <a:r>
-              <a:rPr lang="en-US" dirty="0" err="1"/>
+              <a:rPr lang="en-US" sz="2400"/>
               <a:t>XLNet</a:t>
             </a:r>
-            <a:endParaRPr lang="en-US" dirty="0"/>
           </a:p>
           <a:p>
             <a:pPr lvl="1"/>
             <a:r>
-              <a:rPr lang="en-US" dirty="0"/>
+              <a:rPr lang="en-US"/>
+              <a:t>auto-regressive language model</a:t>
+            </a:r>
+          </a:p>
+          <a:p>
+            <a:pPr lvl="1"/>
+            <a:r>
+              <a:rPr lang="en-US"/>
               <a:t>Computation heavy</a:t>
             </a:r>
           </a:p>
           <a:p>
             <a:pPr lvl="1"/>
             <a:r>
-              <a:rPr lang="en-US" dirty="0"/>
-              <a:t>Permutation based</a:t>
+              <a:rPr lang="en-US"/>
+              <a:t>All permutations of word tokens in a sentence as opposed to just those to the left or just those to the right of the target token.</a:t>
             </a:r>
+            <a:br>
+              <a:rPr lang="en-US"/>
+            </a:br>
+            <a:endParaRPr lang="en-US" dirty="0"/>
           </a:p>
         </p:txBody>
       </p:sp>
@@ -6836,6 +11209,14 @@
 <file path=ppt/slides/slide3.xml><?xml version="1.0" encoding="utf-8"?>
 <p:sld xmlns:a="http://schemas.openxmlformats.org/drawingml/2006/main" xmlns:r="http://schemas.openxmlformats.org/officeDocument/2006/relationships" xmlns:p="http://schemas.openxmlformats.org/presentationml/2006/main">
   <p:cSld>
+    <p:bg>
+      <p:bgPr>
+        <a:solidFill>
+          <a:schemeClr val="bg1"/>
+        </a:solidFill>
+        <a:effectLst/>
+      </p:bgPr>
+    </p:bg>
     <p:spTree>
       <p:nvGrpSpPr>
         <p:cNvPr id="1" name=""/>
@@ -6866,9 +11247,16 @@
             <p:ph type="title"/>
           </p:nvPr>
         </p:nvSpPr>
-        <p:spPr/>
+        <p:spPr>
+          <a:xfrm>
+            <a:off x="4965430" y="629268"/>
+            <a:ext cx="6586491" cy="1286160"/>
+          </a:xfrm>
+        </p:spPr>
         <p:txBody>
-          <a:bodyPr/>
+          <a:bodyPr anchor="b">
+            <a:normAutofit/>
+          </a:bodyPr>
           <a:lstStyle/>
           <a:p>
             <a:r>
@@ -6894,30 +11282,119 @@
             <p:ph idx="1"/>
           </p:nvPr>
         </p:nvSpPr>
-        <p:spPr/>
+        <p:spPr>
+          <a:xfrm>
+            <a:off x="4965431" y="2438400"/>
+            <a:ext cx="6586489" cy="3785419"/>
+          </a:xfrm>
+        </p:spPr>
         <p:txBody>
-          <a:bodyPr/>
+          <a:bodyPr>
+            <a:normAutofit/>
+          </a:bodyPr>
           <a:lstStyle/>
           <a:p>
             <a:r>
-              <a:rPr lang="en-US" dirty="0"/>
+              <a:rPr lang="en-US" sz="2000"/>
               <a:t>What is online fake review detection?</a:t>
             </a:r>
           </a:p>
           <a:p>
             <a:r>
-              <a:rPr lang="en-US" dirty="0"/>
+              <a:rPr lang="en-US" sz="2000"/>
               <a:t>What are the impacts of fake reviews?</a:t>
             </a:r>
           </a:p>
           <a:p>
             <a:r>
-              <a:rPr lang="en-US" dirty="0"/>
+              <a:rPr lang="en-US" sz="2000"/>
               <a:t>What is our dataset?</a:t>
             </a:r>
           </a:p>
         </p:txBody>
       </p:sp>
+      <p:pic>
+        <p:nvPicPr>
+          <p:cNvPr id="5" name="Picture 4" descr="Light bulb on yellow background with sketched light beams and cord">
+            <a:extLst>
+              <a:ext uri="{FF2B5EF4-FFF2-40B4-BE49-F238E27FC236}">
+                <a16:creationId xmlns:a16="http://schemas.microsoft.com/office/drawing/2014/main" id="{A83849EB-8EC8-46E0-95FA-4205563AA99C}"/>
+              </a:ext>
+            </a:extLst>
+          </p:cNvPr>
+          <p:cNvPicPr>
+            <a:picLocks noChangeAspect="1"/>
+          </p:cNvPicPr>
+          <p:nvPr/>
+        </p:nvPicPr>
+        <p:blipFill rotWithShape="1">
+          <a:blip r:embed="rId2"/>
+          <a:srcRect l="51344" r="7086"/>
+          <a:stretch/>
+        </p:blipFill>
+        <p:spPr>
+          <a:xfrm>
+            <a:off x="20" y="10"/>
+            <a:ext cx="4635571" cy="6857990"/>
+          </a:xfrm>
+          <a:prstGeom prst="rect">
+            <a:avLst/>
+          </a:prstGeom>
+          <a:effectLst/>
+        </p:spPr>
+      </p:pic>
+      <p:cxnSp>
+        <p:nvCxnSpPr>
+          <p:cNvPr id="9" name="Straight Connector 8">
+            <a:extLst>
+              <a:ext uri="{FF2B5EF4-FFF2-40B4-BE49-F238E27FC236}">
+                <a16:creationId xmlns:a16="http://schemas.microsoft.com/office/drawing/2014/main" id="{A7F400EE-A8A5-48AF-B4D6-291B52C6F0B0}"/>
+              </a:ext>
+              <a:ext uri="{C183D7F6-B498-43B3-948B-1728B52AA6E4}">
+                <adec:decorative xmlns:adec="http://schemas.microsoft.com/office/drawing/2017/decorative" val="1"/>
+              </a:ext>
+            </a:extLst>
+          </p:cNvPr>
+          <p:cNvCxnSpPr>
+            <a:cxnSpLocks noGrp="1" noRot="1" noChangeAspect="1" noMove="1" noResize="1" noEditPoints="1" noAdjustHandles="1" noChangeArrowheads="1" noChangeShapeType="1"/>
+          </p:cNvCxnSpPr>
+          <p:nvPr>
+            <p:extLst>
+              <p:ext uri="{386F3935-93C4-4BCD-93E2-E3B085C9AB24}">
+                <p16:designElem xmlns:p16="http://schemas.microsoft.com/office/powerpoint/2015/main" val="1"/>
+              </p:ext>
+            </p:extLst>
+          </p:nvPr>
+        </p:nvCxnSpPr>
+        <p:spPr>
+          <a:xfrm>
+            <a:off x="5080934" y="2115117"/>
+            <a:ext cx="6309360" cy="0"/>
+          </a:xfrm>
+          <a:prstGeom prst="line">
+            <a:avLst/>
+          </a:prstGeom>
+          <a:ln w="19050">
+            <a:solidFill>
+              <a:srgbClr val="F5E835"/>
+            </a:solidFill>
+          </a:ln>
+        </p:spPr>
+        <p:style>
+          <a:lnRef idx="1">
+            <a:schemeClr val="accent1"/>
+          </a:lnRef>
+          <a:fillRef idx="0">
+            <a:schemeClr val="accent1"/>
+          </a:fillRef>
+          <a:effectRef idx="0">
+            <a:schemeClr val="accent1"/>
+          </a:effectRef>
+          <a:fontRef idx="minor">
+            <a:schemeClr val="tx1"/>
+          </a:fontRef>
+        </p:style>
+      </p:cxnSp>
     </p:spTree>
     <p:extLst>
       <p:ext uri="{BB962C8B-B14F-4D97-AF65-F5344CB8AC3E}">
@@ -8741,6 +13218,14 @@
 <file path=ppt/slides/slide8.xml><?xml version="1.0" encoding="utf-8"?>
 <p:sld xmlns:a="http://schemas.openxmlformats.org/drawingml/2006/main" xmlns:r="http://schemas.openxmlformats.org/officeDocument/2006/relationships" xmlns:p="http://schemas.openxmlformats.org/presentationml/2006/main">
   <p:cSld>
+    <p:bg>
+      <p:bgPr>
+        <a:solidFill>
+          <a:schemeClr val="bg1"/>
+        </a:solidFill>
+        <a:effectLst/>
+      </p:bgPr>
+    </p:bg>
     <p:spTree>
       <p:nvGrpSpPr>
         <p:cNvPr id="1" name=""/>
@@ -8755,6 +13240,66 @@
           <a:chExt cx="0" cy="0"/>
         </a:xfrm>
       </p:grpSpPr>
+      <p:sp useBgFill="1">
+        <p:nvSpPr>
+          <p:cNvPr id="9" name="Rectangle 8">
+            <a:extLst>
+              <a:ext uri="{FF2B5EF4-FFF2-40B4-BE49-F238E27FC236}">
+                <a16:creationId xmlns:a16="http://schemas.microsoft.com/office/drawing/2014/main" id="{D9A7F3BF-8763-4074-AD77-92790AF314D1}"/>
+              </a:ext>
+              <a:ext uri="{C183D7F6-B498-43B3-948B-1728B52AA6E4}">
+                <adec:decorative xmlns:adec="http://schemas.microsoft.com/office/drawing/2017/decorative" val="1"/>
+              </a:ext>
+            </a:extLst>
+          </p:cNvPr>
+          <p:cNvSpPr>
+            <a:spLocks noGrp="1" noRot="1" noChangeAspect="1" noMove="1" noResize="1" noEditPoints="1" noAdjustHandles="1" noChangeArrowheads="1" noChangeShapeType="1" noTextEdit="1"/>
+          </p:cNvSpPr>
+          <p:nvPr>
+            <p:extLst>
+              <p:ext uri="{386F3935-93C4-4BCD-93E2-E3B085C9AB24}">
+                <p16:designElem xmlns:p16="http://schemas.microsoft.com/office/powerpoint/2015/main" val="1"/>
+              </p:ext>
+            </p:extLst>
+          </p:nvPr>
+        </p:nvSpPr>
+        <p:spPr>
+          <a:xfrm>
+            <a:off x="0" y="0"/>
+            <a:ext cx="12192000" cy="6858000"/>
+          </a:xfrm>
+          <a:prstGeom prst="rect">
+            <a:avLst/>
+          </a:prstGeom>
+          <a:ln>
+            <a:noFill/>
+          </a:ln>
+        </p:spPr>
+        <p:style>
+          <a:lnRef idx="2">
+            <a:schemeClr val="accent1">
+              <a:shade val="50000"/>
+            </a:schemeClr>
+          </a:lnRef>
+          <a:fillRef idx="1">
+            <a:schemeClr val="accent1"/>
+          </a:fillRef>
+          <a:effectRef idx="0">
+            <a:schemeClr val="accent1"/>
+          </a:effectRef>
+          <a:fontRef idx="minor">
+            <a:schemeClr val="lt1"/>
+          </a:fontRef>
+        </p:style>
+        <p:txBody>
+          <a:bodyPr rtlCol="0" anchor="ctr"/>
+          <a:lstStyle/>
+          <a:p>
+            <a:pPr algn="ctr"/>
+            <a:endParaRPr lang="en-US"/>
+          </a:p>
+        </p:txBody>
+      </p:sp>
       <p:sp>
         <p:nvSpPr>
           <p:cNvPr id="2" name="Title 1">
@@ -8771,117 +13316,617 @@
             <p:ph type="title"/>
           </p:nvPr>
         </p:nvSpPr>
-        <p:spPr/>
+        <p:spPr>
+          <a:xfrm>
+            <a:off x="1188069" y="381935"/>
+            <a:ext cx="9356106" cy="1200329"/>
+          </a:xfrm>
+        </p:spPr>
         <p:txBody>
-          <a:bodyPr/>
+          <a:bodyPr anchor="t">
+            <a:normAutofit/>
+          </a:bodyPr>
           <a:lstStyle/>
           <a:p>
             <a:r>
-              <a:rPr lang="en-US" dirty="0"/>
+              <a:rPr lang="en-US" sz="8000"/>
               <a:t>Balancing Dataset</a:t>
             </a:r>
           </a:p>
         </p:txBody>
       </p:sp>
-      <p:sp>
-        <p:nvSpPr>
-          <p:cNvPr id="3" name="Content Placeholder 2">
+      <p:grpSp>
+        <p:nvGrpSpPr>
+          <p:cNvPr id="11" name="Group 10">
             <a:extLst>
               <a:ext uri="{FF2B5EF4-FFF2-40B4-BE49-F238E27FC236}">
-                <a16:creationId xmlns:a16="http://schemas.microsoft.com/office/drawing/2014/main" id="{F893B315-67A5-3149-AE16-2F2E318A3DBB}"/>
+                <a16:creationId xmlns:a16="http://schemas.microsoft.com/office/drawing/2014/main" id="{7A9648D6-B41B-42D0-A817-AE2607B0B5B8}"/>
+              </a:ext>
+              <a:ext uri="{C183D7F6-B498-43B3-948B-1728B52AA6E4}">
+                <adec:decorative xmlns:adec="http://schemas.microsoft.com/office/drawing/2017/decorative" val="1"/>
               </a:ext>
             </a:extLst>
           </p:cNvPr>
-          <p:cNvSpPr>
-            <a:spLocks noGrp="1"/>
-          </p:cNvSpPr>
+          <p:cNvGrpSpPr>
+            <a:grpSpLocks noGrp="1" noUngrp="1" noRot="1" noChangeAspect="1" noMove="1" noResize="1"/>
+          </p:cNvGrpSpPr>
+          <p:nvPr>
+            <p:extLst>
+              <p:ext uri="{386F3935-93C4-4BCD-93E2-E3B085C9AB24}">
+                <p16:designElem xmlns:p16="http://schemas.microsoft.com/office/powerpoint/2015/main" val="1"/>
+              </p:ext>
+            </p:extLst>
+          </p:nvPr>
+        </p:nvGrpSpPr>
+        <p:grpSpPr>
+          <a:xfrm>
+            <a:off x="10994200" y="554152"/>
+            <a:ext cx="574177" cy="1075866"/>
+            <a:chOff x="10994200" y="554152"/>
+            <a:chExt cx="574177" cy="1075866"/>
+          </a:xfrm>
+        </p:grpSpPr>
+        <p:sp>
+          <p:nvSpPr>
+            <p:cNvPr id="12" name="Graphic 11">
+              <a:extLst>
+                <a:ext uri="{FF2B5EF4-FFF2-40B4-BE49-F238E27FC236}">
+                  <a16:creationId xmlns:a16="http://schemas.microsoft.com/office/drawing/2014/main" id="{6CB927A4-E432-4310-9CD5-E89FF5063179}"/>
+                </a:ext>
+                <a:ext uri="{C183D7F6-B498-43B3-948B-1728B52AA6E4}">
+                  <adec:decorative xmlns:adec="http://schemas.microsoft.com/office/drawing/2017/decorative" val="1"/>
+                </a:ext>
+              </a:extLst>
+            </p:cNvPr>
+            <p:cNvSpPr/>
+            <p:nvPr>
+              <p:extLst>
+                <p:ext uri="{386F3935-93C4-4BCD-93E2-E3B085C9AB24}">
+                  <p16:designElem xmlns:p16="http://schemas.microsoft.com/office/powerpoint/2015/main" val="1"/>
+                </p:ext>
+              </p:extLst>
+            </p:nvPr>
+          </p:nvSpPr>
+          <p:spPr>
+            <a:xfrm>
+              <a:off x="11013369" y="554152"/>
+              <a:ext cx="171515" cy="171515"/>
+            </a:xfrm>
+            <a:custGeom>
+              <a:avLst/>
+              <a:gdLst>
+                <a:gd name="connsiteX0" fmla="*/ 159874 w 171515"/>
+                <a:gd name="connsiteY0" fmla="*/ 74116 h 171515"/>
+                <a:gd name="connsiteX1" fmla="*/ 97399 w 171515"/>
+                <a:gd name="connsiteY1" fmla="*/ 74116 h 171515"/>
+                <a:gd name="connsiteX2" fmla="*/ 97399 w 171515"/>
+                <a:gd name="connsiteY2" fmla="*/ 11641 h 171515"/>
+                <a:gd name="connsiteX3" fmla="*/ 85758 w 171515"/>
+                <a:gd name="connsiteY3" fmla="*/ 0 h 171515"/>
+                <a:gd name="connsiteX4" fmla="*/ 74116 w 171515"/>
+                <a:gd name="connsiteY4" fmla="*/ 11641 h 171515"/>
+                <a:gd name="connsiteX5" fmla="*/ 74116 w 171515"/>
+                <a:gd name="connsiteY5" fmla="*/ 74116 h 171515"/>
+                <a:gd name="connsiteX6" fmla="*/ 11641 w 171515"/>
+                <a:gd name="connsiteY6" fmla="*/ 74116 h 171515"/>
+                <a:gd name="connsiteX7" fmla="*/ 0 w 171515"/>
+                <a:gd name="connsiteY7" fmla="*/ 85758 h 171515"/>
+                <a:gd name="connsiteX8" fmla="*/ 11641 w 171515"/>
+                <a:gd name="connsiteY8" fmla="*/ 97399 h 171515"/>
+                <a:gd name="connsiteX9" fmla="*/ 74116 w 171515"/>
+                <a:gd name="connsiteY9" fmla="*/ 97399 h 171515"/>
+                <a:gd name="connsiteX10" fmla="*/ 74116 w 171515"/>
+                <a:gd name="connsiteY10" fmla="*/ 159874 h 171515"/>
+                <a:gd name="connsiteX11" fmla="*/ 85758 w 171515"/>
+                <a:gd name="connsiteY11" fmla="*/ 171515 h 171515"/>
+                <a:gd name="connsiteX12" fmla="*/ 97399 w 171515"/>
+                <a:gd name="connsiteY12" fmla="*/ 159874 h 171515"/>
+                <a:gd name="connsiteX13" fmla="*/ 97399 w 171515"/>
+                <a:gd name="connsiteY13" fmla="*/ 97399 h 171515"/>
+                <a:gd name="connsiteX14" fmla="*/ 159874 w 171515"/>
+                <a:gd name="connsiteY14" fmla="*/ 97399 h 171515"/>
+                <a:gd name="connsiteX15" fmla="*/ 171515 w 171515"/>
+                <a:gd name="connsiteY15" fmla="*/ 85758 h 171515"/>
+                <a:gd name="connsiteX16" fmla="*/ 159874 w 171515"/>
+                <a:gd name="connsiteY16" fmla="*/ 74116 h 171515"/>
+              </a:gdLst>
+              <a:ahLst/>
+              <a:cxnLst>
+                <a:cxn ang="0">
+                  <a:pos x="connsiteX0" y="connsiteY0"/>
+                </a:cxn>
+                <a:cxn ang="0">
+                  <a:pos x="connsiteX1" y="connsiteY1"/>
+                </a:cxn>
+                <a:cxn ang="0">
+                  <a:pos x="connsiteX2" y="connsiteY2"/>
+                </a:cxn>
+                <a:cxn ang="0">
+                  <a:pos x="connsiteX3" y="connsiteY3"/>
+                </a:cxn>
+                <a:cxn ang="0">
+                  <a:pos x="connsiteX4" y="connsiteY4"/>
+                </a:cxn>
+                <a:cxn ang="0">
+                  <a:pos x="connsiteX5" y="connsiteY5"/>
+                </a:cxn>
+                <a:cxn ang="0">
+                  <a:pos x="connsiteX6" y="connsiteY6"/>
+                </a:cxn>
+                <a:cxn ang="0">
+                  <a:pos x="connsiteX7" y="connsiteY7"/>
+                </a:cxn>
+                <a:cxn ang="0">
+                  <a:pos x="connsiteX8" y="connsiteY8"/>
+                </a:cxn>
+                <a:cxn ang="0">
+                  <a:pos x="connsiteX9" y="connsiteY9"/>
+                </a:cxn>
+                <a:cxn ang="0">
+                  <a:pos x="connsiteX10" y="connsiteY10"/>
+                </a:cxn>
+                <a:cxn ang="0">
+                  <a:pos x="connsiteX11" y="connsiteY11"/>
+                </a:cxn>
+                <a:cxn ang="0">
+                  <a:pos x="connsiteX12" y="connsiteY12"/>
+                </a:cxn>
+                <a:cxn ang="0">
+                  <a:pos x="connsiteX13" y="connsiteY13"/>
+                </a:cxn>
+                <a:cxn ang="0">
+                  <a:pos x="connsiteX14" y="connsiteY14"/>
+                </a:cxn>
+                <a:cxn ang="0">
+                  <a:pos x="connsiteX15" y="connsiteY15"/>
+                </a:cxn>
+                <a:cxn ang="0">
+                  <a:pos x="connsiteX16" y="connsiteY16"/>
+                </a:cxn>
+              </a:cxnLst>
+              <a:rect l="l" t="t" r="r" b="b"/>
+              <a:pathLst>
+                <a:path w="171515" h="171515">
+                  <a:moveTo>
+                    <a:pt x="159874" y="74116"/>
+                  </a:moveTo>
+                  <a:lnTo>
+                    <a:pt x="97399" y="74116"/>
+                  </a:lnTo>
+                  <a:lnTo>
+                    <a:pt x="97399" y="11641"/>
+                  </a:lnTo>
+                  <a:cubicBezTo>
+                    <a:pt x="97399" y="5212"/>
+                    <a:pt x="92187" y="0"/>
+                    <a:pt x="85758" y="0"/>
+                  </a:cubicBezTo>
+                  <a:cubicBezTo>
+                    <a:pt x="79328" y="0"/>
+                    <a:pt x="74116" y="5212"/>
+                    <a:pt x="74116" y="11641"/>
+                  </a:cubicBezTo>
+                  <a:lnTo>
+                    <a:pt x="74116" y="74116"/>
+                  </a:lnTo>
+                  <a:lnTo>
+                    <a:pt x="11641" y="74116"/>
+                  </a:lnTo>
+                  <a:cubicBezTo>
+                    <a:pt x="5212" y="74116"/>
+                    <a:pt x="0" y="79328"/>
+                    <a:pt x="0" y="85758"/>
+                  </a:cubicBezTo>
+                  <a:cubicBezTo>
+                    <a:pt x="0" y="92187"/>
+                    <a:pt x="5212" y="97399"/>
+                    <a:pt x="11641" y="97399"/>
+                  </a:cubicBezTo>
+                  <a:lnTo>
+                    <a:pt x="74116" y="97399"/>
+                  </a:lnTo>
+                  <a:lnTo>
+                    <a:pt x="74116" y="159874"/>
+                  </a:lnTo>
+                  <a:cubicBezTo>
+                    <a:pt x="74116" y="166303"/>
+                    <a:pt x="79328" y="171515"/>
+                    <a:pt x="85758" y="171515"/>
+                  </a:cubicBezTo>
+                  <a:cubicBezTo>
+                    <a:pt x="92187" y="171515"/>
+                    <a:pt x="97399" y="166303"/>
+                    <a:pt x="97399" y="159874"/>
+                  </a:cubicBezTo>
+                  <a:lnTo>
+                    <a:pt x="97399" y="97399"/>
+                  </a:lnTo>
+                  <a:lnTo>
+                    <a:pt x="159874" y="97399"/>
+                  </a:lnTo>
+                  <a:cubicBezTo>
+                    <a:pt x="166303" y="97399"/>
+                    <a:pt x="171515" y="92187"/>
+                    <a:pt x="171515" y="85758"/>
+                  </a:cubicBezTo>
+                  <a:cubicBezTo>
+                    <a:pt x="171515" y="79328"/>
+                    <a:pt x="166303" y="74116"/>
+                    <a:pt x="159874" y="74116"/>
+                  </a:cubicBezTo>
+                  <a:close/>
+                </a:path>
+              </a:pathLst>
+            </a:custGeom>
+            <a:solidFill>
+              <a:schemeClr val="accent2"/>
+            </a:solidFill>
+            <a:ln w="776" cap="flat">
+              <a:noFill/>
+              <a:prstDash val="solid"/>
+              <a:miter/>
+            </a:ln>
+          </p:spPr>
+          <p:txBody>
+            <a:bodyPr rtlCol="0" anchor="ctr"/>
+            <a:lstStyle/>
+            <a:p>
+              <a:endParaRPr lang="en-US"/>
+            </a:p>
+          </p:txBody>
+        </p:sp>
+        <p:sp>
+          <p:nvSpPr>
+            <p:cNvPr id="13" name="Graphic 10">
+              <a:extLst>
+                <a:ext uri="{FF2B5EF4-FFF2-40B4-BE49-F238E27FC236}">
+                  <a16:creationId xmlns:a16="http://schemas.microsoft.com/office/drawing/2014/main" id="{E3020543-B24B-4EC4-8FFC-8DD88EEA91A8}"/>
+                </a:ext>
+                <a:ext uri="{C183D7F6-B498-43B3-948B-1728B52AA6E4}">
+                  <adec:decorative xmlns:adec="http://schemas.microsoft.com/office/drawing/2017/decorative" val="1"/>
+                </a:ext>
+              </a:extLst>
+            </p:cNvPr>
+            <p:cNvSpPr/>
+            <p:nvPr>
+              <p:extLst>
+                <p:ext uri="{386F3935-93C4-4BCD-93E2-E3B085C9AB24}">
+                  <p16:designElem xmlns:p16="http://schemas.microsoft.com/office/powerpoint/2015/main" val="1"/>
+                </p:ext>
+              </p:extLst>
+            </p:nvPr>
+          </p:nvSpPr>
+          <p:spPr>
+            <a:xfrm>
+              <a:off x="11455951" y="837005"/>
+              <a:ext cx="112426" cy="112426"/>
+            </a:xfrm>
+            <a:custGeom>
+              <a:avLst/>
+              <a:gdLst>
+                <a:gd name="connsiteX0" fmla="*/ 112426 w 112426"/>
+                <a:gd name="connsiteY0" fmla="*/ 56213 h 112426"/>
+                <a:gd name="connsiteX1" fmla="*/ 56213 w 112426"/>
+                <a:gd name="connsiteY1" fmla="*/ 112426 h 112426"/>
+                <a:gd name="connsiteX2" fmla="*/ 0 w 112426"/>
+                <a:gd name="connsiteY2" fmla="*/ 56213 h 112426"/>
+                <a:gd name="connsiteX3" fmla="*/ 56213 w 112426"/>
+                <a:gd name="connsiteY3" fmla="*/ 0 h 112426"/>
+                <a:gd name="connsiteX4" fmla="*/ 112426 w 112426"/>
+                <a:gd name="connsiteY4" fmla="*/ 56213 h 112426"/>
+              </a:gdLst>
+              <a:ahLst/>
+              <a:cxnLst>
+                <a:cxn ang="0">
+                  <a:pos x="connsiteX0" y="connsiteY0"/>
+                </a:cxn>
+                <a:cxn ang="0">
+                  <a:pos x="connsiteX1" y="connsiteY1"/>
+                </a:cxn>
+                <a:cxn ang="0">
+                  <a:pos x="connsiteX2" y="connsiteY2"/>
+                </a:cxn>
+                <a:cxn ang="0">
+                  <a:pos x="connsiteX3" y="connsiteY3"/>
+                </a:cxn>
+                <a:cxn ang="0">
+                  <a:pos x="connsiteX4" y="connsiteY4"/>
+                </a:cxn>
+              </a:cxnLst>
+              <a:rect l="l" t="t" r="r" b="b"/>
+              <a:pathLst>
+                <a:path w="112426" h="112426">
+                  <a:moveTo>
+                    <a:pt x="112426" y="56213"/>
+                  </a:moveTo>
+                  <a:cubicBezTo>
+                    <a:pt x="112426" y="87259"/>
+                    <a:pt x="87259" y="112426"/>
+                    <a:pt x="56213" y="112426"/>
+                  </a:cubicBezTo>
+                  <a:cubicBezTo>
+                    <a:pt x="25167" y="112426"/>
+                    <a:pt x="0" y="87259"/>
+                    <a:pt x="0" y="56213"/>
+                  </a:cubicBezTo>
+                  <a:cubicBezTo>
+                    <a:pt x="0" y="25167"/>
+                    <a:pt x="25167" y="0"/>
+                    <a:pt x="56213" y="0"/>
+                  </a:cubicBezTo>
+                  <a:cubicBezTo>
+                    <a:pt x="87259" y="0"/>
+                    <a:pt x="112426" y="25167"/>
+                    <a:pt x="112426" y="56213"/>
+                  </a:cubicBezTo>
+                  <a:close/>
+                </a:path>
+              </a:pathLst>
+            </a:custGeom>
+            <a:solidFill>
+              <a:schemeClr val="accent2"/>
+            </a:solidFill>
+            <a:ln w="516" cap="flat">
+              <a:noFill/>
+              <a:prstDash val="solid"/>
+              <a:miter/>
+            </a:ln>
+          </p:spPr>
+          <p:txBody>
+            <a:bodyPr rtlCol="0" anchor="ctr"/>
+            <a:lstStyle/>
+            <a:p>
+              <a:endParaRPr lang="en-US"/>
+            </a:p>
+          </p:txBody>
+        </p:sp>
+        <p:sp>
+          <p:nvSpPr>
+            <p:cNvPr id="14" name="Graphic 12">
+              <a:extLst>
+                <a:ext uri="{FF2B5EF4-FFF2-40B4-BE49-F238E27FC236}">
+                  <a16:creationId xmlns:a16="http://schemas.microsoft.com/office/drawing/2014/main" id="{1453BF6C-B012-48B7-B4E8-6D7AC7C27D02}"/>
+                </a:ext>
+                <a:ext uri="{C183D7F6-B498-43B3-948B-1728B52AA6E4}">
+                  <adec:decorative xmlns:adec="http://schemas.microsoft.com/office/drawing/2017/decorative" val="1"/>
+                </a:ext>
+              </a:extLst>
+            </p:cNvPr>
+            <p:cNvSpPr/>
+            <p:nvPr>
+              <p:extLst>
+                <p:ext uri="{386F3935-93C4-4BCD-93E2-E3B085C9AB24}">
+                  <p16:designElem xmlns:p16="http://schemas.microsoft.com/office/powerpoint/2015/main" val="1"/>
+                </p:ext>
+              </p:extLst>
+            </p:nvPr>
+          </p:nvSpPr>
+          <p:spPr>
+            <a:xfrm>
+              <a:off x="10994200" y="1472473"/>
+              <a:ext cx="157545" cy="157545"/>
+            </a:xfrm>
+            <a:custGeom>
+              <a:avLst/>
+              <a:gdLst>
+                <a:gd name="connsiteX0" fmla="*/ 78773 w 157545"/>
+                <a:gd name="connsiteY0" fmla="*/ 23283 h 157545"/>
+                <a:gd name="connsiteX1" fmla="*/ 134262 w 157545"/>
+                <a:gd name="connsiteY1" fmla="*/ 78773 h 157545"/>
+                <a:gd name="connsiteX2" fmla="*/ 78773 w 157545"/>
+                <a:gd name="connsiteY2" fmla="*/ 134262 h 157545"/>
+                <a:gd name="connsiteX3" fmla="*/ 23283 w 157545"/>
+                <a:gd name="connsiteY3" fmla="*/ 78773 h 157545"/>
+                <a:gd name="connsiteX4" fmla="*/ 78773 w 157545"/>
+                <a:gd name="connsiteY4" fmla="*/ 23283 h 157545"/>
+                <a:gd name="connsiteX5" fmla="*/ 78773 w 157545"/>
+                <a:gd name="connsiteY5" fmla="*/ 0 h 157545"/>
+                <a:gd name="connsiteX6" fmla="*/ 0 w 157545"/>
+                <a:gd name="connsiteY6" fmla="*/ 78773 h 157545"/>
+                <a:gd name="connsiteX7" fmla="*/ 78773 w 157545"/>
+                <a:gd name="connsiteY7" fmla="*/ 157545 h 157545"/>
+                <a:gd name="connsiteX8" fmla="*/ 157545 w 157545"/>
+                <a:gd name="connsiteY8" fmla="*/ 78773 h 157545"/>
+                <a:gd name="connsiteX9" fmla="*/ 78773 w 157545"/>
+                <a:gd name="connsiteY9" fmla="*/ 0 h 157545"/>
+              </a:gdLst>
+              <a:ahLst/>
+              <a:cxnLst>
+                <a:cxn ang="0">
+                  <a:pos x="connsiteX0" y="connsiteY0"/>
+                </a:cxn>
+                <a:cxn ang="0">
+                  <a:pos x="connsiteX1" y="connsiteY1"/>
+                </a:cxn>
+                <a:cxn ang="0">
+                  <a:pos x="connsiteX2" y="connsiteY2"/>
+                </a:cxn>
+                <a:cxn ang="0">
+                  <a:pos x="connsiteX3" y="connsiteY3"/>
+                </a:cxn>
+                <a:cxn ang="0">
+                  <a:pos x="connsiteX4" y="connsiteY4"/>
+                </a:cxn>
+                <a:cxn ang="0">
+                  <a:pos x="connsiteX5" y="connsiteY5"/>
+                </a:cxn>
+                <a:cxn ang="0">
+                  <a:pos x="connsiteX6" y="connsiteY6"/>
+                </a:cxn>
+                <a:cxn ang="0">
+                  <a:pos x="connsiteX7" y="connsiteY7"/>
+                </a:cxn>
+                <a:cxn ang="0">
+                  <a:pos x="connsiteX8" y="connsiteY8"/>
+                </a:cxn>
+                <a:cxn ang="0">
+                  <a:pos x="connsiteX9" y="connsiteY9"/>
+                </a:cxn>
+              </a:cxnLst>
+              <a:rect l="l" t="t" r="r" b="b"/>
+              <a:pathLst>
+                <a:path w="157545" h="157545">
+                  <a:moveTo>
+                    <a:pt x="78773" y="23283"/>
+                  </a:moveTo>
+                  <a:cubicBezTo>
+                    <a:pt x="109419" y="23283"/>
+                    <a:pt x="134262" y="48126"/>
+                    <a:pt x="134262" y="78773"/>
+                  </a:cubicBezTo>
+                  <a:cubicBezTo>
+                    <a:pt x="134262" y="109419"/>
+                    <a:pt x="109419" y="134262"/>
+                    <a:pt x="78773" y="134262"/>
+                  </a:cubicBezTo>
+                  <a:cubicBezTo>
+                    <a:pt x="48126" y="134262"/>
+                    <a:pt x="23283" y="109419"/>
+                    <a:pt x="23283" y="78773"/>
+                  </a:cubicBezTo>
+                  <a:cubicBezTo>
+                    <a:pt x="23312" y="48139"/>
+                    <a:pt x="48139" y="23312"/>
+                    <a:pt x="78773" y="23283"/>
+                  </a:cubicBezTo>
+                  <a:moveTo>
+                    <a:pt x="78773" y="0"/>
+                  </a:moveTo>
+                  <a:cubicBezTo>
+                    <a:pt x="35268" y="0"/>
+                    <a:pt x="0" y="35268"/>
+                    <a:pt x="0" y="78773"/>
+                  </a:cubicBezTo>
+                  <a:cubicBezTo>
+                    <a:pt x="0" y="122277"/>
+                    <a:pt x="35268" y="157545"/>
+                    <a:pt x="78773" y="157545"/>
+                  </a:cubicBezTo>
+                  <a:cubicBezTo>
+                    <a:pt x="122277" y="157545"/>
+                    <a:pt x="157545" y="122277"/>
+                    <a:pt x="157545" y="78773"/>
+                  </a:cubicBezTo>
+                  <a:cubicBezTo>
+                    <a:pt x="157545" y="35268"/>
+                    <a:pt x="122277" y="0"/>
+                    <a:pt x="78773" y="0"/>
+                  </a:cubicBezTo>
+                  <a:close/>
+                </a:path>
+              </a:pathLst>
+            </a:custGeom>
+            <a:solidFill>
+              <a:schemeClr val="accent2"/>
+            </a:solidFill>
+            <a:ln w="751" cap="flat">
+              <a:noFill/>
+              <a:prstDash val="solid"/>
+              <a:miter/>
+            </a:ln>
+          </p:spPr>
+          <p:txBody>
+            <a:bodyPr rtlCol="0" anchor="ctr"/>
+            <a:lstStyle/>
+            <a:p>
+              <a:endParaRPr lang="en-US"/>
+            </a:p>
+          </p:txBody>
+        </p:sp>
+      </p:grpSp>
+      <p:cxnSp>
+        <p:nvCxnSpPr>
+          <p:cNvPr id="16" name="Straight Connector 15">
+            <a:extLst>
+              <a:ext uri="{FF2B5EF4-FFF2-40B4-BE49-F238E27FC236}">
+                <a16:creationId xmlns:a16="http://schemas.microsoft.com/office/drawing/2014/main" id="{C49DA8F6-BCC1-4447-B54C-57856834B94B}"/>
+              </a:ext>
+              <a:ext uri="{C183D7F6-B498-43B3-948B-1728B52AA6E4}">
+                <adec:decorative xmlns:adec="http://schemas.microsoft.com/office/drawing/2017/decorative" val="1"/>
+              </a:ext>
+            </a:extLst>
+          </p:cNvPr>
+          <p:cNvCxnSpPr>
+            <a:cxnSpLocks noGrp="1" noRot="1" noChangeAspect="1" noMove="1" noResize="1" noEditPoints="1" noAdjustHandles="1" noChangeArrowheads="1" noChangeShapeType="1"/>
+          </p:cNvCxnSpPr>
+          <p:nvPr>
+            <p:extLst>
+              <p:ext uri="{386F3935-93C4-4BCD-93E2-E3B085C9AB24}">
+                <p16:designElem xmlns:p16="http://schemas.microsoft.com/office/powerpoint/2015/main" val="1"/>
+              </p:ext>
+            </p:extLst>
+          </p:nvPr>
+        </p:nvCxnSpPr>
+        <p:spPr>
+          <a:xfrm>
+            <a:off x="623622" y="3610394"/>
+            <a:ext cx="0" cy="3238728"/>
+          </a:xfrm>
+          <a:prstGeom prst="line">
+            <a:avLst/>
+          </a:prstGeom>
+          <a:ln w="25400" cap="sq">
+            <a:gradFill flip="none" rotWithShape="1">
+              <a:gsLst>
+                <a:gs pos="0">
+                  <a:schemeClr val="accent1"/>
+                </a:gs>
+                <a:gs pos="100000">
+                  <a:schemeClr val="accent2"/>
+                </a:gs>
+              </a:gsLst>
+              <a:lin ang="5400000" scaled="0"/>
+              <a:tileRect/>
+            </a:gradFill>
+            <a:bevel/>
+          </a:ln>
+        </p:spPr>
+        <p:style>
+          <a:lnRef idx="1">
+            <a:schemeClr val="accent1"/>
+          </a:lnRef>
+          <a:fillRef idx="0">
+            <a:schemeClr val="accent1"/>
+          </a:fillRef>
+          <a:effectRef idx="0">
+            <a:schemeClr val="accent1"/>
+          </a:effectRef>
+          <a:fontRef idx="minor">
+            <a:schemeClr val="tx1"/>
+          </a:fontRef>
+        </p:style>
+      </p:cxnSp>
+      <p:graphicFrame>
+        <p:nvGraphicFramePr>
+          <p:cNvPr id="5" name="Content Placeholder 2">
+            <a:extLst>
+              <a:ext uri="{FF2B5EF4-FFF2-40B4-BE49-F238E27FC236}">
+                <a16:creationId xmlns:a16="http://schemas.microsoft.com/office/drawing/2014/main" id="{613370E0-B043-4FEF-9677-46EE17E672B9}"/>
+              </a:ext>
+            </a:extLst>
+          </p:cNvPr>
+          <p:cNvGraphicFramePr>
+            <a:graphicFrameLocks noGrp="1"/>
+          </p:cNvGraphicFramePr>
           <p:nvPr>
             <p:ph idx="1"/>
+            <p:extLst>
+              <p:ext uri="{D42A27DB-BD31-4B8C-83A1-F6EECF244321}">
+                <p14:modId xmlns:p14="http://schemas.microsoft.com/office/powerpoint/2010/main" val="1423350379"/>
+              </p:ext>
+            </p:extLst>
           </p:nvPr>
-        </p:nvSpPr>
-        <p:spPr/>
-        <p:txBody>
-          <a:bodyPr>
-            <a:normAutofit fontScale="92500"/>
-          </a:bodyPr>
-          <a:lstStyle/>
-          <a:p>
-            <a:r>
-              <a:rPr lang="en-US" dirty="0"/>
-              <a:t>For a balanced test set: </a:t>
-            </a:r>
-          </a:p>
-          <a:p>
-            <a:pPr lvl="1"/>
-            <a:r>
-              <a:rPr lang="en-US" dirty="0"/>
-              <a:t>we first limit the pool of reviews to the first review per reviewer after 2012-01-01 </a:t>
-            </a:r>
-          </a:p>
-          <a:p>
-            <a:pPr lvl="1"/>
-            <a:r>
-              <a:rPr lang="en-US" dirty="0"/>
-              <a:t>we take all the fake reviews (because there are fewer) </a:t>
-            </a:r>
-          </a:p>
-          <a:p>
-            <a:pPr lvl="1"/>
-            <a:r>
-              <a:rPr lang="en-US" dirty="0"/>
-              <a:t>we sample the same number of reviews from the genuine reviews </a:t>
-            </a:r>
-          </a:p>
-          <a:p>
-            <a:pPr lvl="1"/>
-            <a:r>
-              <a:rPr lang="en-US" dirty="0"/>
-              <a:t>this gives us a balanced, non-duplicated test set </a:t>
-            </a:r>
-          </a:p>
-          <a:p>
-            <a:r>
-              <a:rPr lang="en-US" dirty="0"/>
-              <a:t>For a balanced training set: </a:t>
-            </a:r>
-          </a:p>
-          <a:p>
-            <a:pPr lvl="1"/>
-            <a:r>
-              <a:rPr lang="en-US" dirty="0"/>
-              <a:t>we first limit the pool of reviews to be the ones prior to 2012-01-01 </a:t>
-            </a:r>
-          </a:p>
-          <a:p>
-            <a:pPr lvl="1"/>
-            <a:r>
-              <a:rPr lang="en-US" dirty="0"/>
-              <a:t>we take all the actual fake reviews </a:t>
-            </a:r>
-          </a:p>
-          <a:p>
-            <a:pPr lvl="1"/>
-            <a:r>
-              <a:rPr lang="en-US" dirty="0"/>
-              <a:t>we include all generated fake reviews </a:t>
-            </a:r>
-          </a:p>
-          <a:p>
-            <a:pPr lvl="1"/>
-            <a:r>
-              <a:rPr lang="en-US" dirty="0"/>
-              <a:t>we sample the same number of reviews from the genuine reviews </a:t>
-            </a:r>
-          </a:p>
-          <a:p>
-            <a:pPr lvl="1"/>
-            <a:r>
-              <a:rPr lang="en-US" dirty="0"/>
-              <a:t>this gives us a balanced, non-duplicated training set</a:t>
-            </a:r>
-          </a:p>
-        </p:txBody>
-      </p:sp>
+        </p:nvGraphicFramePr>
+        <p:xfrm>
+          <a:off x="1188062" y="1825625"/>
+          <a:ext cx="9356107" cy="4394200"/>
+        </p:xfrm>
+        <a:graphic>
+          <a:graphicData uri="http://schemas.openxmlformats.org/drawingml/2006/diagram">
+            <dgm:relIds xmlns:dgm="http://schemas.openxmlformats.org/drawingml/2006/diagram" xmlns:r="http://schemas.openxmlformats.org/officeDocument/2006/relationships" r:dm="rId2" r:lo="rId3" r:qs="rId4" r:cs="rId5"/>
+          </a:graphicData>
+        </a:graphic>
+      </p:graphicFrame>
     </p:spTree>
     <p:extLst>
       <p:ext uri="{BB962C8B-B14F-4D97-AF65-F5344CB8AC3E}">
@@ -8922,10 +13967,10 @@
       </p:grpSpPr>
       <p:sp useBgFill="1">
         <p:nvSpPr>
-          <p:cNvPr id="8" name="Rectangle 7">
+          <p:cNvPr id="19" name="Rectangle 18">
             <a:extLst>
               <a:ext uri="{FF2B5EF4-FFF2-40B4-BE49-F238E27FC236}">
-                <a16:creationId xmlns:a16="http://schemas.microsoft.com/office/drawing/2014/main" id="{DBF61EA3-B236-439E-9C0B-340980D56BEE}"/>
+                <a16:creationId xmlns:a16="http://schemas.microsoft.com/office/drawing/2014/main" id="{827B839B-9ADE-406B-8590-F1CAEDED45A1}"/>
               </a:ext>
               <a:ext uri="{C183D7F6-B498-43B3-948B-1728B52AA6E4}">
                 <adec:decorative xmlns:adec="http://schemas.microsoft.com/office/drawing/2017/decorative" val="1"/>
@@ -8946,7 +13991,7 @@
         <p:spPr>
           <a:xfrm>
             <a:off x="0" y="0"/>
-            <a:ext cx="12191999" cy="6857365"/>
+            <a:ext cx="12188952" cy="6858000"/>
           </a:xfrm>
           <a:prstGeom prst="rect">
             <a:avLst/>
@@ -8982,199 +14027,10 @@
       </p:sp>
       <p:sp>
         <p:nvSpPr>
-          <p:cNvPr id="2" name="Title 1">
+          <p:cNvPr id="21" name="Freeform 45">
             <a:extLst>
               <a:ext uri="{FF2B5EF4-FFF2-40B4-BE49-F238E27FC236}">
-                <a16:creationId xmlns:a16="http://schemas.microsoft.com/office/drawing/2014/main" id="{3E8B1B4F-00BE-A842-84CB-31E233D2214F}"/>
-              </a:ext>
-            </a:extLst>
-          </p:cNvPr>
-          <p:cNvSpPr>
-            <a:spLocks noGrp="1"/>
-          </p:cNvSpPr>
-          <p:nvPr>
-            <p:ph type="title"/>
-          </p:nvPr>
-        </p:nvSpPr>
-        <p:spPr>
-          <a:xfrm>
-            <a:off x="808638" y="386930"/>
-            <a:ext cx="9236700" cy="1188950"/>
-          </a:xfrm>
-        </p:spPr>
-        <p:txBody>
-          <a:bodyPr anchor="b">
-            <a:normAutofit/>
-          </a:bodyPr>
-          <a:lstStyle/>
-          <a:p>
-            <a:r>
-              <a:rPr lang="en-US" sz="5400"/>
-              <a:t>Approach</a:t>
-            </a:r>
-          </a:p>
-        </p:txBody>
-      </p:sp>
-      <p:grpSp>
-        <p:nvGrpSpPr>
-          <p:cNvPr id="10" name="Group 9">
-            <a:extLst>
-              <a:ext uri="{FF2B5EF4-FFF2-40B4-BE49-F238E27FC236}">
-                <a16:creationId xmlns:a16="http://schemas.microsoft.com/office/drawing/2014/main" id="{28FAF094-D087-493F-8DF9-A486C2D6BBAA}"/>
-              </a:ext>
-              <a:ext uri="{C183D7F6-B498-43B3-948B-1728B52AA6E4}">
-                <adec:decorative xmlns:adec="http://schemas.microsoft.com/office/drawing/2017/decorative" val="1"/>
-              </a:ext>
-            </a:extLst>
-          </p:cNvPr>
-          <p:cNvGrpSpPr>
-            <a:grpSpLocks noGrp="1" noUngrp="1" noRot="1" noChangeAspect="1" noMove="1" noResize="1"/>
-          </p:cNvGrpSpPr>
-          <p:nvPr>
-            <p:extLst>
-              <p:ext uri="{386F3935-93C4-4BCD-93E2-E3B085C9AB24}">
-                <p16:designElem xmlns:p16="http://schemas.microsoft.com/office/powerpoint/2015/main" val="1"/>
-              </p:ext>
-            </p:extLst>
-          </p:nvPr>
-        </p:nvGrpSpPr>
-        <p:grpSpPr>
-          <a:xfrm>
-            <a:off x="-2" y="1998368"/>
-            <a:ext cx="11695083" cy="782176"/>
-            <a:chOff x="-2" y="1998368"/>
-            <a:chExt cx="11695083" cy="782176"/>
-          </a:xfrm>
-        </p:grpSpPr>
-        <p:sp>
-          <p:nvSpPr>
-            <p:cNvPr id="11" name="Rectangle 10">
-              <a:extLst>
-                <a:ext uri="{FF2B5EF4-FFF2-40B4-BE49-F238E27FC236}">
-                  <a16:creationId xmlns:a16="http://schemas.microsoft.com/office/drawing/2014/main" id="{8D7C88D8-5509-4514-925A-9CE148E5CBD6}"/>
-                </a:ext>
-                <a:ext uri="{C183D7F6-B498-43B3-948B-1728B52AA6E4}">
-                  <adec:decorative xmlns:adec="http://schemas.microsoft.com/office/drawing/2017/decorative" val="1"/>
-                </a:ext>
-              </a:extLst>
-            </p:cNvPr>
-            <p:cNvSpPr/>
-            <p:nvPr>
-              <p:extLst>
-                <p:ext uri="{386F3935-93C4-4BCD-93E2-E3B085C9AB24}">
-                  <p16:designElem xmlns:p16="http://schemas.microsoft.com/office/powerpoint/2015/main" val="1"/>
-                </p:ext>
-              </p:extLst>
-            </p:nvPr>
-          </p:nvSpPr>
-          <p:spPr>
-            <a:xfrm rot="5400000">
-              <a:off x="11228040" y="2313027"/>
-              <a:ext cx="781700" cy="152382"/>
-            </a:xfrm>
-            <a:prstGeom prst="rect">
-              <a:avLst/>
-            </a:prstGeom>
-            <a:solidFill>
-              <a:schemeClr val="accent4"/>
-            </a:solidFill>
-            <a:ln>
-              <a:noFill/>
-            </a:ln>
-          </p:spPr>
-          <p:style>
-            <a:lnRef idx="2">
-              <a:schemeClr val="accent1">
-                <a:shade val="50000"/>
-              </a:schemeClr>
-            </a:lnRef>
-            <a:fillRef idx="1">
-              <a:schemeClr val="accent1"/>
-            </a:fillRef>
-            <a:effectRef idx="0">
-              <a:schemeClr val="accent1"/>
-            </a:effectRef>
-            <a:fontRef idx="minor">
-              <a:schemeClr val="lt1"/>
-            </a:fontRef>
-          </p:style>
-          <p:txBody>
-            <a:bodyPr rtlCol="0" anchor="ctr"/>
-            <a:lstStyle/>
-            <a:p>
-              <a:pPr algn="ctr"/>
-              <a:endParaRPr lang="en-US"/>
-            </a:p>
-          </p:txBody>
-        </p:sp>
-        <p:sp>
-          <p:nvSpPr>
-            <p:cNvPr id="12" name="Rectangle 11">
-              <a:extLst>
-                <a:ext uri="{FF2B5EF4-FFF2-40B4-BE49-F238E27FC236}">
-                  <a16:creationId xmlns:a16="http://schemas.microsoft.com/office/drawing/2014/main" id="{7275593D-F75E-4426-AE3E-2CDEFD228D25}"/>
-                </a:ext>
-                <a:ext uri="{C183D7F6-B498-43B3-948B-1728B52AA6E4}">
-                  <adec:decorative xmlns:adec="http://schemas.microsoft.com/office/drawing/2017/decorative" val="1"/>
-                </a:ext>
-              </a:extLst>
-            </p:cNvPr>
-            <p:cNvSpPr/>
-            <p:nvPr>
-              <p:extLst>
-                <p:ext uri="{386F3935-93C4-4BCD-93E2-E3B085C9AB24}">
-                  <p16:designElem xmlns:p16="http://schemas.microsoft.com/office/powerpoint/2015/main" val="1"/>
-                </p:ext>
-              </p:extLst>
-            </p:nvPr>
-          </p:nvSpPr>
-          <p:spPr>
-            <a:xfrm flipH="1" flipV="1">
-              <a:off x="-2" y="1998845"/>
-              <a:ext cx="11454595" cy="781699"/>
-            </a:xfrm>
-            <a:prstGeom prst="rect">
-              <a:avLst/>
-            </a:prstGeom>
-            <a:solidFill>
-              <a:schemeClr val="accent4"/>
-            </a:solidFill>
-            <a:ln>
-              <a:noFill/>
-            </a:ln>
-          </p:spPr>
-          <p:style>
-            <a:lnRef idx="2">
-              <a:schemeClr val="accent1">
-                <a:shade val="50000"/>
-              </a:schemeClr>
-            </a:lnRef>
-            <a:fillRef idx="1">
-              <a:schemeClr val="accent1"/>
-            </a:fillRef>
-            <a:effectRef idx="0">
-              <a:schemeClr val="accent1"/>
-            </a:effectRef>
-            <a:fontRef idx="minor">
-              <a:schemeClr val="lt1"/>
-            </a:fontRef>
-          </p:style>
-          <p:txBody>
-            <a:bodyPr rtlCol="0" anchor="ctr"/>
-            <a:lstStyle/>
-            <a:p>
-              <a:pPr algn="ctr"/>
-              <a:endParaRPr lang="en-US"/>
-            </a:p>
-          </p:txBody>
-        </p:sp>
-      </p:grpSp>
-      <p:sp>
-        <p:nvSpPr>
-          <p:cNvPr id="14" name="Rectangle 13">
-            <a:extLst>
-              <a:ext uri="{FF2B5EF4-FFF2-40B4-BE49-F238E27FC236}">
-                <a16:creationId xmlns:a16="http://schemas.microsoft.com/office/drawing/2014/main" id="{E659831F-0D9A-4C63-9EBB-8435B85A440F}"/>
+                <a16:creationId xmlns:a16="http://schemas.microsoft.com/office/drawing/2014/main" id="{CFE45BF0-46DB-408C-B5F7-7B11716805D4}"/>
               </a:ext>
               <a:ext uri="{C183D7F6-B498-43B3-948B-1728B52AA6E4}">
                 <adec:decorative xmlns:adec="http://schemas.microsoft.com/office/drawing/2017/decorative" val="1"/>
@@ -9192,50 +14048,481 @@
             </p:extLst>
           </p:nvPr>
         </p:nvSpPr>
-        <p:spPr>
+        <p:spPr bwMode="auto">
           <a:xfrm>
-            <a:off x="0" y="2203079"/>
-            <a:ext cx="11383362" cy="4147845"/>
+            <a:off x="409710" y="1022350"/>
+            <a:ext cx="709612" cy="2095501"/>
+          </a:xfrm>
+          <a:custGeom>
+            <a:avLst/>
+            <a:gdLst>
+              <a:gd name="T0" fmla="*/ 447 w 447"/>
+              <a:gd name="T1" fmla="*/ 1363 h 1363"/>
+              <a:gd name="T2" fmla="*/ 0 w 447"/>
+              <a:gd name="T3" fmla="*/ 987 h 1363"/>
+              <a:gd name="T4" fmla="*/ 0 w 447"/>
+              <a:gd name="T5" fmla="*/ 0 h 1363"/>
+              <a:gd name="T6" fmla="*/ 447 w 447"/>
+              <a:gd name="T7" fmla="*/ 376 h 1363"/>
+              <a:gd name="T8" fmla="*/ 447 w 447"/>
+              <a:gd name="T9" fmla="*/ 1363 h 1363"/>
+            </a:gdLst>
+            <a:ahLst/>
+            <a:cxnLst>
+              <a:cxn ang="0">
+                <a:pos x="T0" y="T1"/>
+              </a:cxn>
+              <a:cxn ang="0">
+                <a:pos x="T2" y="T3"/>
+              </a:cxn>
+              <a:cxn ang="0">
+                <a:pos x="T4" y="T5"/>
+              </a:cxn>
+              <a:cxn ang="0">
+                <a:pos x="T6" y="T7"/>
+              </a:cxn>
+              <a:cxn ang="0">
+                <a:pos x="T8" y="T9"/>
+              </a:cxn>
+            </a:cxnLst>
+            <a:rect l="0" t="0" r="r" b="b"/>
+            <a:pathLst>
+              <a:path w="447" h="1363">
+                <a:moveTo>
+                  <a:pt x="447" y="1363"/>
+                </a:moveTo>
+                <a:lnTo>
+                  <a:pt x="0" y="987"/>
+                </a:lnTo>
+                <a:lnTo>
+                  <a:pt x="0" y="0"/>
+                </a:lnTo>
+                <a:lnTo>
+                  <a:pt x="447" y="376"/>
+                </a:lnTo>
+                <a:lnTo>
+                  <a:pt x="447" y="1363"/>
+                </a:lnTo>
+                <a:close/>
+              </a:path>
+            </a:pathLst>
+          </a:custGeom>
+          <a:solidFill>
+            <a:schemeClr val="accent1">
+              <a:lumMod val="50000"/>
+            </a:schemeClr>
+          </a:solidFill>
+          <a:ln>
+            <a:noFill/>
+          </a:ln>
+        </p:spPr>
+        <p:txBody>
+          <a:bodyPr vert="horz" wrap="square" lIns="91440" tIns="45720" rIns="91440" bIns="45720" numCol="1" anchor="t" anchorCtr="0" compatLnSpc="1">
+            <a:prstTxWarp prst="textNoShape">
+              <a:avLst/>
+            </a:prstTxWarp>
+          </a:bodyPr>
+          <a:lstStyle/>
+          <a:p>
+            <a:endParaRPr lang="en-US"/>
+          </a:p>
+        </p:txBody>
+      </p:sp>
+      <p:sp>
+        <p:nvSpPr>
+          <p:cNvPr id="23" name="Freeform 46">
+            <a:extLst>
+              <a:ext uri="{FF2B5EF4-FFF2-40B4-BE49-F238E27FC236}">
+                <a16:creationId xmlns:a16="http://schemas.microsoft.com/office/drawing/2014/main" id="{2AEBC8F2-97B1-41B4-93F1-2D289E197FBA}"/>
+              </a:ext>
+              <a:ext uri="{C183D7F6-B498-43B3-948B-1728B52AA6E4}">
+                <adec:decorative xmlns:adec="http://schemas.microsoft.com/office/drawing/2017/decorative" val="1"/>
+              </a:ext>
+            </a:extLst>
+          </p:cNvPr>
+          <p:cNvSpPr>
+            <a:spLocks noGrp="1" noRot="1" noChangeAspect="1" noMove="1" noResize="1" noEditPoints="1" noAdjustHandles="1" noChangeArrowheads="1" noChangeShapeType="1" noTextEdit="1"/>
+          </p:cNvSpPr>
+          <p:nvPr>
+            <p:extLst>
+              <p:ext uri="{386F3935-93C4-4BCD-93E2-E3B085C9AB24}">
+                <p16:designElem xmlns:p16="http://schemas.microsoft.com/office/powerpoint/2015/main" val="1"/>
+              </p:ext>
+            </p:extLst>
+          </p:nvPr>
+        </p:nvSpPr>
+        <p:spPr bwMode="auto">
+          <a:xfrm>
+            <a:off x="409710" y="837744"/>
+            <a:ext cx="403225" cy="1705431"/>
+          </a:xfrm>
+          <a:custGeom>
+            <a:avLst/>
+            <a:gdLst>
+              <a:gd name="T0" fmla="*/ 254 w 254"/>
+              <a:gd name="T1" fmla="*/ 987 h 1109"/>
+              <a:gd name="T2" fmla="*/ 0 w 254"/>
+              <a:gd name="T3" fmla="*/ 1109 h 1109"/>
+              <a:gd name="T4" fmla="*/ 0 w 254"/>
+              <a:gd name="T5" fmla="*/ 119 h 1109"/>
+              <a:gd name="T6" fmla="*/ 254 w 254"/>
+              <a:gd name="T7" fmla="*/ 0 h 1109"/>
+              <a:gd name="T8" fmla="*/ 254 w 254"/>
+              <a:gd name="T9" fmla="*/ 987 h 1109"/>
+            </a:gdLst>
+            <a:ahLst/>
+            <a:cxnLst>
+              <a:cxn ang="0">
+                <a:pos x="T0" y="T1"/>
+              </a:cxn>
+              <a:cxn ang="0">
+                <a:pos x="T2" y="T3"/>
+              </a:cxn>
+              <a:cxn ang="0">
+                <a:pos x="T4" y="T5"/>
+              </a:cxn>
+              <a:cxn ang="0">
+                <a:pos x="T6" y="T7"/>
+              </a:cxn>
+              <a:cxn ang="0">
+                <a:pos x="T8" y="T9"/>
+              </a:cxn>
+            </a:cxnLst>
+            <a:rect l="0" t="0" r="r" b="b"/>
+            <a:pathLst>
+              <a:path w="254" h="1109">
+                <a:moveTo>
+                  <a:pt x="254" y="987"/>
+                </a:moveTo>
+                <a:lnTo>
+                  <a:pt x="0" y="1109"/>
+                </a:lnTo>
+                <a:lnTo>
+                  <a:pt x="0" y="119"/>
+                </a:lnTo>
+                <a:lnTo>
+                  <a:pt x="254" y="0"/>
+                </a:lnTo>
+                <a:lnTo>
+                  <a:pt x="254" y="987"/>
+                </a:lnTo>
+                <a:close/>
+              </a:path>
+            </a:pathLst>
+          </a:custGeom>
+          <a:solidFill>
+            <a:schemeClr val="accent1">
+              <a:lumMod val="75000"/>
+            </a:schemeClr>
+          </a:solidFill>
+          <a:ln>
+            <a:noFill/>
+          </a:ln>
+        </p:spPr>
+        <p:txBody>
+          <a:bodyPr vert="horz" wrap="square" lIns="91440" tIns="45720" rIns="91440" bIns="45720" numCol="1" anchor="t" anchorCtr="0" compatLnSpc="1">
+            <a:prstTxWarp prst="textNoShape">
+              <a:avLst/>
+            </a:prstTxWarp>
+          </a:bodyPr>
+          <a:lstStyle/>
+          <a:p>
+            <a:endParaRPr lang="en-US"/>
+          </a:p>
+        </p:txBody>
+      </p:sp>
+      <p:sp>
+        <p:nvSpPr>
+          <p:cNvPr id="25" name="Freeform 47">
+            <a:extLst>
+              <a:ext uri="{FF2B5EF4-FFF2-40B4-BE49-F238E27FC236}">
+                <a16:creationId xmlns:a16="http://schemas.microsoft.com/office/drawing/2014/main" id="{472E3A19-F5D5-48FC-BB9C-48C2F68F598B}"/>
+              </a:ext>
+              <a:ext uri="{C183D7F6-B498-43B3-948B-1728B52AA6E4}">
+                <adec:decorative xmlns:adec="http://schemas.microsoft.com/office/drawing/2017/decorative" val="1"/>
+              </a:ext>
+            </a:extLst>
+          </p:cNvPr>
+          <p:cNvSpPr>
+            <a:spLocks noGrp="1" noRot="1" noChangeAspect="1" noMove="1" noResize="1" noEditPoints="1" noAdjustHandles="1" noChangeArrowheads="1" noChangeShapeType="1" noTextEdit="1"/>
+          </p:cNvSpPr>
+          <p:nvPr>
+            <p:extLst>
+              <p:ext uri="{386F3935-93C4-4BCD-93E2-E3B085C9AB24}">
+                <p16:designElem xmlns:p16="http://schemas.microsoft.com/office/powerpoint/2015/main" val="1"/>
+              </p:ext>
+            </p:extLst>
+          </p:nvPr>
+        </p:nvSpPr>
+        <p:spPr bwMode="auto">
+          <a:xfrm>
+            <a:off x="644660" y="640894"/>
+            <a:ext cx="168275" cy="1713195"/>
+          </a:xfrm>
+          <a:custGeom>
+            <a:avLst/>
+            <a:gdLst>
+              <a:gd name="T0" fmla="*/ 106 w 106"/>
+              <a:gd name="T1" fmla="*/ 1114 h 1114"/>
+              <a:gd name="T2" fmla="*/ 0 w 106"/>
+              <a:gd name="T3" fmla="*/ 1005 h 1114"/>
+              <a:gd name="T4" fmla="*/ 0 w 106"/>
+              <a:gd name="T5" fmla="*/ 0 h 1114"/>
+              <a:gd name="T6" fmla="*/ 106 w 106"/>
+              <a:gd name="T7" fmla="*/ 110 h 1114"/>
+              <a:gd name="T8" fmla="*/ 106 w 106"/>
+              <a:gd name="T9" fmla="*/ 1114 h 1114"/>
+            </a:gdLst>
+            <a:ahLst/>
+            <a:cxnLst>
+              <a:cxn ang="0">
+                <a:pos x="T0" y="T1"/>
+              </a:cxn>
+              <a:cxn ang="0">
+                <a:pos x="T2" y="T3"/>
+              </a:cxn>
+              <a:cxn ang="0">
+                <a:pos x="T4" y="T5"/>
+              </a:cxn>
+              <a:cxn ang="0">
+                <a:pos x="T6" y="T7"/>
+              </a:cxn>
+              <a:cxn ang="0">
+                <a:pos x="T8" y="T9"/>
+              </a:cxn>
+            </a:cxnLst>
+            <a:rect l="0" t="0" r="r" b="b"/>
+            <a:pathLst>
+              <a:path w="106" h="1114">
+                <a:moveTo>
+                  <a:pt x="106" y="1114"/>
+                </a:moveTo>
+                <a:lnTo>
+                  <a:pt x="0" y="1005"/>
+                </a:lnTo>
+                <a:lnTo>
+                  <a:pt x="0" y="0"/>
+                </a:lnTo>
+                <a:lnTo>
+                  <a:pt x="106" y="110"/>
+                </a:lnTo>
+                <a:lnTo>
+                  <a:pt x="106" y="1114"/>
+                </a:lnTo>
+                <a:close/>
+              </a:path>
+            </a:pathLst>
+          </a:custGeom>
+          <a:solidFill>
+            <a:schemeClr val="accent1">
+              <a:lumMod val="50000"/>
+            </a:schemeClr>
+          </a:solidFill>
+          <a:ln>
+            <a:noFill/>
+          </a:ln>
+        </p:spPr>
+        <p:txBody>
+          <a:bodyPr vert="horz" wrap="square" lIns="91440" tIns="45720" rIns="91440" bIns="45720" numCol="1" anchor="t" anchorCtr="0" compatLnSpc="1">
+            <a:prstTxWarp prst="textNoShape">
+              <a:avLst/>
+            </a:prstTxWarp>
+          </a:bodyPr>
+          <a:lstStyle/>
+          <a:p>
+            <a:endParaRPr lang="en-US"/>
+          </a:p>
+        </p:txBody>
+      </p:sp>
+      <p:sp>
+        <p:nvSpPr>
+          <p:cNvPr id="27" name="Freeform 44">
+            <a:extLst>
+              <a:ext uri="{FF2B5EF4-FFF2-40B4-BE49-F238E27FC236}">
+                <a16:creationId xmlns:a16="http://schemas.microsoft.com/office/drawing/2014/main" id="{7A62E32F-BB65-43A8-8EB5-92346890E549}"/>
+              </a:ext>
+              <a:ext uri="{C183D7F6-B498-43B3-948B-1728B52AA6E4}">
+                <adec:decorative xmlns:adec="http://schemas.microsoft.com/office/drawing/2017/decorative" val="1"/>
+              </a:ext>
+            </a:extLst>
+          </p:cNvPr>
+          <p:cNvSpPr>
+            <a:spLocks noGrp="1" noRot="1" noChangeAspect="1" noMove="1" noResize="1" noEditPoints="1" noAdjustHandles="1" noChangeArrowheads="1" noChangeShapeType="1" noTextEdit="1"/>
+          </p:cNvSpPr>
+          <p:nvPr>
+            <p:extLst>
+              <p:ext uri="{386F3935-93C4-4BCD-93E2-E3B085C9AB24}">
+                <p16:designElem xmlns:p16="http://schemas.microsoft.com/office/powerpoint/2015/main" val="1"/>
+              </p:ext>
+            </p:extLst>
+          </p:nvPr>
+        </p:nvSpPr>
+        <p:spPr bwMode="auto">
+          <a:xfrm>
+            <a:off x="11223203" y="635716"/>
+            <a:ext cx="328612" cy="1742360"/>
+          </a:xfrm>
+          <a:custGeom>
+            <a:avLst/>
+            <a:gdLst>
+              <a:gd name="T0" fmla="*/ 207 w 207"/>
+              <a:gd name="T1" fmla="*/ 987 h 1114"/>
+              <a:gd name="T2" fmla="*/ 0 w 207"/>
+              <a:gd name="T3" fmla="*/ 1114 h 1114"/>
+              <a:gd name="T4" fmla="*/ 0 w 207"/>
+              <a:gd name="T5" fmla="*/ 127 h 1114"/>
+              <a:gd name="T6" fmla="*/ 207 w 207"/>
+              <a:gd name="T7" fmla="*/ 0 h 1114"/>
+              <a:gd name="T8" fmla="*/ 207 w 207"/>
+              <a:gd name="T9" fmla="*/ 987 h 1114"/>
+            </a:gdLst>
+            <a:ahLst/>
+            <a:cxnLst>
+              <a:cxn ang="0">
+                <a:pos x="T0" y="T1"/>
+              </a:cxn>
+              <a:cxn ang="0">
+                <a:pos x="T2" y="T3"/>
+              </a:cxn>
+              <a:cxn ang="0">
+                <a:pos x="T4" y="T5"/>
+              </a:cxn>
+              <a:cxn ang="0">
+                <a:pos x="T6" y="T7"/>
+              </a:cxn>
+              <a:cxn ang="0">
+                <a:pos x="T8" y="T9"/>
+              </a:cxn>
+            </a:cxnLst>
+            <a:rect l="0" t="0" r="r" b="b"/>
+            <a:pathLst>
+              <a:path w="207" h="1114">
+                <a:moveTo>
+                  <a:pt x="207" y="987"/>
+                </a:moveTo>
+                <a:lnTo>
+                  <a:pt x="0" y="1114"/>
+                </a:lnTo>
+                <a:lnTo>
+                  <a:pt x="0" y="127"/>
+                </a:lnTo>
+                <a:lnTo>
+                  <a:pt x="207" y="0"/>
+                </a:lnTo>
+                <a:lnTo>
+                  <a:pt x="207" y="987"/>
+                </a:lnTo>
+                <a:close/>
+              </a:path>
+            </a:pathLst>
+          </a:custGeom>
+          <a:solidFill>
+            <a:schemeClr val="accent1">
+              <a:lumMod val="50000"/>
+            </a:schemeClr>
+          </a:solidFill>
+          <a:ln>
+            <a:noFill/>
+          </a:ln>
+        </p:spPr>
+        <p:txBody>
+          <a:bodyPr vert="horz" wrap="square" lIns="91440" tIns="45720" rIns="91440" bIns="45720" numCol="1" anchor="t" anchorCtr="0" compatLnSpc="1">
+            <a:prstTxWarp prst="textNoShape">
+              <a:avLst/>
+            </a:prstTxWarp>
+          </a:bodyPr>
+          <a:lstStyle/>
+          <a:p>
+            <a:endParaRPr lang="en-US"/>
+          </a:p>
+        </p:txBody>
+      </p:sp>
+      <p:sp>
+        <p:nvSpPr>
+          <p:cNvPr id="29" name="Rectangle 28">
+            <a:extLst>
+              <a:ext uri="{FF2B5EF4-FFF2-40B4-BE49-F238E27FC236}">
+                <a16:creationId xmlns:a16="http://schemas.microsoft.com/office/drawing/2014/main" id="{14E91B64-9FCC-451E-AFB4-A827D6329367}"/>
+              </a:ext>
+              <a:ext uri="{C183D7F6-B498-43B3-948B-1728B52AA6E4}">
+                <adec:decorative xmlns:adec="http://schemas.microsoft.com/office/drawing/2017/decorative" val="1"/>
+              </a:ext>
+            </a:extLst>
+          </p:cNvPr>
+          <p:cNvSpPr>
+            <a:spLocks noGrp="1" noRot="1" noChangeAspect="1" noMove="1" noResize="1" noEditPoints="1" noAdjustHandles="1" noChangeArrowheads="1" noChangeShapeType="1" noTextEdit="1"/>
+          </p:cNvSpPr>
+          <p:nvPr>
+            <p:extLst>
+              <p:ext uri="{386F3935-93C4-4BCD-93E2-E3B085C9AB24}">
+                <p16:designElem xmlns:p16="http://schemas.microsoft.com/office/powerpoint/2015/main" val="1"/>
+              </p:ext>
+            </p:extLst>
+          </p:nvPr>
+        </p:nvSpPr>
+        <p:spPr bwMode="auto">
+          <a:xfrm>
+            <a:off x="644055" y="635715"/>
+            <a:ext cx="10907863" cy="1541457"/>
           </a:xfrm>
           <a:prstGeom prst="rect">
             <a:avLst/>
           </a:prstGeom>
           <a:solidFill>
-            <a:schemeClr val="bg1"/>
+            <a:schemeClr val="accent1"/>
           </a:solidFill>
           <a:ln>
             <a:noFill/>
           </a:ln>
-          <a:effectLst>
-            <a:outerShdw blurRad="139700" dist="127000" dir="5400000" algn="t" rotWithShape="0">
-              <a:prstClr val="black">
-                <a:alpha val="15000"/>
-              </a:prstClr>
-            </a:outerShdw>
-          </a:effectLst>
         </p:spPr>
-        <p:style>
-          <a:lnRef idx="2">
-            <a:schemeClr val="accent1">
-              <a:shade val="50000"/>
-            </a:schemeClr>
-          </a:lnRef>
-          <a:fillRef idx="1">
-            <a:schemeClr val="accent1"/>
-          </a:fillRef>
-          <a:effectRef idx="0">
-            <a:schemeClr val="accent1"/>
-          </a:effectRef>
-          <a:fontRef idx="minor">
-            <a:schemeClr val="lt1"/>
-          </a:fontRef>
-        </p:style>
         <p:txBody>
-          <a:bodyPr rtlCol="0" anchor="ctr"/>
+          <a:bodyPr vert="horz" wrap="square" lIns="91440" tIns="45720" rIns="91440" bIns="45720" numCol="1" anchor="t" anchorCtr="0" compatLnSpc="1">
+            <a:prstTxWarp prst="textNoShape">
+              <a:avLst/>
+            </a:prstTxWarp>
+          </a:bodyPr>
           <a:lstStyle/>
           <a:p>
-            <a:pPr algn="ctr"/>
             <a:endParaRPr lang="en-US"/>
+          </a:p>
+        </p:txBody>
+      </p:sp>
+      <p:sp>
+        <p:nvSpPr>
+          <p:cNvPr id="2" name="Title 1">
+            <a:extLst>
+              <a:ext uri="{FF2B5EF4-FFF2-40B4-BE49-F238E27FC236}">
+                <a16:creationId xmlns:a16="http://schemas.microsoft.com/office/drawing/2014/main" id="{3E8B1B4F-00BE-A842-84CB-31E233D2214F}"/>
+              </a:ext>
+            </a:extLst>
+          </p:cNvPr>
+          <p:cNvSpPr>
+            <a:spLocks noGrp="1"/>
+          </p:cNvSpPr>
+          <p:nvPr>
+            <p:ph type="title"/>
+          </p:nvPr>
+        </p:nvSpPr>
+        <p:spPr>
+          <a:xfrm>
+            <a:off x="958506" y="800392"/>
+            <a:ext cx="10264697" cy="1212102"/>
+          </a:xfrm>
+        </p:spPr>
+        <p:txBody>
+          <a:bodyPr>
+            <a:normAutofit/>
+          </a:bodyPr>
+          <a:lstStyle/>
+          <a:p>
+            <a:r>
+              <a:rPr lang="en-US" sz="4000">
+                <a:solidFill>
+                  <a:srgbClr val="FFFFFF"/>
+                </a:solidFill>
+              </a:rPr>
+              <a:t>Approach</a:t>
+            </a:r>
           </a:p>
         </p:txBody>
       </p:sp>
@@ -9257,8 +14544,8 @@
         </p:nvSpPr>
         <p:spPr>
           <a:xfrm>
-            <a:off x="793660" y="2599509"/>
-            <a:ext cx="10143668" cy="3435531"/>
+            <a:off x="1367624" y="2490436"/>
+            <a:ext cx="9708995" cy="3567173"/>
           </a:xfrm>
         </p:spPr>
         <p:txBody>
@@ -9268,36 +14555,36 @@
           <a:lstStyle/>
           <a:p>
             <a:r>
-              <a:rPr lang="en-US" sz="2400" dirty="0"/>
-              <a:t>Model 1: Our baseline model with </a:t>
+              <a:rPr lang="en-US" dirty="0"/>
+              <a:t>Model 1: Baseline model w </a:t>
             </a:r>
             <a:r>
-              <a:rPr lang="en-US" sz="2400" dirty="0" err="1"/>
+              <a:rPr lang="en-US" dirty="0" err="1"/>
               <a:t>GloVe</a:t>
             </a:r>
             <a:r>
-              <a:rPr lang="en-US" sz="2400" dirty="0"/>
+              <a:rPr lang="en-US" dirty="0"/>
               <a:t> embedding and 1 layer of LSTM.</a:t>
             </a:r>
           </a:p>
           <a:p>
             <a:r>
-              <a:rPr lang="en-US" sz="2400" dirty="0"/>
-              <a:t>Model 2: Our main model with </a:t>
+              <a:rPr lang="en-US" dirty="0"/>
+              <a:t>Model 2: Our main model w </a:t>
             </a:r>
             <a:r>
-              <a:rPr lang="en-US" sz="2400" dirty="0" err="1"/>
+              <a:rPr lang="en-US" dirty="0" err="1"/>
               <a:t>GloVe</a:t>
             </a:r>
             <a:r>
-              <a:rPr lang="en-US" sz="2400" dirty="0"/>
+              <a:rPr lang="en-US" dirty="0"/>
               <a:t> embedding, 1 layer of Bidirectional LSTM, and 3 dense layers. </a:t>
             </a:r>
           </a:p>
           <a:p>
             <a:r>
-              <a:rPr lang="en-US" sz="2400" dirty="0"/>
-              <a:t>Model 3: A BERT based model.</a:t>
+              <a:rPr lang="en-US" dirty="0"/>
+              <a:t>Model 3: A BERT-based model.</a:t>
             </a:r>
           </a:p>
         </p:txBody>

--- a/w266.pptx
+++ b/w266.pptx
@@ -7867,36 +7867,35 @@
         </p:spPr>
         <p:txBody>
           <a:bodyPr anchor="ctr">
-            <a:normAutofit/>
+            <a:noAutofit/>
           </a:bodyPr>
           <a:lstStyle/>
           <a:p>
-            <a:endParaRPr lang="en-US" sz="2400"/>
+            <a:endParaRPr lang="en-US" dirty="0"/>
           </a:p>
           <a:p>
             <a:r>
-              <a:rPr lang="en-US" sz="2400"/>
+              <a:rPr lang="en-US" dirty="0"/>
               <a:t>Training set 1: raw, imbalanced training set </a:t>
             </a:r>
           </a:p>
           <a:p>
             <a:r>
-              <a:rPr lang="en-US" sz="2400"/>
+              <a:rPr lang="en-US" dirty="0"/>
               <a:t>Training set 2: balanced training set by under-sampling genuine reviews to the number of fake reviews </a:t>
             </a:r>
           </a:p>
           <a:p>
             <a:r>
-              <a:rPr lang="en-US" sz="2400"/>
+              <a:rPr lang="en-US" dirty="0"/>
               <a:t>Training set 3: balanced training set by over-sampling fake reviews with replacement to the number of genuine reviews </a:t>
             </a:r>
           </a:p>
           <a:p>
             <a:r>
-              <a:rPr lang="en-US" sz="2400"/>
+              <a:rPr lang="en-US" dirty="0"/>
               <a:t>Training set 4: balanced training set by including generated fake reviews</a:t>
             </a:r>
-            <a:endParaRPr lang="en-US" sz="2400" dirty="0"/>
           </a:p>
         </p:txBody>
       </p:sp>
@@ -11946,13 +11945,8 @@
             <a:pPr algn="ctr"/>
             <a:r>
               <a:rPr lang="en-US" sz="1400" dirty="0"/>
-              <a:t>Number of </a:t>
+              <a:t>Number of reviews</a:t>
             </a:r>
-            <a:r>
-              <a:rPr lang="en-US" sz="1400" dirty="0" err="1"/>
-              <a:t>reviewes</a:t>
-            </a:r>
-            <a:endParaRPr lang="en-US" sz="1400" dirty="0"/>
           </a:p>
         </p:txBody>
       </p:sp>

--- a/w266.pptx
+++ b/w266.pptx
@@ -8460,32 +8460,50 @@
           <a:lstStyle/>
           <a:p>
             <a:r>
-              <a:rPr lang="en-US" sz="2400"/>
+              <a:rPr lang="en-US" sz="2400" dirty="0" err="1"/>
               <a:t>XLNet</a:t>
             </a:r>
+            <a:endParaRPr lang="en-US" sz="2400" dirty="0"/>
           </a:p>
           <a:p>
             <a:pPr lvl="1"/>
             <a:r>
-              <a:rPr lang="en-US"/>
+              <a:rPr lang="en-US" dirty="0"/>
               <a:t>auto-regressive language model</a:t>
             </a:r>
           </a:p>
           <a:p>
             <a:pPr lvl="1"/>
             <a:r>
-              <a:rPr lang="en-US"/>
+              <a:rPr lang="en-US" dirty="0"/>
               <a:t>Computation heavy</a:t>
             </a:r>
           </a:p>
           <a:p>
             <a:pPr lvl="1"/>
             <a:r>
-              <a:rPr lang="en-US"/>
+              <a:rPr lang="en-US" dirty="0"/>
               <a:t>All permutations of word tokens in a sentence as opposed to just those to the left or just those to the right of the target token.</a:t>
             </a:r>
+          </a:p>
+          <a:p>
+            <a:r>
+              <a:rPr lang="en-US" dirty="0"/>
+              <a:t>GPT-2 </a:t>
+            </a:r>
+          </a:p>
+          <a:p>
+            <a:pPr lvl="1"/>
+            <a:r>
+              <a:rPr lang="en-US" dirty="0"/>
+              <a:t>More generated </a:t>
+            </a:r>
+            <a:r>
+              <a:rPr lang="en-US"/>
+              <a:t>fake reviews</a:t>
+            </a:r>
             <a:br>
-              <a:rPr lang="en-US"/>
+              <a:rPr lang="en-US" dirty="0"/>
             </a:br>
             <a:endParaRPr lang="en-US" dirty="0"/>
           </a:p>

--- a/w266.pptx
+++ b/w266.pptx
@@ -3270,7 +3270,7 @@
           <a:p>
             <a:fld id="{957AC810-2335-1041-824F-64883289A110}" type="datetimeFigureOut">
               <a:rPr lang="en-US" smtClean="0"/>
-              <a:t>12/3/21</a:t>
+              <a:t>12/4/21</a:t>
             </a:fld>
             <a:endParaRPr lang="en-US"/>
           </a:p>
@@ -3468,7 +3468,7 @@
           <a:p>
             <a:fld id="{957AC810-2335-1041-824F-64883289A110}" type="datetimeFigureOut">
               <a:rPr lang="en-US" smtClean="0"/>
-              <a:t>12/3/21</a:t>
+              <a:t>12/4/21</a:t>
             </a:fld>
             <a:endParaRPr lang="en-US"/>
           </a:p>
@@ -3676,7 +3676,7 @@
           <a:p>
             <a:fld id="{957AC810-2335-1041-824F-64883289A110}" type="datetimeFigureOut">
               <a:rPr lang="en-US" smtClean="0"/>
-              <a:t>12/3/21</a:t>
+              <a:t>12/4/21</a:t>
             </a:fld>
             <a:endParaRPr lang="en-US"/>
           </a:p>
@@ -3874,7 +3874,7 @@
           <a:p>
             <a:fld id="{957AC810-2335-1041-824F-64883289A110}" type="datetimeFigureOut">
               <a:rPr lang="en-US" smtClean="0"/>
-              <a:t>12/3/21</a:t>
+              <a:t>12/4/21</a:t>
             </a:fld>
             <a:endParaRPr lang="en-US"/>
           </a:p>
@@ -4149,7 +4149,7 @@
           <a:p>
             <a:fld id="{957AC810-2335-1041-824F-64883289A110}" type="datetimeFigureOut">
               <a:rPr lang="en-US" smtClean="0"/>
-              <a:t>12/3/21</a:t>
+              <a:t>12/4/21</a:t>
             </a:fld>
             <a:endParaRPr lang="en-US"/>
           </a:p>
@@ -4414,7 +4414,7 @@
           <a:p>
             <a:fld id="{957AC810-2335-1041-824F-64883289A110}" type="datetimeFigureOut">
               <a:rPr lang="en-US" smtClean="0"/>
-              <a:t>12/3/21</a:t>
+              <a:t>12/4/21</a:t>
             </a:fld>
             <a:endParaRPr lang="en-US"/>
           </a:p>
@@ -4826,7 +4826,7 @@
           <a:p>
             <a:fld id="{957AC810-2335-1041-824F-64883289A110}" type="datetimeFigureOut">
               <a:rPr lang="en-US" smtClean="0"/>
-              <a:t>12/3/21</a:t>
+              <a:t>12/4/21</a:t>
             </a:fld>
             <a:endParaRPr lang="en-US"/>
           </a:p>
@@ -4967,7 +4967,7 @@
           <a:p>
             <a:fld id="{957AC810-2335-1041-824F-64883289A110}" type="datetimeFigureOut">
               <a:rPr lang="en-US" smtClean="0"/>
-              <a:t>12/3/21</a:t>
+              <a:t>12/4/21</a:t>
             </a:fld>
             <a:endParaRPr lang="en-US"/>
           </a:p>
@@ -5080,7 +5080,7 @@
           <a:p>
             <a:fld id="{957AC810-2335-1041-824F-64883289A110}" type="datetimeFigureOut">
               <a:rPr lang="en-US" smtClean="0"/>
-              <a:t>12/3/21</a:t>
+              <a:t>12/4/21</a:t>
             </a:fld>
             <a:endParaRPr lang="en-US"/>
           </a:p>
@@ -5391,7 +5391,7 @@
           <a:p>
             <a:fld id="{957AC810-2335-1041-824F-64883289A110}" type="datetimeFigureOut">
               <a:rPr lang="en-US" smtClean="0"/>
-              <a:t>12/3/21</a:t>
+              <a:t>12/4/21</a:t>
             </a:fld>
             <a:endParaRPr lang="en-US"/>
           </a:p>
@@ -5679,7 +5679,7 @@
           <a:p>
             <a:fld id="{957AC810-2335-1041-824F-64883289A110}" type="datetimeFigureOut">
               <a:rPr lang="en-US" smtClean="0"/>
-              <a:t>12/3/21</a:t>
+              <a:t>12/4/21</a:t>
             </a:fld>
             <a:endParaRPr lang="en-US"/>
           </a:p>
@@ -5920,7 +5920,7 @@
           <a:p>
             <a:fld id="{957AC810-2335-1041-824F-64883289A110}" type="datetimeFigureOut">
               <a:rPr lang="en-US" smtClean="0"/>
-              <a:t>12/3/21</a:t>
+              <a:t>12/4/21</a:t>
             </a:fld>
             <a:endParaRPr lang="en-US"/>
           </a:p>
@@ -8044,10 +8044,10 @@
       </p:sp>
       <p:pic>
         <p:nvPicPr>
-          <p:cNvPr id="5" name="Content Placeholder 4" descr="A picture containing text, receipt&#10;&#10;Description automatically generated">
+          <p:cNvPr id="8" name="Content Placeholder 7">
             <a:extLst>
               <a:ext uri="{FF2B5EF4-FFF2-40B4-BE49-F238E27FC236}">
-                <a16:creationId xmlns:a16="http://schemas.microsoft.com/office/drawing/2014/main" id="{A0999B91-A612-9044-8970-A2C0954905FA}"/>
+                <a16:creationId xmlns:a16="http://schemas.microsoft.com/office/drawing/2014/main" id="{CA24F527-0BA1-AF4B-AF60-C4CD2BDAE0F9}"/>
               </a:ext>
             </a:extLst>
           </p:cNvPr>
@@ -8066,8 +8066,35 @@
         </p:blipFill>
         <p:spPr>
           <a:xfrm>
-            <a:off x="5378208" y="640080"/>
-            <a:ext cx="5006986" cy="5578816"/>
+            <a:off x="6049021" y="532138"/>
+            <a:ext cx="5273173" cy="5736573"/>
+          </a:xfrm>
+        </p:spPr>
+      </p:pic>
+      <p:pic>
+        <p:nvPicPr>
+          <p:cNvPr id="10" name="Picture 9">
+            <a:extLst>
+              <a:ext uri="{FF2B5EF4-FFF2-40B4-BE49-F238E27FC236}">
+                <a16:creationId xmlns:a16="http://schemas.microsoft.com/office/drawing/2014/main" id="{C4D79A77-EE65-824E-BC78-2944CA5BBF7F}"/>
+              </a:ext>
+            </a:extLst>
+          </p:cNvPr>
+          <p:cNvPicPr>
+            <a:picLocks noChangeAspect="1"/>
+          </p:cNvPicPr>
+          <p:nvPr/>
+        </p:nvPicPr>
+        <p:blipFill>
+          <a:blip r:embed="rId3"/>
+          <a:stretch>
+            <a:fillRect/>
+          </a:stretch>
+        </p:blipFill>
+        <p:spPr>
+          <a:xfrm>
+            <a:off x="331747" y="3400425"/>
+            <a:ext cx="5517249" cy="3071090"/>
           </a:xfrm>
           <a:prstGeom prst="rect">
             <a:avLst/>

--- a/w266.pptx
+++ b/w266.pptx
@@ -13239,6 +13239,13 @@
               <a:t>Even though this Network itself has not performed well in distinguishing genuine and fake reviews, it does do a good job distinguishing coherent, relevant reviews about hotels/restaurants and irrelevant sentences.</a:t>
             </a:r>
           </a:p>
+          <a:p>
+            <a:r>
+              <a:rPr lang="en-US" sz="2400"/>
+              <a:t>Generated 44k fake reviews</a:t>
+            </a:r>
+            <a:endParaRPr lang="en-US" sz="2400" dirty="0"/>
+          </a:p>
         </p:txBody>
       </p:sp>
     </p:spTree>

--- a/w266.pptx
+++ b/w266.pptx
@@ -8482,7 +8482,7 @@
         </p:spPr>
         <p:txBody>
           <a:bodyPr anchor="ctr">
-            <a:normAutofit/>
+            <a:normAutofit fontScale="92500" lnSpcReduction="20000"/>
           </a:bodyPr>
           <a:lstStyle/>
           <a:p>
@@ -8523,11 +8523,24 @@
             <a:pPr lvl="1"/>
             <a:r>
               <a:rPr lang="en-US" dirty="0"/>
-              <a:t>More generated </a:t>
+              <a:t>Improve fidelity of the generated fake reviews</a:t>
+            </a:r>
+          </a:p>
+          <a:p>
+            <a:r>
+              <a:rPr lang="en-US" dirty="0"/>
+              <a:t>Model Tuning</a:t>
+            </a:r>
+          </a:p>
+          <a:p>
+            <a:pPr lvl="1"/>
+            <a:r>
+              <a:rPr lang="en-US" dirty="0"/>
+              <a:t>Try </a:t>
             </a:r>
             <a:r>
               <a:rPr lang="en-US"/>
-              <a:t>fake reviews</a:t>
+              <a:t>different hyperparameters</a:t>
             </a:r>
             <a:br>
               <a:rPr lang="en-US" dirty="0"/>
